--- a/Library App.pptx
+++ b/Library App.pptx
@@ -170,7 +170,7 @@
           <a:noFill/>
           <a:extLst>
             <a:ext uri="{909E8E84-426E-40dd-AFC4-6F175D3DCCD1}">
-              <a14:hiddenFill xmlns="" xmlns:a14="http://schemas.microsoft.com/office/drawing/2010/main">
+              <a14:hiddenFill xmlns:a14="http://schemas.microsoft.com/office/drawing/2010/main" xmlns="">
                 <a:solidFill>
                   <a:srgbClr val="FFFFFF"/>
                 </a:solidFill>
@@ -230,7 +230,7 @@
             </a:ln>
             <a:extLst>
               <a:ext uri="{91240B29-F687-4f45-9708-019B960494DF}">
-                <a14:hiddenLine xmlns="" xmlns:a14="http://schemas.microsoft.com/office/drawing/2010/main" w="9525">
+                <a14:hiddenLine xmlns:a14="http://schemas.microsoft.com/office/drawing/2010/main" xmlns="" w="9525">
                   <a:solidFill>
                     <a:srgbClr val="000000"/>
                   </a:solidFill>
@@ -320,7 +320,7 @@
             </a:ln>
             <a:extLst>
               <a:ext uri="{91240B29-F687-4f45-9708-019B960494DF}">
-                <a14:hiddenLine xmlns="" xmlns:a14="http://schemas.microsoft.com/office/drawing/2010/main" w="9525">
+                <a14:hiddenLine xmlns:a14="http://schemas.microsoft.com/office/drawing/2010/main" xmlns="" w="9525">
                   <a:solidFill>
                     <a:srgbClr val="000000"/>
                   </a:solidFill>
@@ -410,7 +410,7 @@
             </a:ln>
             <a:extLst>
               <a:ext uri="{91240B29-F687-4f45-9708-019B960494DF}">
-                <a14:hiddenLine xmlns="" xmlns:a14="http://schemas.microsoft.com/office/drawing/2010/main" w="9525">
+                <a14:hiddenLine xmlns:a14="http://schemas.microsoft.com/office/drawing/2010/main" xmlns="" w="9525">
                   <a:solidFill>
                     <a:srgbClr val="000000"/>
                   </a:solidFill>
@@ -444,7 +444,7 @@
             </a:ln>
             <a:extLst>
               <a:ext uri="{91240B29-F687-4f45-9708-019B960494DF}">
-                <a14:hiddenLine xmlns="" xmlns:a14="http://schemas.microsoft.com/office/drawing/2010/main" w="9525">
+                <a14:hiddenLine xmlns:a14="http://schemas.microsoft.com/office/drawing/2010/main" xmlns="" w="9525">
                   <a:solidFill>
                     <a:srgbClr val="000000"/>
                   </a:solidFill>
@@ -534,7 +534,7 @@
             </a:ln>
             <a:extLst>
               <a:ext uri="{91240B29-F687-4f45-9708-019B960494DF}">
-                <a14:hiddenLine xmlns="" xmlns:a14="http://schemas.microsoft.com/office/drawing/2010/main" w="9525">
+                <a14:hiddenLine xmlns:a14="http://schemas.microsoft.com/office/drawing/2010/main" xmlns="" w="9525">
                   <a:solidFill>
                     <a:srgbClr val="000000"/>
                   </a:solidFill>
@@ -596,7 +596,7 @@
             </a:ln>
             <a:extLst>
               <a:ext uri="{91240B29-F687-4f45-9708-019B960494DF}">
-                <a14:hiddenLine xmlns="" xmlns:a14="http://schemas.microsoft.com/office/drawing/2010/main" w="9525">
+                <a14:hiddenLine xmlns:a14="http://schemas.microsoft.com/office/drawing/2010/main" xmlns="" w="9525">
                   <a:solidFill>
                     <a:srgbClr val="000000"/>
                   </a:solidFill>
@@ -658,7 +658,7 @@
             </a:ln>
             <a:extLst>
               <a:ext uri="{91240B29-F687-4f45-9708-019B960494DF}">
-                <a14:hiddenLine xmlns="" xmlns:a14="http://schemas.microsoft.com/office/drawing/2010/main" w="9525">
+                <a14:hiddenLine xmlns:a14="http://schemas.microsoft.com/office/drawing/2010/main" xmlns="" w="9525">
                   <a:solidFill>
                     <a:srgbClr val="000000"/>
                   </a:solidFill>
@@ -748,7 +748,7 @@
             </a:ln>
             <a:extLst>
               <a:ext uri="{91240B29-F687-4f45-9708-019B960494DF}">
-                <a14:hiddenLine xmlns="" xmlns:a14="http://schemas.microsoft.com/office/drawing/2010/main" w="9525">
+                <a14:hiddenLine xmlns:a14="http://schemas.microsoft.com/office/drawing/2010/main" xmlns="" w="9525">
                   <a:solidFill>
                     <a:srgbClr val="000000"/>
                   </a:solidFill>
@@ -810,7 +810,7 @@
             </a:ln>
             <a:extLst>
               <a:ext uri="{91240B29-F687-4f45-9708-019B960494DF}">
-                <a14:hiddenLine xmlns="" xmlns:a14="http://schemas.microsoft.com/office/drawing/2010/main" w="9525">
+                <a14:hiddenLine xmlns:a14="http://schemas.microsoft.com/office/drawing/2010/main" xmlns="" w="9525">
                   <a:solidFill>
                     <a:srgbClr val="000000"/>
                   </a:solidFill>
@@ -872,7 +872,7 @@
             </a:ln>
             <a:extLst>
               <a:ext uri="{91240B29-F687-4f45-9708-019B960494DF}">
-                <a14:hiddenLine xmlns="" xmlns:a14="http://schemas.microsoft.com/office/drawing/2010/main" w="9525">
+                <a14:hiddenLine xmlns:a14="http://schemas.microsoft.com/office/drawing/2010/main" xmlns="" w="9525">
                   <a:solidFill>
                     <a:srgbClr val="000000"/>
                   </a:solidFill>
@@ -962,7 +962,7 @@
             </a:ln>
             <a:extLst>
               <a:ext uri="{91240B29-F687-4f45-9708-019B960494DF}">
-                <a14:hiddenLine xmlns="" xmlns:a14="http://schemas.microsoft.com/office/drawing/2010/main" w="9525">
+                <a14:hiddenLine xmlns:a14="http://schemas.microsoft.com/office/drawing/2010/main" xmlns="" w="9525">
                   <a:solidFill>
                     <a:srgbClr val="000000"/>
                   </a:solidFill>
@@ -1052,7 +1052,7 @@
             </a:ln>
             <a:extLst>
               <a:ext uri="{91240B29-F687-4f45-9708-019B960494DF}">
-                <a14:hiddenLine xmlns="" xmlns:a14="http://schemas.microsoft.com/office/drawing/2010/main" w="9525">
+                <a14:hiddenLine xmlns:a14="http://schemas.microsoft.com/office/drawing/2010/main" xmlns="" w="9525">
                   <a:solidFill>
                     <a:srgbClr val="000000"/>
                   </a:solidFill>
@@ -1114,7 +1114,7 @@
             </a:ln>
             <a:extLst>
               <a:ext uri="{91240B29-F687-4f45-9708-019B960494DF}">
-                <a14:hiddenLine xmlns="" xmlns:a14="http://schemas.microsoft.com/office/drawing/2010/main" w="9525">
+                <a14:hiddenLine xmlns:a14="http://schemas.microsoft.com/office/drawing/2010/main" xmlns="" w="9525">
                   <a:solidFill>
                     <a:srgbClr val="000000"/>
                   </a:solidFill>
@@ -1224,7 +1224,7 @@
             </a:ln>
             <a:extLst>
               <a:ext uri="{91240B29-F687-4f45-9708-019B960494DF}">
-                <a14:hiddenLine xmlns="" xmlns:a14="http://schemas.microsoft.com/office/drawing/2010/main" w="9525">
+                <a14:hiddenLine xmlns:a14="http://schemas.microsoft.com/office/drawing/2010/main" xmlns="" w="9525">
                   <a:solidFill>
                     <a:srgbClr val="000000"/>
                   </a:solidFill>
@@ -1286,7 +1286,7 @@
             </a:ln>
             <a:extLst>
               <a:ext uri="{91240B29-F687-4f45-9708-019B960494DF}">
-                <a14:hiddenLine xmlns="" xmlns:a14="http://schemas.microsoft.com/office/drawing/2010/main" w="9525">
+                <a14:hiddenLine xmlns:a14="http://schemas.microsoft.com/office/drawing/2010/main" xmlns="" w="9525">
                   <a:solidFill>
                     <a:srgbClr val="000000"/>
                   </a:solidFill>
@@ -1376,7 +1376,7 @@
             </a:ln>
             <a:extLst>
               <a:ext uri="{91240B29-F687-4f45-9708-019B960494DF}">
-                <a14:hiddenLine xmlns="" xmlns:a14="http://schemas.microsoft.com/office/drawing/2010/main" w="9525">
+                <a14:hiddenLine xmlns:a14="http://schemas.microsoft.com/office/drawing/2010/main" xmlns="" w="9525">
                   <a:solidFill>
                     <a:srgbClr val="000000"/>
                   </a:solidFill>
@@ -1466,7 +1466,7 @@
             </a:ln>
             <a:extLst>
               <a:ext uri="{91240B29-F687-4f45-9708-019B960494DF}">
-                <a14:hiddenLine xmlns="" xmlns:a14="http://schemas.microsoft.com/office/drawing/2010/main" w="9525">
+                <a14:hiddenLine xmlns:a14="http://schemas.microsoft.com/office/drawing/2010/main" xmlns="" w="9525">
                   <a:solidFill>
                     <a:srgbClr val="000000"/>
                   </a:solidFill>
@@ -1528,7 +1528,7 @@
             </a:ln>
             <a:extLst>
               <a:ext uri="{91240B29-F687-4f45-9708-019B960494DF}">
-                <a14:hiddenLine xmlns="" xmlns:a14="http://schemas.microsoft.com/office/drawing/2010/main" w="9525">
+                <a14:hiddenLine xmlns:a14="http://schemas.microsoft.com/office/drawing/2010/main" xmlns="" w="9525">
                   <a:solidFill>
                     <a:srgbClr val="000000"/>
                   </a:solidFill>
@@ -1618,7 +1618,7 @@
             </a:ln>
             <a:extLst>
               <a:ext uri="{91240B29-F687-4f45-9708-019B960494DF}">
-                <a14:hiddenLine xmlns="" xmlns:a14="http://schemas.microsoft.com/office/drawing/2010/main" w="9525">
+                <a14:hiddenLine xmlns:a14="http://schemas.microsoft.com/office/drawing/2010/main" xmlns="" w="9525">
                   <a:solidFill>
                     <a:srgbClr val="000000"/>
                   </a:solidFill>
@@ -1708,7 +1708,7 @@
             </a:ln>
             <a:extLst>
               <a:ext uri="{91240B29-F687-4f45-9708-019B960494DF}">
-                <a14:hiddenLine xmlns="" xmlns:a14="http://schemas.microsoft.com/office/drawing/2010/main" w="9525">
+                <a14:hiddenLine xmlns:a14="http://schemas.microsoft.com/office/drawing/2010/main" xmlns="" w="9525">
                   <a:solidFill>
                     <a:srgbClr val="000000"/>
                   </a:solidFill>
@@ -1764,7 +1764,7 @@
             </a:ln>
             <a:extLst>
               <a:ext uri="{91240B29-F687-4f45-9708-019B960494DF}">
-                <a14:hiddenLine xmlns="" xmlns:a14="http://schemas.microsoft.com/office/drawing/2010/main" w="9525">
+                <a14:hiddenLine xmlns:a14="http://schemas.microsoft.com/office/drawing/2010/main" xmlns="" w="9525">
                   <a:solidFill>
                     <a:srgbClr val="000000"/>
                   </a:solidFill>
@@ -1854,7 +1854,7 @@
             </a:ln>
             <a:extLst>
               <a:ext uri="{91240B29-F687-4f45-9708-019B960494DF}">
-                <a14:hiddenLine xmlns="" xmlns:a14="http://schemas.microsoft.com/office/drawing/2010/main" w="9525">
+                <a14:hiddenLine xmlns:a14="http://schemas.microsoft.com/office/drawing/2010/main" xmlns="" w="9525">
                   <a:solidFill>
                     <a:srgbClr val="000000"/>
                   </a:solidFill>
@@ -1910,7 +1910,7 @@
             </a:ln>
             <a:extLst>
               <a:ext uri="{91240B29-F687-4f45-9708-019B960494DF}">
-                <a14:hiddenLine xmlns="" xmlns:a14="http://schemas.microsoft.com/office/drawing/2010/main" w="9525">
+                <a14:hiddenLine xmlns:a14="http://schemas.microsoft.com/office/drawing/2010/main" xmlns="" w="9525">
                   <a:solidFill>
                     <a:srgbClr val="000000"/>
                   </a:solidFill>
@@ -2000,7 +2000,7 @@
             </a:ln>
             <a:extLst>
               <a:ext uri="{91240B29-F687-4f45-9708-019B960494DF}">
-                <a14:hiddenLine xmlns="" xmlns:a14="http://schemas.microsoft.com/office/drawing/2010/main" w="9525">
+                <a14:hiddenLine xmlns:a14="http://schemas.microsoft.com/office/drawing/2010/main" xmlns="" w="9525">
                   <a:solidFill>
                     <a:srgbClr val="000000"/>
                   </a:solidFill>
@@ -2068,7 +2068,7 @@
             </a:ln>
             <a:extLst>
               <a:ext uri="{91240B29-F687-4f45-9708-019B960494DF}">
-                <a14:hiddenLine xmlns="" xmlns:a14="http://schemas.microsoft.com/office/drawing/2010/main" w="9525">
+                <a14:hiddenLine xmlns:a14="http://schemas.microsoft.com/office/drawing/2010/main" xmlns="" w="9525">
                   <a:solidFill>
                     <a:srgbClr val="000000"/>
                   </a:solidFill>
@@ -2158,7 +2158,7 @@
             </a:ln>
             <a:extLst>
               <a:ext uri="{91240B29-F687-4f45-9708-019B960494DF}">
-                <a14:hiddenLine xmlns="" xmlns:a14="http://schemas.microsoft.com/office/drawing/2010/main" w="9525">
+                <a14:hiddenLine xmlns:a14="http://schemas.microsoft.com/office/drawing/2010/main" xmlns="" w="9525">
                   <a:solidFill>
                     <a:srgbClr val="000000"/>
                   </a:solidFill>
@@ -2226,7 +2226,7 @@
             </a:ln>
             <a:extLst>
               <a:ext uri="{91240B29-F687-4f45-9708-019B960494DF}">
-                <a14:hiddenLine xmlns="" xmlns:a14="http://schemas.microsoft.com/office/drawing/2010/main" w="9525">
+                <a14:hiddenLine xmlns:a14="http://schemas.microsoft.com/office/drawing/2010/main" xmlns="" w="9525">
                   <a:solidFill>
                     <a:srgbClr val="000000"/>
                   </a:solidFill>
@@ -2316,7 +2316,7 @@
             </a:ln>
             <a:extLst>
               <a:ext uri="{91240B29-F687-4f45-9708-019B960494DF}">
-                <a14:hiddenLine xmlns="" xmlns:a14="http://schemas.microsoft.com/office/drawing/2010/main" w="9525">
+                <a14:hiddenLine xmlns:a14="http://schemas.microsoft.com/office/drawing/2010/main" xmlns="" w="9525">
                   <a:solidFill>
                     <a:srgbClr val="000000"/>
                   </a:solidFill>
@@ -2350,7 +2350,7 @@
             </a:ln>
             <a:extLst>
               <a:ext uri="{91240B29-F687-4f45-9708-019B960494DF}">
-                <a14:hiddenLine xmlns="" xmlns:a14="http://schemas.microsoft.com/office/drawing/2010/main" w="9525">
+                <a14:hiddenLine xmlns:a14="http://schemas.microsoft.com/office/drawing/2010/main" xmlns="" w="9525">
                   <a:solidFill>
                     <a:srgbClr val="000000"/>
                   </a:solidFill>
@@ -2440,7 +2440,7 @@
             </a:ln>
             <a:extLst>
               <a:ext uri="{91240B29-F687-4f45-9708-019B960494DF}">
-                <a14:hiddenLine xmlns="" xmlns:a14="http://schemas.microsoft.com/office/drawing/2010/main" w="9525">
+                <a14:hiddenLine xmlns:a14="http://schemas.microsoft.com/office/drawing/2010/main" xmlns="" w="9525">
                   <a:solidFill>
                     <a:srgbClr val="000000"/>
                   </a:solidFill>
@@ -2502,7 +2502,7 @@
             </a:ln>
             <a:extLst>
               <a:ext uri="{91240B29-F687-4f45-9708-019B960494DF}">
-                <a14:hiddenLine xmlns="" xmlns:a14="http://schemas.microsoft.com/office/drawing/2010/main" w="9525">
+                <a14:hiddenLine xmlns:a14="http://schemas.microsoft.com/office/drawing/2010/main" xmlns="" w="9525">
                   <a:solidFill>
                     <a:srgbClr val="000000"/>
                   </a:solidFill>
@@ -2564,7 +2564,7 @@
             </a:ln>
             <a:extLst>
               <a:ext uri="{91240B29-F687-4f45-9708-019B960494DF}">
-                <a14:hiddenLine xmlns="" xmlns:a14="http://schemas.microsoft.com/office/drawing/2010/main" w="9525">
+                <a14:hiddenLine xmlns:a14="http://schemas.microsoft.com/office/drawing/2010/main" xmlns="" w="9525">
                   <a:solidFill>
                     <a:srgbClr val="000000"/>
                   </a:solidFill>
@@ -2654,7 +2654,7 @@
             </a:ln>
             <a:extLst>
               <a:ext uri="{91240B29-F687-4f45-9708-019B960494DF}">
-                <a14:hiddenLine xmlns="" xmlns:a14="http://schemas.microsoft.com/office/drawing/2010/main" w="9525">
+                <a14:hiddenLine xmlns:a14="http://schemas.microsoft.com/office/drawing/2010/main" xmlns="" w="9525">
                   <a:solidFill>
                     <a:srgbClr val="000000"/>
                   </a:solidFill>
@@ -2722,7 +2722,7 @@
             </a:ln>
             <a:extLst>
               <a:ext uri="{91240B29-F687-4f45-9708-019B960494DF}">
-                <a14:hiddenLine xmlns="" xmlns:a14="http://schemas.microsoft.com/office/drawing/2010/main" w="9525">
+                <a14:hiddenLine xmlns:a14="http://schemas.microsoft.com/office/drawing/2010/main" xmlns="" w="9525">
                   <a:solidFill>
                     <a:srgbClr val="000000"/>
                   </a:solidFill>
@@ -2784,7 +2784,7 @@
             </a:ln>
             <a:extLst>
               <a:ext uri="{91240B29-F687-4f45-9708-019B960494DF}">
-                <a14:hiddenLine xmlns="" xmlns:a14="http://schemas.microsoft.com/office/drawing/2010/main" w="9525">
+                <a14:hiddenLine xmlns:a14="http://schemas.microsoft.com/office/drawing/2010/main" xmlns="" w="9525">
                   <a:solidFill>
                     <a:srgbClr val="000000"/>
                   </a:solidFill>
@@ -2874,7 +2874,7 @@
             </a:ln>
             <a:extLst>
               <a:ext uri="{91240B29-F687-4f45-9708-019B960494DF}">
-                <a14:hiddenLine xmlns="" xmlns:a14="http://schemas.microsoft.com/office/drawing/2010/main" w="9525">
+                <a14:hiddenLine xmlns:a14="http://schemas.microsoft.com/office/drawing/2010/main" xmlns="" w="9525">
                   <a:solidFill>
                     <a:srgbClr val="000000"/>
                   </a:solidFill>
@@ -2936,7 +2936,7 @@
             </a:ln>
             <a:extLst>
               <a:ext uri="{91240B29-F687-4f45-9708-019B960494DF}">
-                <a14:hiddenLine xmlns="" xmlns:a14="http://schemas.microsoft.com/office/drawing/2010/main" w="9525">
+                <a14:hiddenLine xmlns:a14="http://schemas.microsoft.com/office/drawing/2010/main" xmlns="" w="9525">
                   <a:solidFill>
                     <a:srgbClr val="000000"/>
                   </a:solidFill>
@@ -3026,7 +3026,7 @@
             </a:ln>
             <a:extLst>
               <a:ext uri="{91240B29-F687-4f45-9708-019B960494DF}">
-                <a14:hiddenLine xmlns="" xmlns:a14="http://schemas.microsoft.com/office/drawing/2010/main" w="9525">
+                <a14:hiddenLine xmlns:a14="http://schemas.microsoft.com/office/drawing/2010/main" xmlns="" w="9525">
                   <a:solidFill>
                     <a:srgbClr val="000000"/>
                   </a:solidFill>
@@ -3088,7 +3088,7 @@
             </a:ln>
             <a:extLst>
               <a:ext uri="{91240B29-F687-4f45-9708-019B960494DF}">
-                <a14:hiddenLine xmlns="" xmlns:a14="http://schemas.microsoft.com/office/drawing/2010/main" w="9525">
+                <a14:hiddenLine xmlns:a14="http://schemas.microsoft.com/office/drawing/2010/main" xmlns="" w="9525">
                   <a:solidFill>
                     <a:srgbClr val="000000"/>
                   </a:solidFill>
@@ -3178,7 +3178,7 @@
             </a:ln>
             <a:extLst>
               <a:ext uri="{91240B29-F687-4f45-9708-019B960494DF}">
-                <a14:hiddenLine xmlns="" xmlns:a14="http://schemas.microsoft.com/office/drawing/2010/main" w="9525">
+                <a14:hiddenLine xmlns:a14="http://schemas.microsoft.com/office/drawing/2010/main" xmlns="" w="9525">
                   <a:solidFill>
                     <a:srgbClr val="000000"/>
                   </a:solidFill>
@@ -3212,7 +3212,7 @@
             </a:ln>
             <a:extLst>
               <a:ext uri="{91240B29-F687-4f45-9708-019B960494DF}">
-                <a14:hiddenLine xmlns="" xmlns:a14="http://schemas.microsoft.com/office/drawing/2010/main" w="9525">
+                <a14:hiddenLine xmlns:a14="http://schemas.microsoft.com/office/drawing/2010/main" xmlns="" w="9525">
                   <a:solidFill>
                     <a:srgbClr val="000000"/>
                   </a:solidFill>
@@ -3277,7 +3277,7 @@
             </a:ln>
             <a:extLst>
               <a:ext uri="{91240B29-F687-4f45-9708-019B960494DF}">
-                <a14:hiddenLine xmlns="" xmlns:a14="http://schemas.microsoft.com/office/drawing/2010/main" w="9525">
+                <a14:hiddenLine xmlns:a14="http://schemas.microsoft.com/office/drawing/2010/main" xmlns="" w="9525">
                   <a:solidFill>
                     <a:srgbClr val="000000"/>
                   </a:solidFill>
@@ -3367,7 +3367,7 @@
             </a:ln>
             <a:extLst>
               <a:ext uri="{91240B29-F687-4f45-9708-019B960494DF}">
-                <a14:hiddenLine xmlns="" xmlns:a14="http://schemas.microsoft.com/office/drawing/2010/main" w="9525">
+                <a14:hiddenLine xmlns:a14="http://schemas.microsoft.com/office/drawing/2010/main" xmlns="" w="9525">
                   <a:solidFill>
                     <a:srgbClr val="000000"/>
                   </a:solidFill>
@@ -3429,7 +3429,7 @@
             </a:ln>
             <a:extLst>
               <a:ext uri="{91240B29-F687-4f45-9708-019B960494DF}">
-                <a14:hiddenLine xmlns="" xmlns:a14="http://schemas.microsoft.com/office/drawing/2010/main" w="9525">
+                <a14:hiddenLine xmlns:a14="http://schemas.microsoft.com/office/drawing/2010/main" xmlns="" w="9525">
                   <a:solidFill>
                     <a:srgbClr val="000000"/>
                   </a:solidFill>
@@ -3519,7 +3519,7 @@
             </a:ln>
             <a:extLst>
               <a:ext uri="{91240B29-F687-4f45-9708-019B960494DF}">
-                <a14:hiddenLine xmlns="" xmlns:a14="http://schemas.microsoft.com/office/drawing/2010/main" w="9525">
+                <a14:hiddenLine xmlns:a14="http://schemas.microsoft.com/office/drawing/2010/main" xmlns="" w="9525">
                   <a:solidFill>
                     <a:srgbClr val="000000"/>
                   </a:solidFill>
@@ -3609,7 +3609,7 @@
             </a:ln>
             <a:extLst>
               <a:ext uri="{91240B29-F687-4f45-9708-019B960494DF}">
-                <a14:hiddenLine xmlns="" xmlns:a14="http://schemas.microsoft.com/office/drawing/2010/main" w="9525">
+                <a14:hiddenLine xmlns:a14="http://schemas.microsoft.com/office/drawing/2010/main" xmlns="" w="9525">
                   <a:solidFill>
                     <a:srgbClr val="000000"/>
                   </a:solidFill>
@@ -3674,7 +3674,7 @@
             </a:ln>
             <a:extLst>
               <a:ext uri="{91240B29-F687-4f45-9708-019B960494DF}">
-                <a14:hiddenLine xmlns="" xmlns:a14="http://schemas.microsoft.com/office/drawing/2010/main" w="9525">
+                <a14:hiddenLine xmlns:a14="http://schemas.microsoft.com/office/drawing/2010/main" xmlns="" w="9525">
                   <a:solidFill>
                     <a:srgbClr val="000000"/>
                   </a:solidFill>
@@ -3736,7 +3736,7 @@
             </a:ln>
             <a:extLst>
               <a:ext uri="{91240B29-F687-4f45-9708-019B960494DF}">
-                <a14:hiddenLine xmlns="" xmlns:a14="http://schemas.microsoft.com/office/drawing/2010/main" w="9525">
+                <a14:hiddenLine xmlns:a14="http://schemas.microsoft.com/office/drawing/2010/main" xmlns="" w="9525">
                   <a:solidFill>
                     <a:srgbClr val="000000"/>
                   </a:solidFill>
@@ -3826,7 +3826,7 @@
             </a:ln>
             <a:extLst>
               <a:ext uri="{91240B29-F687-4f45-9708-019B960494DF}">
-                <a14:hiddenLine xmlns="" xmlns:a14="http://schemas.microsoft.com/office/drawing/2010/main" w="9525">
+                <a14:hiddenLine xmlns:a14="http://schemas.microsoft.com/office/drawing/2010/main" xmlns="" w="9525">
                   <a:solidFill>
                     <a:srgbClr val="000000"/>
                   </a:solidFill>
@@ -3916,7 +3916,7 @@
             </a:ln>
             <a:extLst>
               <a:ext uri="{91240B29-F687-4f45-9708-019B960494DF}">
-                <a14:hiddenLine xmlns="" xmlns:a14="http://schemas.microsoft.com/office/drawing/2010/main" w="9525">
+                <a14:hiddenLine xmlns:a14="http://schemas.microsoft.com/office/drawing/2010/main" xmlns="" w="9525">
                   <a:solidFill>
                     <a:srgbClr val="000000"/>
                   </a:solidFill>
@@ -3978,7 +3978,7 @@
             </a:ln>
             <a:extLst>
               <a:ext uri="{91240B29-F687-4f45-9708-019B960494DF}">
-                <a14:hiddenLine xmlns="" xmlns:a14="http://schemas.microsoft.com/office/drawing/2010/main" w="9525">
+                <a14:hiddenLine xmlns:a14="http://schemas.microsoft.com/office/drawing/2010/main" xmlns="" w="9525">
                   <a:solidFill>
                     <a:srgbClr val="000000"/>
                   </a:solidFill>
@@ -4098,7 +4098,7 @@
             </a:ln>
             <a:extLst>
               <a:ext uri="{91240B29-F687-4f45-9708-019B960494DF}">
-                <a14:hiddenLine xmlns="" xmlns:a14="http://schemas.microsoft.com/office/drawing/2010/main" w="9525">
+                <a14:hiddenLine xmlns:a14="http://schemas.microsoft.com/office/drawing/2010/main" xmlns="" w="9525">
                   <a:solidFill>
                     <a:srgbClr val="000000"/>
                   </a:solidFill>
@@ -4166,7 +4166,7 @@
             </a:ln>
             <a:extLst>
               <a:ext uri="{91240B29-F687-4f45-9708-019B960494DF}">
-                <a14:hiddenLine xmlns="" xmlns:a14="http://schemas.microsoft.com/office/drawing/2010/main" w="9525">
+                <a14:hiddenLine xmlns:a14="http://schemas.microsoft.com/office/drawing/2010/main" xmlns="" w="9525">
                   <a:solidFill>
                     <a:srgbClr val="000000"/>
                   </a:solidFill>
@@ -4256,7 +4256,7 @@
             </a:ln>
             <a:extLst>
               <a:ext uri="{91240B29-F687-4f45-9708-019B960494DF}">
-                <a14:hiddenLine xmlns="" xmlns:a14="http://schemas.microsoft.com/office/drawing/2010/main" w="9525">
+                <a14:hiddenLine xmlns:a14="http://schemas.microsoft.com/office/drawing/2010/main" xmlns="" w="9525">
                   <a:solidFill>
                     <a:srgbClr val="000000"/>
                   </a:solidFill>
@@ -4396,7 +4396,7 @@
           <a:p>
             <a:fld id="{9A04FEBD-DA36-47BC-9F4D-7355AF7AC81C}" type="datetimeFigureOut">
               <a:rPr lang="he-IL" smtClean="0"/>
-              <a:t>ט'/תשרי/תשפ"ג</a:t>
+              <a:t>י"ג/תשרי/תשפ"ג</a:t>
             </a:fld>
             <a:endParaRPr lang="he-IL"/>
           </a:p>
@@ -4663,7 +4663,7 @@
           <a:p>
             <a:fld id="{9A04FEBD-DA36-47BC-9F4D-7355AF7AC81C}" type="datetimeFigureOut">
               <a:rPr lang="he-IL" smtClean="0"/>
-              <a:t>ט'/תשרי/תשפ"ג</a:t>
+              <a:t>י"ג/תשרי/תשפ"ג</a:t>
             </a:fld>
             <a:endParaRPr lang="he-IL"/>
           </a:p>
@@ -4859,7 +4859,7 @@
           <a:p>
             <a:fld id="{9A04FEBD-DA36-47BC-9F4D-7355AF7AC81C}" type="datetimeFigureOut">
               <a:rPr lang="he-IL" smtClean="0"/>
-              <a:t>ט'/תשרי/תשפ"ג</a:t>
+              <a:t>י"ג/תשרי/תשפ"ג</a:t>
             </a:fld>
             <a:endParaRPr lang="he-IL"/>
           </a:p>
@@ -5122,7 +5122,7 @@
           <a:p>
             <a:fld id="{9A04FEBD-DA36-47BC-9F4D-7355AF7AC81C}" type="datetimeFigureOut">
               <a:rPr lang="he-IL" smtClean="0"/>
-              <a:t>ט'/תשרי/תשפ"ג</a:t>
+              <a:t>י"ג/תשרי/תשפ"ג</a:t>
             </a:fld>
             <a:endParaRPr lang="he-IL"/>
           </a:p>
@@ -5556,7 +5556,7 @@
           <a:p>
             <a:fld id="{9A04FEBD-DA36-47BC-9F4D-7355AF7AC81C}" type="datetimeFigureOut">
               <a:rPr lang="he-IL" smtClean="0"/>
-              <a:t>ט'/תשרי/תשפ"ג</a:t>
+              <a:t>י"ג/תשרי/תשפ"ג</a:t>
             </a:fld>
             <a:endParaRPr lang="he-IL"/>
           </a:p>
@@ -6102,7 +6102,7 @@
           <a:p>
             <a:fld id="{9A04FEBD-DA36-47BC-9F4D-7355AF7AC81C}" type="datetimeFigureOut">
               <a:rPr lang="he-IL" smtClean="0"/>
-              <a:t>ט'/תשרי/תשפ"ג</a:t>
+              <a:t>י"ג/תשרי/תשפ"ג</a:t>
             </a:fld>
             <a:endParaRPr lang="he-IL"/>
           </a:p>
@@ -6822,7 +6822,7 @@
           <a:p>
             <a:fld id="{9A04FEBD-DA36-47BC-9F4D-7355AF7AC81C}" type="datetimeFigureOut">
               <a:rPr lang="he-IL" smtClean="0"/>
-              <a:t>ט'/תשרי/תשפ"ג</a:t>
+              <a:t>י"ג/תשרי/תשפ"ג</a:t>
             </a:fld>
             <a:endParaRPr lang="he-IL"/>
           </a:p>
@@ -6992,7 +6992,7 @@
           <a:p>
             <a:fld id="{9A04FEBD-DA36-47BC-9F4D-7355AF7AC81C}" type="datetimeFigureOut">
               <a:rPr lang="he-IL" smtClean="0"/>
-              <a:t>ט'/תשרי/תשפ"ג</a:t>
+              <a:t>י"ג/תשרי/תשפ"ג</a:t>
             </a:fld>
             <a:endParaRPr lang="he-IL"/>
           </a:p>
@@ -7172,7 +7172,7 @@
           <a:p>
             <a:fld id="{9A04FEBD-DA36-47BC-9F4D-7355AF7AC81C}" type="datetimeFigureOut">
               <a:rPr lang="he-IL" smtClean="0"/>
-              <a:t>ט'/תשרי/תשפ"ג</a:t>
+              <a:t>י"ג/תשרי/תשפ"ג</a:t>
             </a:fld>
             <a:endParaRPr lang="he-IL"/>
           </a:p>
@@ -7342,7 +7342,7 @@
           <a:p>
             <a:fld id="{9A04FEBD-DA36-47BC-9F4D-7355AF7AC81C}" type="datetimeFigureOut">
               <a:rPr lang="he-IL" smtClean="0"/>
-              <a:t>ט'/תשרי/תשפ"ג</a:t>
+              <a:t>י"ג/תשרי/תשפ"ג</a:t>
             </a:fld>
             <a:endParaRPr lang="he-IL"/>
           </a:p>
@@ -7592,7 +7592,7 @@
           <a:p>
             <a:fld id="{9A04FEBD-DA36-47BC-9F4D-7355AF7AC81C}" type="datetimeFigureOut">
               <a:rPr lang="he-IL" smtClean="0"/>
-              <a:t>ט'/תשרי/תשפ"ג</a:t>
+              <a:t>י"ג/תשרי/תשפ"ג</a:t>
             </a:fld>
             <a:endParaRPr lang="he-IL"/>
           </a:p>
@@ -7824,7 +7824,7 @@
           <a:p>
             <a:fld id="{9A04FEBD-DA36-47BC-9F4D-7355AF7AC81C}" type="datetimeFigureOut">
               <a:rPr lang="he-IL" smtClean="0"/>
-              <a:t>ט'/תשרי/תשפ"ג</a:t>
+              <a:t>י"ג/תשרי/תשפ"ג</a:t>
             </a:fld>
             <a:endParaRPr lang="he-IL"/>
           </a:p>
@@ -8205,7 +8205,7 @@
           <a:p>
             <a:fld id="{9A04FEBD-DA36-47BC-9F4D-7355AF7AC81C}" type="datetimeFigureOut">
               <a:rPr lang="he-IL" smtClean="0"/>
-              <a:t>ט'/תשרי/תשפ"ג</a:t>
+              <a:t>י"ג/תשרי/תשפ"ג</a:t>
             </a:fld>
             <a:endParaRPr lang="he-IL"/>
           </a:p>
@@ -8323,7 +8323,7 @@
           <a:p>
             <a:fld id="{9A04FEBD-DA36-47BC-9F4D-7355AF7AC81C}" type="datetimeFigureOut">
               <a:rPr lang="he-IL" smtClean="0"/>
-              <a:t>ט'/תשרי/תשפ"ג</a:t>
+              <a:t>י"ג/תשרי/תשפ"ג</a:t>
             </a:fld>
             <a:endParaRPr lang="he-IL"/>
           </a:p>
@@ -8418,7 +8418,7 @@
           <a:p>
             <a:fld id="{9A04FEBD-DA36-47BC-9F4D-7355AF7AC81C}" type="datetimeFigureOut">
               <a:rPr lang="he-IL" smtClean="0"/>
-              <a:t>ט'/תשרי/תשפ"ג</a:t>
+              <a:t>י"ג/תשרי/תשפ"ג</a:t>
             </a:fld>
             <a:endParaRPr lang="he-IL"/>
           </a:p>
@@ -8667,7 +8667,7 @@
           <a:p>
             <a:fld id="{9A04FEBD-DA36-47BC-9F4D-7355AF7AC81C}" type="datetimeFigureOut">
               <a:rPr lang="he-IL" smtClean="0"/>
-              <a:t>ט'/תשרי/תשפ"ג</a:t>
+              <a:t>י"ג/תשרי/תשפ"ג</a:t>
             </a:fld>
             <a:endParaRPr lang="he-IL"/>
           </a:p>
@@ -8947,7 +8947,7 @@
           <a:p>
             <a:fld id="{9A04FEBD-DA36-47BC-9F4D-7355AF7AC81C}" type="datetimeFigureOut">
               <a:rPr lang="he-IL" smtClean="0"/>
-              <a:t>ט'/תשרי/תשפ"ג</a:t>
+              <a:t>י"ג/תשרי/תשפ"ג</a:t>
             </a:fld>
             <a:endParaRPr lang="he-IL"/>
           </a:p>
@@ -9063,7 +9063,7 @@
           <a:noFill/>
           <a:extLst>
             <a:ext uri="{909E8E84-426E-40dd-AFC4-6F175D3DCCD1}">
-              <a14:hiddenFill xmlns="" xmlns:a14="http://schemas.microsoft.com/office/drawing/2010/main">
+              <a14:hiddenFill xmlns:a14="http://schemas.microsoft.com/office/drawing/2010/main" xmlns="">
                 <a:solidFill>
                   <a:srgbClr val="FFFFFF"/>
                 </a:solidFill>
@@ -9137,7 +9137,7 @@
               </a:ln>
               <a:extLst>
                 <a:ext uri="{91240B29-F687-4f45-9708-019B960494DF}">
-                  <a14:hiddenLine xmlns="" xmlns:a14="http://schemas.microsoft.com/office/drawing/2010/main" w="9525">
+                  <a14:hiddenLine xmlns:a14="http://schemas.microsoft.com/office/drawing/2010/main" xmlns="" w="9525">
                     <a:solidFill>
                       <a:srgbClr val="000000"/>
                     </a:solidFill>
@@ -9227,7 +9227,7 @@
               </a:ln>
               <a:extLst>
                 <a:ext uri="{91240B29-F687-4f45-9708-019B960494DF}">
-                  <a14:hiddenLine xmlns="" xmlns:a14="http://schemas.microsoft.com/office/drawing/2010/main" w="9525">
+                  <a14:hiddenLine xmlns:a14="http://schemas.microsoft.com/office/drawing/2010/main" xmlns="" w="9525">
                     <a:solidFill>
                       <a:srgbClr val="000000"/>
                     </a:solidFill>
@@ -9317,7 +9317,7 @@
               </a:ln>
               <a:extLst>
                 <a:ext uri="{91240B29-F687-4f45-9708-019B960494DF}">
-                  <a14:hiddenLine xmlns="" xmlns:a14="http://schemas.microsoft.com/office/drawing/2010/main" w="9525">
+                  <a14:hiddenLine xmlns:a14="http://schemas.microsoft.com/office/drawing/2010/main" xmlns="" w="9525">
                     <a:solidFill>
                       <a:srgbClr val="000000"/>
                     </a:solidFill>
@@ -9379,7 +9379,7 @@
               </a:ln>
               <a:extLst>
                 <a:ext uri="{91240B29-F687-4f45-9708-019B960494DF}">
-                  <a14:hiddenLine xmlns="" xmlns:a14="http://schemas.microsoft.com/office/drawing/2010/main" w="9525">
+                  <a14:hiddenLine xmlns:a14="http://schemas.microsoft.com/office/drawing/2010/main" xmlns="" w="9525">
                     <a:solidFill>
                       <a:srgbClr val="000000"/>
                     </a:solidFill>
@@ -9469,7 +9469,7 @@
               </a:ln>
               <a:extLst>
                 <a:ext uri="{91240B29-F687-4f45-9708-019B960494DF}">
-                  <a14:hiddenLine xmlns="" xmlns:a14="http://schemas.microsoft.com/office/drawing/2010/main" w="9525">
+                  <a14:hiddenLine xmlns:a14="http://schemas.microsoft.com/office/drawing/2010/main" xmlns="" w="9525">
                     <a:solidFill>
                       <a:srgbClr val="000000"/>
                     </a:solidFill>
@@ -9531,7 +9531,7 @@
               </a:ln>
               <a:extLst>
                 <a:ext uri="{91240B29-F687-4f45-9708-019B960494DF}">
-                  <a14:hiddenLine xmlns="" xmlns:a14="http://schemas.microsoft.com/office/drawing/2010/main" w="9525">
+                  <a14:hiddenLine xmlns:a14="http://schemas.microsoft.com/office/drawing/2010/main" xmlns="" w="9525">
                     <a:solidFill>
                       <a:srgbClr val="000000"/>
                     </a:solidFill>
@@ -9593,7 +9593,7 @@
               </a:ln>
               <a:extLst>
                 <a:ext uri="{91240B29-F687-4f45-9708-019B960494DF}">
-                  <a14:hiddenLine xmlns="" xmlns:a14="http://schemas.microsoft.com/office/drawing/2010/main" w="9525">
+                  <a14:hiddenLine xmlns:a14="http://schemas.microsoft.com/office/drawing/2010/main" xmlns="" w="9525">
                     <a:solidFill>
                       <a:srgbClr val="000000"/>
                     </a:solidFill>
@@ -9683,7 +9683,7 @@
               </a:ln>
               <a:extLst>
                 <a:ext uri="{91240B29-F687-4f45-9708-019B960494DF}">
-                  <a14:hiddenLine xmlns="" xmlns:a14="http://schemas.microsoft.com/office/drawing/2010/main" w="9525">
+                  <a14:hiddenLine xmlns:a14="http://schemas.microsoft.com/office/drawing/2010/main" xmlns="" w="9525">
                     <a:solidFill>
                       <a:srgbClr val="000000"/>
                     </a:solidFill>
@@ -9773,7 +9773,7 @@
               </a:ln>
               <a:extLst>
                 <a:ext uri="{91240B29-F687-4f45-9708-019B960494DF}">
-                  <a14:hiddenLine xmlns="" xmlns:a14="http://schemas.microsoft.com/office/drawing/2010/main" w="9525">
+                  <a14:hiddenLine xmlns:a14="http://schemas.microsoft.com/office/drawing/2010/main" xmlns="" w="9525">
                     <a:solidFill>
                       <a:srgbClr val="000000"/>
                     </a:solidFill>
@@ -9835,7 +9835,7 @@
               </a:ln>
               <a:extLst>
                 <a:ext uri="{91240B29-F687-4f45-9708-019B960494DF}">
-                  <a14:hiddenLine xmlns="" xmlns:a14="http://schemas.microsoft.com/office/drawing/2010/main" w="9525">
+                  <a14:hiddenLine xmlns:a14="http://schemas.microsoft.com/office/drawing/2010/main" xmlns="" w="9525">
                     <a:solidFill>
                       <a:srgbClr val="000000"/>
                     </a:solidFill>
@@ -9945,7 +9945,7 @@
               </a:ln>
               <a:extLst>
                 <a:ext uri="{91240B29-F687-4f45-9708-019B960494DF}">
-                  <a14:hiddenLine xmlns="" xmlns:a14="http://schemas.microsoft.com/office/drawing/2010/main" w="9525">
+                  <a14:hiddenLine xmlns:a14="http://schemas.microsoft.com/office/drawing/2010/main" xmlns="" w="9525">
                     <a:solidFill>
                       <a:srgbClr val="000000"/>
                     </a:solidFill>
@@ -10029,7 +10029,7 @@
               </a:ln>
               <a:extLst>
                 <a:ext uri="{91240B29-F687-4f45-9708-019B960494DF}">
-                  <a14:hiddenLine xmlns="" xmlns:a14="http://schemas.microsoft.com/office/drawing/2010/main" w="9525">
+                  <a14:hiddenLine xmlns:a14="http://schemas.microsoft.com/office/drawing/2010/main" xmlns="" w="9525">
                     <a:solidFill>
                       <a:srgbClr val="000000"/>
                     </a:solidFill>
@@ -10091,7 +10091,7 @@
               </a:ln>
               <a:extLst>
                 <a:ext uri="{91240B29-F687-4f45-9708-019B960494DF}">
-                  <a14:hiddenLine xmlns="" xmlns:a14="http://schemas.microsoft.com/office/drawing/2010/main" w="9525">
+                  <a14:hiddenLine xmlns:a14="http://schemas.microsoft.com/office/drawing/2010/main" xmlns="" w="9525">
                     <a:solidFill>
                       <a:srgbClr val="000000"/>
                     </a:solidFill>
@@ -10153,7 +10153,7 @@
               </a:ln>
               <a:extLst>
                 <a:ext uri="{91240B29-F687-4f45-9708-019B960494DF}">
-                  <a14:hiddenLine xmlns="" xmlns:a14="http://schemas.microsoft.com/office/drawing/2010/main" w="9525">
+                  <a14:hiddenLine xmlns:a14="http://schemas.microsoft.com/office/drawing/2010/main" xmlns="" w="9525">
                     <a:solidFill>
                       <a:srgbClr val="000000"/>
                     </a:solidFill>
@@ -10243,7 +10243,7 @@
               </a:ln>
               <a:extLst>
                 <a:ext uri="{91240B29-F687-4f45-9708-019B960494DF}">
-                  <a14:hiddenLine xmlns="" xmlns:a14="http://schemas.microsoft.com/office/drawing/2010/main" w="9525">
+                  <a14:hiddenLine xmlns:a14="http://schemas.microsoft.com/office/drawing/2010/main" xmlns="" w="9525">
                     <a:solidFill>
                       <a:srgbClr val="000000"/>
                     </a:solidFill>
@@ -10277,7 +10277,7 @@
               </a:ln>
               <a:extLst>
                 <a:ext uri="{91240B29-F687-4f45-9708-019B960494DF}">
-                  <a14:hiddenLine xmlns="" xmlns:a14="http://schemas.microsoft.com/office/drawing/2010/main" w="9525">
+                  <a14:hiddenLine xmlns:a14="http://schemas.microsoft.com/office/drawing/2010/main" xmlns="" w="9525">
                     <a:solidFill>
                       <a:srgbClr val="000000"/>
                     </a:solidFill>
@@ -10342,7 +10342,7 @@
               </a:ln>
               <a:extLst>
                 <a:ext uri="{91240B29-F687-4f45-9708-019B960494DF}">
-                  <a14:hiddenLine xmlns="" xmlns:a14="http://schemas.microsoft.com/office/drawing/2010/main" w="9525">
+                  <a14:hiddenLine xmlns:a14="http://schemas.microsoft.com/office/drawing/2010/main" xmlns="" w="9525">
                     <a:solidFill>
                       <a:srgbClr val="000000"/>
                     </a:solidFill>
@@ -10432,7 +10432,7 @@
               </a:ln>
               <a:extLst>
                 <a:ext uri="{91240B29-F687-4f45-9708-019B960494DF}">
-                  <a14:hiddenLine xmlns="" xmlns:a14="http://schemas.microsoft.com/office/drawing/2010/main" w="9525">
+                  <a14:hiddenLine xmlns:a14="http://schemas.microsoft.com/office/drawing/2010/main" xmlns="" w="9525">
                     <a:solidFill>
                       <a:srgbClr val="000000"/>
                     </a:solidFill>
@@ -10494,7 +10494,7 @@
               </a:ln>
               <a:extLst>
                 <a:ext uri="{91240B29-F687-4f45-9708-019B960494DF}">
-                  <a14:hiddenLine xmlns="" xmlns:a14="http://schemas.microsoft.com/office/drawing/2010/main" w="9525">
+                  <a14:hiddenLine xmlns:a14="http://schemas.microsoft.com/office/drawing/2010/main" xmlns="" w="9525">
                     <a:solidFill>
                       <a:srgbClr val="000000"/>
                     </a:solidFill>
@@ -10584,7 +10584,7 @@
               </a:ln>
               <a:extLst>
                 <a:ext uri="{91240B29-F687-4f45-9708-019B960494DF}">
-                  <a14:hiddenLine xmlns="" xmlns:a14="http://schemas.microsoft.com/office/drawing/2010/main" w="9525">
+                  <a14:hiddenLine xmlns:a14="http://schemas.microsoft.com/office/drawing/2010/main" xmlns="" w="9525">
                     <a:solidFill>
                       <a:srgbClr val="000000"/>
                     </a:solidFill>
@@ -10649,7 +10649,7 @@
               </a:ln>
               <a:extLst>
                 <a:ext uri="{91240B29-F687-4f45-9708-019B960494DF}">
-                  <a14:hiddenLine xmlns="" xmlns:a14="http://schemas.microsoft.com/office/drawing/2010/main" w="9525">
+                  <a14:hiddenLine xmlns:a14="http://schemas.microsoft.com/office/drawing/2010/main" xmlns="" w="9525">
                     <a:solidFill>
                       <a:srgbClr val="000000"/>
                     </a:solidFill>
@@ -10711,7 +10711,7 @@
               </a:ln>
               <a:extLst>
                 <a:ext uri="{91240B29-F687-4f45-9708-019B960494DF}">
-                  <a14:hiddenLine xmlns="" xmlns:a14="http://schemas.microsoft.com/office/drawing/2010/main" w="9525">
+                  <a14:hiddenLine xmlns:a14="http://schemas.microsoft.com/office/drawing/2010/main" xmlns="" w="9525">
                     <a:solidFill>
                       <a:srgbClr val="000000"/>
                     </a:solidFill>
@@ -10801,7 +10801,7 @@
               </a:ln>
               <a:extLst>
                 <a:ext uri="{91240B29-F687-4f45-9708-019B960494DF}">
-                  <a14:hiddenLine xmlns="" xmlns:a14="http://schemas.microsoft.com/office/drawing/2010/main" w="9525">
+                  <a14:hiddenLine xmlns:a14="http://schemas.microsoft.com/office/drawing/2010/main" xmlns="" w="9525">
                     <a:solidFill>
                       <a:srgbClr val="000000"/>
                     </a:solidFill>
@@ -10891,7 +10891,7 @@
               </a:ln>
               <a:extLst>
                 <a:ext uri="{91240B29-F687-4f45-9708-019B960494DF}">
-                  <a14:hiddenLine xmlns="" xmlns:a14="http://schemas.microsoft.com/office/drawing/2010/main" w="9525">
+                  <a14:hiddenLine xmlns:a14="http://schemas.microsoft.com/office/drawing/2010/main" xmlns="" w="9525">
                     <a:solidFill>
                       <a:srgbClr val="000000"/>
                     </a:solidFill>
@@ -10956,7 +10956,7 @@
               </a:ln>
               <a:extLst>
                 <a:ext uri="{91240B29-F687-4f45-9708-019B960494DF}">
-                  <a14:hiddenLine xmlns="" xmlns:a14="http://schemas.microsoft.com/office/drawing/2010/main" w="9525">
+                  <a14:hiddenLine xmlns:a14="http://schemas.microsoft.com/office/drawing/2010/main" xmlns="" w="9525">
                     <a:solidFill>
                       <a:srgbClr val="000000"/>
                     </a:solidFill>
@@ -11076,7 +11076,7 @@
               </a:ln>
               <a:extLst>
                 <a:ext uri="{91240B29-F687-4f45-9708-019B960494DF}">
-                  <a14:hiddenLine xmlns="" xmlns:a14="http://schemas.microsoft.com/office/drawing/2010/main" w="9525">
+                  <a14:hiddenLine xmlns:a14="http://schemas.microsoft.com/office/drawing/2010/main" xmlns="" w="9525">
                     <a:solidFill>
                       <a:srgbClr val="000000"/>
                     </a:solidFill>
@@ -11174,7 +11174,7 @@
               </a:ln>
               <a:extLst>
                 <a:ext uri="{91240B29-F687-4f45-9708-019B960494DF}">
-                  <a14:hiddenLine xmlns="" xmlns:a14="http://schemas.microsoft.com/office/drawing/2010/main" w="9525">
+                  <a14:hiddenLine xmlns:a14="http://schemas.microsoft.com/office/drawing/2010/main" xmlns="" w="9525">
                     <a:solidFill>
                       <a:srgbClr val="000000"/>
                     </a:solidFill>
@@ -11289,7 +11289,7 @@
               </a:ln>
               <a:extLst>
                 <a:ext uri="{91240B29-F687-4f45-9708-019B960494DF}">
-                  <a14:hiddenLine xmlns="" xmlns:a14="http://schemas.microsoft.com/office/drawing/2010/main" w="9525">
+                  <a14:hiddenLine xmlns:a14="http://schemas.microsoft.com/office/drawing/2010/main" xmlns="" w="9525">
                     <a:solidFill>
                       <a:srgbClr val="000000"/>
                     </a:solidFill>
@@ -11379,7 +11379,7 @@
               </a:ln>
               <a:extLst>
                 <a:ext uri="{91240B29-F687-4f45-9708-019B960494DF}">
-                  <a14:hiddenLine xmlns="" xmlns:a14="http://schemas.microsoft.com/office/drawing/2010/main" w="9525">
+                  <a14:hiddenLine xmlns:a14="http://schemas.microsoft.com/office/drawing/2010/main" xmlns="" w="9525">
                     <a:solidFill>
                       <a:srgbClr val="000000"/>
                     </a:solidFill>
@@ -11444,7 +11444,7 @@
               </a:ln>
               <a:extLst>
                 <a:ext uri="{91240B29-F687-4f45-9708-019B960494DF}">
-                  <a14:hiddenLine xmlns="" xmlns:a14="http://schemas.microsoft.com/office/drawing/2010/main" w="9525">
+                  <a14:hiddenLine xmlns:a14="http://schemas.microsoft.com/office/drawing/2010/main" xmlns="" w="9525">
                     <a:solidFill>
                       <a:srgbClr val="000000"/>
                     </a:solidFill>
@@ -11534,7 +11534,7 @@
               </a:ln>
               <a:extLst>
                 <a:ext uri="{91240B29-F687-4f45-9708-019B960494DF}">
-                  <a14:hiddenLine xmlns="" xmlns:a14="http://schemas.microsoft.com/office/drawing/2010/main" w="9525">
+                  <a14:hiddenLine xmlns:a14="http://schemas.microsoft.com/office/drawing/2010/main" xmlns="" w="9525">
                     <a:solidFill>
                       <a:srgbClr val="000000"/>
                     </a:solidFill>
@@ -11602,7 +11602,7 @@
               </a:ln>
               <a:extLst>
                 <a:ext uri="{91240B29-F687-4f45-9708-019B960494DF}">
-                  <a14:hiddenLine xmlns="" xmlns:a14="http://schemas.microsoft.com/office/drawing/2010/main" w="9525">
+                  <a14:hiddenLine xmlns:a14="http://schemas.microsoft.com/office/drawing/2010/main" xmlns="" w="9525">
                     <a:solidFill>
                       <a:srgbClr val="000000"/>
                     </a:solidFill>
@@ -11692,7 +11692,7 @@
               </a:ln>
               <a:extLst>
                 <a:ext uri="{91240B29-F687-4f45-9708-019B960494DF}">
-                  <a14:hiddenLine xmlns="" xmlns:a14="http://schemas.microsoft.com/office/drawing/2010/main" w="9525">
+                  <a14:hiddenLine xmlns:a14="http://schemas.microsoft.com/office/drawing/2010/main" xmlns="" w="9525">
                     <a:solidFill>
                       <a:srgbClr val="000000"/>
                     </a:solidFill>
@@ -11760,7 +11760,7 @@
               </a:ln>
               <a:extLst>
                 <a:ext uri="{91240B29-F687-4f45-9708-019B960494DF}">
-                  <a14:hiddenLine xmlns="" xmlns:a14="http://schemas.microsoft.com/office/drawing/2010/main" w="9525">
+                  <a14:hiddenLine xmlns:a14="http://schemas.microsoft.com/office/drawing/2010/main" xmlns="" w="9525">
                     <a:solidFill>
                       <a:srgbClr val="000000"/>
                     </a:solidFill>
@@ -11850,7 +11850,7 @@
               </a:ln>
               <a:extLst>
                 <a:ext uri="{91240B29-F687-4f45-9708-019B960494DF}">
-                  <a14:hiddenLine xmlns="" xmlns:a14="http://schemas.microsoft.com/office/drawing/2010/main" w="9525">
+                  <a14:hiddenLine xmlns:a14="http://schemas.microsoft.com/office/drawing/2010/main" xmlns="" w="9525">
                     <a:solidFill>
                       <a:srgbClr val="000000"/>
                     </a:solidFill>
@@ -11884,7 +11884,7 @@
               </a:ln>
               <a:extLst>
                 <a:ext uri="{91240B29-F687-4f45-9708-019B960494DF}">
-                  <a14:hiddenLine xmlns="" xmlns:a14="http://schemas.microsoft.com/office/drawing/2010/main" w="9525">
+                  <a14:hiddenLine xmlns:a14="http://schemas.microsoft.com/office/drawing/2010/main" xmlns="" w="9525">
                     <a:solidFill>
                       <a:srgbClr val="000000"/>
                     </a:solidFill>
@@ -12024,7 +12024,7 @@
           <a:p>
             <a:fld id="{9A04FEBD-DA36-47BC-9F4D-7355AF7AC81C}" type="datetimeFigureOut">
               <a:rPr lang="he-IL" smtClean="0"/>
-              <a:t>ט'/תשרי/תשפ"ג</a:t>
+              <a:t>י"ג/תשרי/תשפ"ג</a:t>
             </a:fld>
             <a:endParaRPr lang="he-IL"/>
           </a:p>
@@ -12848,7 +12848,7 @@
           <a:noFill/>
           <a:extLst>
             <a:ext uri="{909E8E84-426E-40dd-AFC4-6F175D3DCCD1}">
-              <a14:hiddenFill xmlns="" xmlns:a16="http://schemas.microsoft.com/office/drawing/2014/main" xmlns:p14="http://schemas.microsoft.com/office/powerpoint/2010/main" xmlns:a14="http://schemas.microsoft.com/office/drawing/2010/main">
+              <a14:hiddenFill xmlns:a14="http://schemas.microsoft.com/office/drawing/2010/main" xmlns:p14="http://schemas.microsoft.com/office/powerpoint/2010/main" xmlns:a16="http://schemas.microsoft.com/office/drawing/2014/main" xmlns="">
                 <a:solidFill>
                   <a:srgbClr val="FFFFFF"/>
                 </a:solidFill>
@@ -12940,7 +12940,7 @@
             </a:ln>
             <a:extLst>
               <a:ext uri="{91240B29-F687-4f45-9708-019B960494DF}">
-                <a14:hiddenLine xmlns="" xmlns:a16="http://schemas.microsoft.com/office/drawing/2014/main" xmlns:p14="http://schemas.microsoft.com/office/powerpoint/2010/main" xmlns:a14="http://schemas.microsoft.com/office/drawing/2010/main" w="9525">
+                <a14:hiddenLine xmlns:a14="http://schemas.microsoft.com/office/drawing/2010/main" xmlns:p14="http://schemas.microsoft.com/office/powerpoint/2010/main" xmlns:a16="http://schemas.microsoft.com/office/drawing/2014/main" xmlns="" w="9525">
                   <a:solidFill>
                     <a:srgbClr val="000000"/>
                   </a:solidFill>
@@ -13045,7 +13045,7 @@
             </a:ln>
             <a:extLst>
               <a:ext uri="{91240B29-F687-4f45-9708-019B960494DF}">
-                <a14:hiddenLine xmlns="" xmlns:a16="http://schemas.microsoft.com/office/drawing/2014/main" xmlns:p14="http://schemas.microsoft.com/office/powerpoint/2010/main" xmlns:a14="http://schemas.microsoft.com/office/drawing/2010/main" w="9525">
+                <a14:hiddenLine xmlns:a14="http://schemas.microsoft.com/office/drawing/2010/main" xmlns:p14="http://schemas.microsoft.com/office/powerpoint/2010/main" xmlns:a16="http://schemas.microsoft.com/office/drawing/2014/main" xmlns="" w="9525">
                   <a:solidFill>
                     <a:srgbClr val="000000"/>
                   </a:solidFill>
@@ -13150,7 +13150,7 @@
             </a:ln>
             <a:extLst>
               <a:ext uri="{91240B29-F687-4f45-9708-019B960494DF}">
-                <a14:hiddenLine xmlns="" xmlns:a16="http://schemas.microsoft.com/office/drawing/2014/main" xmlns:p14="http://schemas.microsoft.com/office/powerpoint/2010/main" xmlns:a14="http://schemas.microsoft.com/office/drawing/2010/main" w="9525">
+                <a14:hiddenLine xmlns:a14="http://schemas.microsoft.com/office/drawing/2010/main" xmlns:p14="http://schemas.microsoft.com/office/powerpoint/2010/main" xmlns:a16="http://schemas.microsoft.com/office/drawing/2014/main" xmlns="" w="9525">
                   <a:solidFill>
                     <a:srgbClr val="000000"/>
                   </a:solidFill>
@@ -13199,7 +13199,7 @@
             </a:ln>
             <a:extLst>
               <a:ext uri="{91240B29-F687-4f45-9708-019B960494DF}">
-                <a14:hiddenLine xmlns="" xmlns:a16="http://schemas.microsoft.com/office/drawing/2014/main" xmlns:p14="http://schemas.microsoft.com/office/powerpoint/2010/main" xmlns:a14="http://schemas.microsoft.com/office/drawing/2010/main" w="9525">
+                <a14:hiddenLine xmlns:a14="http://schemas.microsoft.com/office/drawing/2010/main" xmlns:p14="http://schemas.microsoft.com/office/powerpoint/2010/main" xmlns:a16="http://schemas.microsoft.com/office/drawing/2014/main" xmlns="" w="9525">
                   <a:solidFill>
                     <a:srgbClr val="000000"/>
                   </a:solidFill>
@@ -13304,7 +13304,7 @@
             </a:ln>
             <a:extLst>
               <a:ext uri="{91240B29-F687-4f45-9708-019B960494DF}">
-                <a14:hiddenLine xmlns="" xmlns:a16="http://schemas.microsoft.com/office/drawing/2014/main" xmlns:p14="http://schemas.microsoft.com/office/powerpoint/2010/main" xmlns:a14="http://schemas.microsoft.com/office/drawing/2010/main" w="9525">
+                <a14:hiddenLine xmlns:a14="http://schemas.microsoft.com/office/drawing/2010/main" xmlns:p14="http://schemas.microsoft.com/office/powerpoint/2010/main" xmlns:a16="http://schemas.microsoft.com/office/drawing/2014/main" xmlns="" w="9525">
                   <a:solidFill>
                     <a:srgbClr val="000000"/>
                   </a:solidFill>
@@ -13381,7 +13381,7 @@
             </a:ln>
             <a:extLst>
               <a:ext uri="{91240B29-F687-4f45-9708-019B960494DF}">
-                <a14:hiddenLine xmlns="" xmlns:a16="http://schemas.microsoft.com/office/drawing/2014/main" xmlns:p14="http://schemas.microsoft.com/office/powerpoint/2010/main" xmlns:a14="http://schemas.microsoft.com/office/drawing/2010/main" w="9525">
+                <a14:hiddenLine xmlns:a14="http://schemas.microsoft.com/office/drawing/2010/main" xmlns:p14="http://schemas.microsoft.com/office/powerpoint/2010/main" xmlns:a16="http://schemas.microsoft.com/office/drawing/2014/main" xmlns="" w="9525">
                   <a:solidFill>
                     <a:srgbClr val="000000"/>
                   </a:solidFill>
@@ -13458,7 +13458,7 @@
             </a:ln>
             <a:extLst>
               <a:ext uri="{91240B29-F687-4f45-9708-019B960494DF}">
-                <a14:hiddenLine xmlns="" xmlns:a16="http://schemas.microsoft.com/office/drawing/2014/main" xmlns:p14="http://schemas.microsoft.com/office/powerpoint/2010/main" xmlns:a14="http://schemas.microsoft.com/office/drawing/2010/main" w="9525">
+                <a14:hiddenLine xmlns:a14="http://schemas.microsoft.com/office/drawing/2010/main" xmlns:p14="http://schemas.microsoft.com/office/powerpoint/2010/main" xmlns:a16="http://schemas.microsoft.com/office/drawing/2014/main" xmlns="" w="9525">
                   <a:solidFill>
                     <a:srgbClr val="000000"/>
                   </a:solidFill>
@@ -13563,7 +13563,7 @@
             </a:ln>
             <a:extLst>
               <a:ext uri="{91240B29-F687-4f45-9708-019B960494DF}">
-                <a14:hiddenLine xmlns="" xmlns:a16="http://schemas.microsoft.com/office/drawing/2014/main" xmlns:p14="http://schemas.microsoft.com/office/powerpoint/2010/main" xmlns:a14="http://schemas.microsoft.com/office/drawing/2010/main" w="9525">
+                <a14:hiddenLine xmlns:a14="http://schemas.microsoft.com/office/drawing/2010/main" xmlns:p14="http://schemas.microsoft.com/office/powerpoint/2010/main" xmlns:a16="http://schemas.microsoft.com/office/drawing/2014/main" xmlns="" w="9525">
                   <a:solidFill>
                     <a:srgbClr val="000000"/>
                   </a:solidFill>
@@ -13640,7 +13640,7 @@
             </a:ln>
             <a:extLst>
               <a:ext uri="{91240B29-F687-4f45-9708-019B960494DF}">
-                <a14:hiddenLine xmlns="" xmlns:a16="http://schemas.microsoft.com/office/drawing/2014/main" xmlns:p14="http://schemas.microsoft.com/office/powerpoint/2010/main" xmlns:a14="http://schemas.microsoft.com/office/drawing/2010/main" w="9525">
+                <a14:hiddenLine xmlns:a14="http://schemas.microsoft.com/office/drawing/2010/main" xmlns:p14="http://schemas.microsoft.com/office/powerpoint/2010/main" xmlns:a16="http://schemas.microsoft.com/office/drawing/2014/main" xmlns="" w="9525">
                   <a:solidFill>
                     <a:srgbClr val="000000"/>
                   </a:solidFill>
@@ -13717,7 +13717,7 @@
             </a:ln>
             <a:extLst>
               <a:ext uri="{91240B29-F687-4f45-9708-019B960494DF}">
-                <a14:hiddenLine xmlns="" xmlns:a16="http://schemas.microsoft.com/office/drawing/2014/main" xmlns:p14="http://schemas.microsoft.com/office/powerpoint/2010/main" xmlns:a14="http://schemas.microsoft.com/office/drawing/2010/main" w="9525">
+                <a14:hiddenLine xmlns:a14="http://schemas.microsoft.com/office/drawing/2010/main" xmlns:p14="http://schemas.microsoft.com/office/powerpoint/2010/main" xmlns:a16="http://schemas.microsoft.com/office/drawing/2014/main" xmlns="" w="9525">
                   <a:solidFill>
                     <a:srgbClr val="000000"/>
                   </a:solidFill>
@@ -13822,7 +13822,7 @@
             </a:ln>
             <a:extLst>
               <a:ext uri="{91240B29-F687-4f45-9708-019B960494DF}">
-                <a14:hiddenLine xmlns="" xmlns:a16="http://schemas.microsoft.com/office/drawing/2014/main" xmlns:p14="http://schemas.microsoft.com/office/powerpoint/2010/main" xmlns:a14="http://schemas.microsoft.com/office/drawing/2010/main" w="9525">
+                <a14:hiddenLine xmlns:a14="http://schemas.microsoft.com/office/drawing/2010/main" xmlns:p14="http://schemas.microsoft.com/office/powerpoint/2010/main" xmlns:a16="http://schemas.microsoft.com/office/drawing/2014/main" xmlns="" w="9525">
                   <a:solidFill>
                     <a:srgbClr val="000000"/>
                   </a:solidFill>
@@ -13927,7 +13927,7 @@
             </a:ln>
             <a:extLst>
               <a:ext uri="{91240B29-F687-4f45-9708-019B960494DF}">
-                <a14:hiddenLine xmlns="" xmlns:a16="http://schemas.microsoft.com/office/drawing/2014/main" xmlns:p14="http://schemas.microsoft.com/office/powerpoint/2010/main" xmlns:a14="http://schemas.microsoft.com/office/drawing/2010/main" w="9525">
+                <a14:hiddenLine xmlns:a14="http://schemas.microsoft.com/office/drawing/2010/main" xmlns:p14="http://schemas.microsoft.com/office/powerpoint/2010/main" xmlns:a16="http://schemas.microsoft.com/office/drawing/2014/main" xmlns="" w="9525">
                   <a:solidFill>
                     <a:srgbClr val="000000"/>
                   </a:solidFill>
@@ -14004,7 +14004,7 @@
             </a:ln>
             <a:extLst>
               <a:ext uri="{91240B29-F687-4f45-9708-019B960494DF}">
-                <a14:hiddenLine xmlns="" xmlns:a16="http://schemas.microsoft.com/office/drawing/2014/main" xmlns:p14="http://schemas.microsoft.com/office/powerpoint/2010/main" xmlns:a14="http://schemas.microsoft.com/office/drawing/2010/main" w="9525">
+                <a14:hiddenLine xmlns:a14="http://schemas.microsoft.com/office/drawing/2010/main" xmlns:p14="http://schemas.microsoft.com/office/powerpoint/2010/main" xmlns:a16="http://schemas.microsoft.com/office/drawing/2014/main" xmlns="" w="9525">
                   <a:solidFill>
                     <a:srgbClr val="000000"/>
                   </a:solidFill>
@@ -14129,7 +14129,7 @@
             </a:ln>
             <a:extLst>
               <a:ext uri="{91240B29-F687-4f45-9708-019B960494DF}">
-                <a14:hiddenLine xmlns="" xmlns:a16="http://schemas.microsoft.com/office/drawing/2014/main" xmlns:p14="http://schemas.microsoft.com/office/powerpoint/2010/main" xmlns:a14="http://schemas.microsoft.com/office/drawing/2010/main" w="9525">
+                <a14:hiddenLine xmlns:a14="http://schemas.microsoft.com/office/drawing/2010/main" xmlns:p14="http://schemas.microsoft.com/office/powerpoint/2010/main" xmlns:a16="http://schemas.microsoft.com/office/drawing/2014/main" xmlns="" w="9525">
                   <a:solidFill>
                     <a:srgbClr val="000000"/>
                   </a:solidFill>
@@ -14206,7 +14206,7 @@
             </a:ln>
             <a:extLst>
               <a:ext uri="{91240B29-F687-4f45-9708-019B960494DF}">
-                <a14:hiddenLine xmlns="" xmlns:a16="http://schemas.microsoft.com/office/drawing/2014/main" xmlns:p14="http://schemas.microsoft.com/office/powerpoint/2010/main" xmlns:a14="http://schemas.microsoft.com/office/drawing/2010/main" w="9525">
+                <a14:hiddenLine xmlns:a14="http://schemas.microsoft.com/office/drawing/2010/main" xmlns:p14="http://schemas.microsoft.com/office/powerpoint/2010/main" xmlns:a16="http://schemas.microsoft.com/office/drawing/2014/main" xmlns="" w="9525">
                   <a:solidFill>
                     <a:srgbClr val="000000"/>
                   </a:solidFill>
@@ -14311,7 +14311,7 @@
             </a:ln>
             <a:extLst>
               <a:ext uri="{91240B29-F687-4f45-9708-019B960494DF}">
-                <a14:hiddenLine xmlns="" xmlns:a16="http://schemas.microsoft.com/office/drawing/2014/main" xmlns:p14="http://schemas.microsoft.com/office/powerpoint/2010/main" xmlns:a14="http://schemas.microsoft.com/office/drawing/2010/main" w="9525">
+                <a14:hiddenLine xmlns:a14="http://schemas.microsoft.com/office/drawing/2010/main" xmlns:p14="http://schemas.microsoft.com/office/powerpoint/2010/main" xmlns:a16="http://schemas.microsoft.com/office/drawing/2014/main" xmlns="" w="9525">
                   <a:solidFill>
                     <a:srgbClr val="000000"/>
                   </a:solidFill>
@@ -14416,7 +14416,7 @@
             </a:ln>
             <a:extLst>
               <a:ext uri="{91240B29-F687-4f45-9708-019B960494DF}">
-                <a14:hiddenLine xmlns="" xmlns:a16="http://schemas.microsoft.com/office/drawing/2014/main" xmlns:p14="http://schemas.microsoft.com/office/powerpoint/2010/main" xmlns:a14="http://schemas.microsoft.com/office/drawing/2010/main" w="9525">
+                <a14:hiddenLine xmlns:a14="http://schemas.microsoft.com/office/drawing/2010/main" xmlns:p14="http://schemas.microsoft.com/office/powerpoint/2010/main" xmlns:a16="http://schemas.microsoft.com/office/drawing/2014/main" xmlns="" w="9525">
                   <a:solidFill>
                     <a:srgbClr val="000000"/>
                   </a:solidFill>
@@ -14493,7 +14493,7 @@
             </a:ln>
             <a:extLst>
               <a:ext uri="{91240B29-F687-4f45-9708-019B960494DF}">
-                <a14:hiddenLine xmlns="" xmlns:a16="http://schemas.microsoft.com/office/drawing/2014/main" xmlns:p14="http://schemas.microsoft.com/office/powerpoint/2010/main" xmlns:a14="http://schemas.microsoft.com/office/drawing/2010/main" w="9525">
+                <a14:hiddenLine xmlns:a14="http://schemas.microsoft.com/office/drawing/2010/main" xmlns:p14="http://schemas.microsoft.com/office/powerpoint/2010/main" xmlns:a16="http://schemas.microsoft.com/office/drawing/2014/main" xmlns="" w="9525">
                   <a:solidFill>
                     <a:srgbClr val="000000"/>
                   </a:solidFill>
@@ -14598,7 +14598,7 @@
             </a:ln>
             <a:extLst>
               <a:ext uri="{91240B29-F687-4f45-9708-019B960494DF}">
-                <a14:hiddenLine xmlns="" xmlns:a16="http://schemas.microsoft.com/office/drawing/2014/main" xmlns:p14="http://schemas.microsoft.com/office/powerpoint/2010/main" xmlns:a14="http://schemas.microsoft.com/office/drawing/2010/main" w="9525">
+                <a14:hiddenLine xmlns:a14="http://schemas.microsoft.com/office/drawing/2010/main" xmlns:p14="http://schemas.microsoft.com/office/powerpoint/2010/main" xmlns:a16="http://schemas.microsoft.com/office/drawing/2014/main" xmlns="" w="9525">
                   <a:solidFill>
                     <a:srgbClr val="000000"/>
                   </a:solidFill>
@@ -14703,7 +14703,7 @@
             </a:ln>
             <a:extLst>
               <a:ext uri="{91240B29-F687-4f45-9708-019B960494DF}">
-                <a14:hiddenLine xmlns="" xmlns:a16="http://schemas.microsoft.com/office/drawing/2014/main" xmlns:p14="http://schemas.microsoft.com/office/powerpoint/2010/main" xmlns:a14="http://schemas.microsoft.com/office/drawing/2010/main" w="9525">
+                <a14:hiddenLine xmlns:a14="http://schemas.microsoft.com/office/drawing/2010/main" xmlns:p14="http://schemas.microsoft.com/office/powerpoint/2010/main" xmlns:a16="http://schemas.microsoft.com/office/drawing/2014/main" xmlns="" w="9525">
                   <a:solidFill>
                     <a:srgbClr val="000000"/>
                   </a:solidFill>
@@ -14774,7 +14774,7 @@
             </a:ln>
             <a:extLst>
               <a:ext uri="{91240B29-F687-4f45-9708-019B960494DF}">
-                <a14:hiddenLine xmlns="" xmlns:a16="http://schemas.microsoft.com/office/drawing/2014/main" xmlns:p14="http://schemas.microsoft.com/office/powerpoint/2010/main" xmlns:a14="http://schemas.microsoft.com/office/drawing/2010/main" w="9525">
+                <a14:hiddenLine xmlns:a14="http://schemas.microsoft.com/office/drawing/2010/main" xmlns:p14="http://schemas.microsoft.com/office/powerpoint/2010/main" xmlns:a16="http://schemas.microsoft.com/office/drawing/2014/main" xmlns="" w="9525">
                   <a:solidFill>
                     <a:srgbClr val="000000"/>
                   </a:solidFill>
@@ -14879,7 +14879,7 @@
             </a:ln>
             <a:extLst>
               <a:ext uri="{91240B29-F687-4f45-9708-019B960494DF}">
-                <a14:hiddenLine xmlns="" xmlns:a16="http://schemas.microsoft.com/office/drawing/2014/main" xmlns:p14="http://schemas.microsoft.com/office/powerpoint/2010/main" xmlns:a14="http://schemas.microsoft.com/office/drawing/2010/main" w="9525">
+                <a14:hiddenLine xmlns:a14="http://schemas.microsoft.com/office/drawing/2010/main" xmlns:p14="http://schemas.microsoft.com/office/powerpoint/2010/main" xmlns:a16="http://schemas.microsoft.com/office/drawing/2014/main" xmlns="" w="9525">
                   <a:solidFill>
                     <a:srgbClr val="000000"/>
                   </a:solidFill>
@@ -14950,7 +14950,7 @@
             </a:ln>
             <a:extLst>
               <a:ext uri="{91240B29-F687-4f45-9708-019B960494DF}">
-                <a14:hiddenLine xmlns="" xmlns:a16="http://schemas.microsoft.com/office/drawing/2014/main" xmlns:p14="http://schemas.microsoft.com/office/powerpoint/2010/main" xmlns:a14="http://schemas.microsoft.com/office/drawing/2010/main" w="9525">
+                <a14:hiddenLine xmlns:a14="http://schemas.microsoft.com/office/drawing/2010/main" xmlns:p14="http://schemas.microsoft.com/office/powerpoint/2010/main" xmlns:a16="http://schemas.microsoft.com/office/drawing/2014/main" xmlns="" w="9525">
                   <a:solidFill>
                     <a:srgbClr val="000000"/>
                   </a:solidFill>
@@ -15055,7 +15055,7 @@
             </a:ln>
             <a:extLst>
               <a:ext uri="{91240B29-F687-4f45-9708-019B960494DF}">
-                <a14:hiddenLine xmlns="" xmlns:a16="http://schemas.microsoft.com/office/drawing/2014/main" xmlns:p14="http://schemas.microsoft.com/office/powerpoint/2010/main" xmlns:a14="http://schemas.microsoft.com/office/drawing/2010/main" w="9525">
+                <a14:hiddenLine xmlns:a14="http://schemas.microsoft.com/office/drawing/2010/main" xmlns:p14="http://schemas.microsoft.com/office/powerpoint/2010/main" xmlns:a16="http://schemas.microsoft.com/office/drawing/2014/main" xmlns="" w="9525">
                   <a:solidFill>
                     <a:srgbClr val="000000"/>
                   </a:solidFill>
@@ -15138,7 +15138,7 @@
             </a:ln>
             <a:extLst>
               <a:ext uri="{91240B29-F687-4f45-9708-019B960494DF}">
-                <a14:hiddenLine xmlns="" xmlns:a16="http://schemas.microsoft.com/office/drawing/2014/main" xmlns:p14="http://schemas.microsoft.com/office/powerpoint/2010/main" xmlns:a14="http://schemas.microsoft.com/office/drawing/2010/main" w="9525">
+                <a14:hiddenLine xmlns:a14="http://schemas.microsoft.com/office/drawing/2010/main" xmlns:p14="http://schemas.microsoft.com/office/powerpoint/2010/main" xmlns:a16="http://schemas.microsoft.com/office/drawing/2014/main" xmlns="" w="9525">
                   <a:solidFill>
                     <a:srgbClr val="000000"/>
                   </a:solidFill>
@@ -15243,7 +15243,7 @@
             </a:ln>
             <a:extLst>
               <a:ext uri="{91240B29-F687-4f45-9708-019B960494DF}">
-                <a14:hiddenLine xmlns="" xmlns:a16="http://schemas.microsoft.com/office/drawing/2014/main" xmlns:p14="http://schemas.microsoft.com/office/powerpoint/2010/main" xmlns:a14="http://schemas.microsoft.com/office/drawing/2010/main" w="9525">
+                <a14:hiddenLine xmlns:a14="http://schemas.microsoft.com/office/drawing/2010/main" xmlns:p14="http://schemas.microsoft.com/office/powerpoint/2010/main" xmlns:a16="http://schemas.microsoft.com/office/drawing/2014/main" xmlns="" w="9525">
                   <a:solidFill>
                     <a:srgbClr val="000000"/>
                   </a:solidFill>
@@ -15326,7 +15326,7 @@
             </a:ln>
             <a:extLst>
               <a:ext uri="{91240B29-F687-4f45-9708-019B960494DF}">
-                <a14:hiddenLine xmlns="" xmlns:a16="http://schemas.microsoft.com/office/drawing/2014/main" xmlns:p14="http://schemas.microsoft.com/office/powerpoint/2010/main" xmlns:a14="http://schemas.microsoft.com/office/drawing/2010/main" w="9525">
+                <a14:hiddenLine xmlns:a14="http://schemas.microsoft.com/office/drawing/2010/main" xmlns:p14="http://schemas.microsoft.com/office/powerpoint/2010/main" xmlns:a16="http://schemas.microsoft.com/office/drawing/2014/main" xmlns="" w="9525">
                   <a:solidFill>
                     <a:srgbClr val="000000"/>
                   </a:solidFill>
@@ -15431,7 +15431,7 @@
             </a:ln>
             <a:extLst>
               <a:ext uri="{91240B29-F687-4f45-9708-019B960494DF}">
-                <a14:hiddenLine xmlns="" xmlns:a16="http://schemas.microsoft.com/office/drawing/2014/main" xmlns:p14="http://schemas.microsoft.com/office/powerpoint/2010/main" xmlns:a14="http://schemas.microsoft.com/office/drawing/2010/main" w="9525">
+                <a14:hiddenLine xmlns:a14="http://schemas.microsoft.com/office/drawing/2010/main" xmlns:p14="http://schemas.microsoft.com/office/powerpoint/2010/main" xmlns:a16="http://schemas.microsoft.com/office/drawing/2014/main" xmlns="" w="9525">
                   <a:solidFill>
                     <a:srgbClr val="000000"/>
                   </a:solidFill>
@@ -15480,7 +15480,7 @@
             </a:ln>
             <a:extLst>
               <a:ext uri="{91240B29-F687-4f45-9708-019B960494DF}">
-                <a14:hiddenLine xmlns="" xmlns:a16="http://schemas.microsoft.com/office/drawing/2014/main" xmlns:p14="http://schemas.microsoft.com/office/powerpoint/2010/main" xmlns:a14="http://schemas.microsoft.com/office/drawing/2010/main" w="9525">
+                <a14:hiddenLine xmlns:a14="http://schemas.microsoft.com/office/drawing/2010/main" xmlns:p14="http://schemas.microsoft.com/office/powerpoint/2010/main" xmlns:a16="http://schemas.microsoft.com/office/drawing/2014/main" xmlns="" w="9525">
                   <a:solidFill>
                     <a:srgbClr val="000000"/>
                   </a:solidFill>
@@ -15585,7 +15585,7 @@
             </a:ln>
             <a:extLst>
               <a:ext uri="{91240B29-F687-4f45-9708-019B960494DF}">
-                <a14:hiddenLine xmlns="" xmlns:a16="http://schemas.microsoft.com/office/drawing/2014/main" xmlns:p14="http://schemas.microsoft.com/office/powerpoint/2010/main" xmlns:a14="http://schemas.microsoft.com/office/drawing/2010/main" w="9525">
+                <a14:hiddenLine xmlns:a14="http://schemas.microsoft.com/office/drawing/2010/main" xmlns:p14="http://schemas.microsoft.com/office/powerpoint/2010/main" xmlns:a16="http://schemas.microsoft.com/office/drawing/2014/main" xmlns="" w="9525">
                   <a:solidFill>
                     <a:srgbClr val="000000"/>
                   </a:solidFill>
@@ -15662,7 +15662,7 @@
             </a:ln>
             <a:extLst>
               <a:ext uri="{91240B29-F687-4f45-9708-019B960494DF}">
-                <a14:hiddenLine xmlns="" xmlns:a16="http://schemas.microsoft.com/office/drawing/2014/main" xmlns:p14="http://schemas.microsoft.com/office/powerpoint/2010/main" xmlns:a14="http://schemas.microsoft.com/office/drawing/2010/main" w="9525">
+                <a14:hiddenLine xmlns:a14="http://schemas.microsoft.com/office/drawing/2010/main" xmlns:p14="http://schemas.microsoft.com/office/powerpoint/2010/main" xmlns:a16="http://schemas.microsoft.com/office/drawing/2014/main" xmlns="" w="9525">
                   <a:solidFill>
                     <a:srgbClr val="000000"/>
                   </a:solidFill>
@@ -15739,7 +15739,7 @@
             </a:ln>
             <a:extLst>
               <a:ext uri="{91240B29-F687-4f45-9708-019B960494DF}">
-                <a14:hiddenLine xmlns="" xmlns:a16="http://schemas.microsoft.com/office/drawing/2014/main" xmlns:p14="http://schemas.microsoft.com/office/powerpoint/2010/main" xmlns:a14="http://schemas.microsoft.com/office/drawing/2010/main" w="9525">
+                <a14:hiddenLine xmlns:a14="http://schemas.microsoft.com/office/drawing/2010/main" xmlns:p14="http://schemas.microsoft.com/office/powerpoint/2010/main" xmlns:a16="http://schemas.microsoft.com/office/drawing/2014/main" xmlns="" w="9525">
                   <a:solidFill>
                     <a:srgbClr val="000000"/>
                   </a:solidFill>
@@ -15844,7 +15844,7 @@
             </a:ln>
             <a:extLst>
               <a:ext uri="{91240B29-F687-4f45-9708-019B960494DF}">
-                <a14:hiddenLine xmlns="" xmlns:a16="http://schemas.microsoft.com/office/drawing/2014/main" xmlns:p14="http://schemas.microsoft.com/office/powerpoint/2010/main" xmlns:a14="http://schemas.microsoft.com/office/drawing/2010/main" w="9525">
+                <a14:hiddenLine xmlns:a14="http://schemas.microsoft.com/office/drawing/2010/main" xmlns:p14="http://schemas.microsoft.com/office/powerpoint/2010/main" xmlns:a16="http://schemas.microsoft.com/office/drawing/2014/main" xmlns="" w="9525">
                   <a:solidFill>
                     <a:srgbClr val="000000"/>
                   </a:solidFill>
@@ -15927,7 +15927,7 @@
             </a:ln>
             <a:extLst>
               <a:ext uri="{91240B29-F687-4f45-9708-019B960494DF}">
-                <a14:hiddenLine xmlns="" xmlns:a16="http://schemas.microsoft.com/office/drawing/2014/main" xmlns:p14="http://schemas.microsoft.com/office/powerpoint/2010/main" xmlns:a14="http://schemas.microsoft.com/office/drawing/2010/main" w="9525">
+                <a14:hiddenLine xmlns:a14="http://schemas.microsoft.com/office/drawing/2010/main" xmlns:p14="http://schemas.microsoft.com/office/powerpoint/2010/main" xmlns:a16="http://schemas.microsoft.com/office/drawing/2014/main" xmlns="" w="9525">
                   <a:solidFill>
                     <a:srgbClr val="000000"/>
                   </a:solidFill>
@@ -16004,7 +16004,7 @@
             </a:ln>
             <a:extLst>
               <a:ext uri="{91240B29-F687-4f45-9708-019B960494DF}">
-                <a14:hiddenLine xmlns="" xmlns:a16="http://schemas.microsoft.com/office/drawing/2014/main" xmlns:p14="http://schemas.microsoft.com/office/powerpoint/2010/main" xmlns:a14="http://schemas.microsoft.com/office/drawing/2010/main" w="9525">
+                <a14:hiddenLine xmlns:a14="http://schemas.microsoft.com/office/drawing/2010/main" xmlns:p14="http://schemas.microsoft.com/office/powerpoint/2010/main" xmlns:a16="http://schemas.microsoft.com/office/drawing/2014/main" xmlns="" w="9525">
                   <a:solidFill>
                     <a:srgbClr val="000000"/>
                   </a:solidFill>
@@ -16109,7 +16109,7 @@
             </a:ln>
             <a:extLst>
               <a:ext uri="{91240B29-F687-4f45-9708-019B960494DF}">
-                <a14:hiddenLine xmlns="" xmlns:a16="http://schemas.microsoft.com/office/drawing/2014/main" xmlns:p14="http://schemas.microsoft.com/office/powerpoint/2010/main" xmlns:a14="http://schemas.microsoft.com/office/drawing/2010/main" w="9525">
+                <a14:hiddenLine xmlns:a14="http://schemas.microsoft.com/office/drawing/2010/main" xmlns:p14="http://schemas.microsoft.com/office/powerpoint/2010/main" xmlns:a16="http://schemas.microsoft.com/office/drawing/2014/main" xmlns="" w="9525">
                   <a:solidFill>
                     <a:srgbClr val="000000"/>
                   </a:solidFill>
@@ -16186,7 +16186,7 @@
             </a:ln>
             <a:extLst>
               <a:ext uri="{91240B29-F687-4f45-9708-019B960494DF}">
-                <a14:hiddenLine xmlns="" xmlns:a16="http://schemas.microsoft.com/office/drawing/2014/main" xmlns:p14="http://schemas.microsoft.com/office/powerpoint/2010/main" xmlns:a14="http://schemas.microsoft.com/office/drawing/2010/main" w="9525">
+                <a14:hiddenLine xmlns:a14="http://schemas.microsoft.com/office/drawing/2010/main" xmlns:p14="http://schemas.microsoft.com/office/powerpoint/2010/main" xmlns:a16="http://schemas.microsoft.com/office/drawing/2014/main" xmlns="" w="9525">
                   <a:solidFill>
                     <a:srgbClr val="000000"/>
                   </a:solidFill>
@@ -16291,7 +16291,7 @@
             </a:ln>
             <a:extLst>
               <a:ext uri="{91240B29-F687-4f45-9708-019B960494DF}">
-                <a14:hiddenLine xmlns="" xmlns:a16="http://schemas.microsoft.com/office/drawing/2014/main" xmlns:p14="http://schemas.microsoft.com/office/powerpoint/2010/main" xmlns:a14="http://schemas.microsoft.com/office/drawing/2010/main" w="9525">
+                <a14:hiddenLine xmlns:a14="http://schemas.microsoft.com/office/drawing/2010/main" xmlns:p14="http://schemas.microsoft.com/office/powerpoint/2010/main" xmlns:a16="http://schemas.microsoft.com/office/drawing/2014/main" xmlns="" w="9525">
                   <a:solidFill>
                     <a:srgbClr val="000000"/>
                   </a:solidFill>
@@ -16368,7 +16368,7 @@
             </a:ln>
             <a:extLst>
               <a:ext uri="{91240B29-F687-4f45-9708-019B960494DF}">
-                <a14:hiddenLine xmlns="" xmlns:a16="http://schemas.microsoft.com/office/drawing/2014/main" xmlns:p14="http://schemas.microsoft.com/office/powerpoint/2010/main" xmlns:a14="http://schemas.microsoft.com/office/drawing/2010/main" w="9525">
+                <a14:hiddenLine xmlns:a14="http://schemas.microsoft.com/office/drawing/2010/main" xmlns:p14="http://schemas.microsoft.com/office/powerpoint/2010/main" xmlns:a16="http://schemas.microsoft.com/office/drawing/2014/main" xmlns="" w="9525">
                   <a:solidFill>
                     <a:srgbClr val="000000"/>
                   </a:solidFill>
@@ -16473,7 +16473,7 @@
             </a:ln>
             <a:extLst>
               <a:ext uri="{91240B29-F687-4f45-9708-019B960494DF}">
-                <a14:hiddenLine xmlns="" xmlns:a16="http://schemas.microsoft.com/office/drawing/2014/main" xmlns:p14="http://schemas.microsoft.com/office/powerpoint/2010/main" xmlns:a14="http://schemas.microsoft.com/office/drawing/2010/main" w="9525">
+                <a14:hiddenLine xmlns:a14="http://schemas.microsoft.com/office/drawing/2010/main" xmlns:p14="http://schemas.microsoft.com/office/powerpoint/2010/main" xmlns:a16="http://schemas.microsoft.com/office/drawing/2014/main" xmlns="" w="9525">
                   <a:solidFill>
                     <a:srgbClr val="000000"/>
                   </a:solidFill>
@@ -16522,7 +16522,7 @@
             </a:ln>
             <a:extLst>
               <a:ext uri="{91240B29-F687-4f45-9708-019B960494DF}">
-                <a14:hiddenLine xmlns="" xmlns:a16="http://schemas.microsoft.com/office/drawing/2014/main" xmlns:p14="http://schemas.microsoft.com/office/powerpoint/2010/main" xmlns:a14="http://schemas.microsoft.com/office/drawing/2010/main" w="9525">
+                <a14:hiddenLine xmlns:a14="http://schemas.microsoft.com/office/drawing/2010/main" xmlns:p14="http://schemas.microsoft.com/office/powerpoint/2010/main" xmlns:a16="http://schemas.microsoft.com/office/drawing/2014/main" xmlns="" w="9525">
                   <a:solidFill>
                     <a:srgbClr val="000000"/>
                   </a:solidFill>
@@ -16602,7 +16602,7 @@
             </a:ln>
             <a:extLst>
               <a:ext uri="{91240B29-F687-4f45-9708-019B960494DF}">
-                <a14:hiddenLine xmlns="" xmlns:a16="http://schemas.microsoft.com/office/drawing/2014/main" xmlns:p14="http://schemas.microsoft.com/office/powerpoint/2010/main" xmlns:a14="http://schemas.microsoft.com/office/drawing/2010/main" w="9525">
+                <a14:hiddenLine xmlns:a14="http://schemas.microsoft.com/office/drawing/2010/main" xmlns:p14="http://schemas.microsoft.com/office/powerpoint/2010/main" xmlns:a16="http://schemas.microsoft.com/office/drawing/2014/main" xmlns="" w="9525">
                   <a:solidFill>
                     <a:srgbClr val="000000"/>
                   </a:solidFill>
@@ -16707,7 +16707,7 @@
             </a:ln>
             <a:extLst>
               <a:ext uri="{91240B29-F687-4f45-9708-019B960494DF}">
-                <a14:hiddenLine xmlns="" xmlns:a16="http://schemas.microsoft.com/office/drawing/2014/main" xmlns:p14="http://schemas.microsoft.com/office/powerpoint/2010/main" xmlns:a14="http://schemas.microsoft.com/office/drawing/2010/main" w="9525">
+                <a14:hiddenLine xmlns:a14="http://schemas.microsoft.com/office/drawing/2010/main" xmlns:p14="http://schemas.microsoft.com/office/powerpoint/2010/main" xmlns:a16="http://schemas.microsoft.com/office/drawing/2014/main" xmlns="" w="9525">
                   <a:solidFill>
                     <a:srgbClr val="000000"/>
                   </a:solidFill>
@@ -16784,7 +16784,7 @@
             </a:ln>
             <a:extLst>
               <a:ext uri="{91240B29-F687-4f45-9708-019B960494DF}">
-                <a14:hiddenLine xmlns="" xmlns:a16="http://schemas.microsoft.com/office/drawing/2014/main" xmlns:p14="http://schemas.microsoft.com/office/powerpoint/2010/main" xmlns:a14="http://schemas.microsoft.com/office/drawing/2010/main" w="9525">
+                <a14:hiddenLine xmlns:a14="http://schemas.microsoft.com/office/drawing/2010/main" xmlns:p14="http://schemas.microsoft.com/office/powerpoint/2010/main" xmlns:a16="http://schemas.microsoft.com/office/drawing/2014/main" xmlns="" w="9525">
                   <a:solidFill>
                     <a:srgbClr val="000000"/>
                   </a:solidFill>
@@ -16889,7 +16889,7 @@
             </a:ln>
             <a:extLst>
               <a:ext uri="{91240B29-F687-4f45-9708-019B960494DF}">
-                <a14:hiddenLine xmlns="" xmlns:a16="http://schemas.microsoft.com/office/drawing/2014/main" xmlns:p14="http://schemas.microsoft.com/office/powerpoint/2010/main" xmlns:a14="http://schemas.microsoft.com/office/drawing/2010/main" w="9525">
+                <a14:hiddenLine xmlns:a14="http://schemas.microsoft.com/office/drawing/2010/main" xmlns:p14="http://schemas.microsoft.com/office/powerpoint/2010/main" xmlns:a16="http://schemas.microsoft.com/office/drawing/2014/main" xmlns="" w="9525">
                   <a:solidFill>
                     <a:srgbClr val="000000"/>
                   </a:solidFill>
@@ -16994,7 +16994,7 @@
             </a:ln>
             <a:extLst>
               <a:ext uri="{91240B29-F687-4f45-9708-019B960494DF}">
-                <a14:hiddenLine xmlns="" xmlns:a16="http://schemas.microsoft.com/office/drawing/2014/main" xmlns:p14="http://schemas.microsoft.com/office/powerpoint/2010/main" xmlns:a14="http://schemas.microsoft.com/office/drawing/2010/main" w="9525">
+                <a14:hiddenLine xmlns:a14="http://schemas.microsoft.com/office/drawing/2010/main" xmlns:p14="http://schemas.microsoft.com/office/powerpoint/2010/main" xmlns:a16="http://schemas.microsoft.com/office/drawing/2014/main" xmlns="" w="9525">
                   <a:solidFill>
                     <a:srgbClr val="000000"/>
                   </a:solidFill>
@@ -17074,7 +17074,7 @@
             </a:ln>
             <a:extLst>
               <a:ext uri="{91240B29-F687-4f45-9708-019B960494DF}">
-                <a14:hiddenLine xmlns="" xmlns:a16="http://schemas.microsoft.com/office/drawing/2014/main" xmlns:p14="http://schemas.microsoft.com/office/powerpoint/2010/main" xmlns:a14="http://schemas.microsoft.com/office/drawing/2010/main" w="9525">
+                <a14:hiddenLine xmlns:a14="http://schemas.microsoft.com/office/drawing/2010/main" xmlns:p14="http://schemas.microsoft.com/office/powerpoint/2010/main" xmlns:a16="http://schemas.microsoft.com/office/drawing/2014/main" xmlns="" w="9525">
                   <a:solidFill>
                     <a:srgbClr val="000000"/>
                   </a:solidFill>
@@ -17151,7 +17151,7 @@
             </a:ln>
             <a:extLst>
               <a:ext uri="{91240B29-F687-4f45-9708-019B960494DF}">
-                <a14:hiddenLine xmlns="" xmlns:a16="http://schemas.microsoft.com/office/drawing/2014/main" xmlns:p14="http://schemas.microsoft.com/office/powerpoint/2010/main" xmlns:a14="http://schemas.microsoft.com/office/drawing/2010/main" w="9525">
+                <a14:hiddenLine xmlns:a14="http://schemas.microsoft.com/office/drawing/2010/main" xmlns:p14="http://schemas.microsoft.com/office/powerpoint/2010/main" xmlns:a16="http://schemas.microsoft.com/office/drawing/2014/main" xmlns="" w="9525">
                   <a:solidFill>
                     <a:srgbClr val="000000"/>
                   </a:solidFill>
@@ -17256,7 +17256,7 @@
             </a:ln>
             <a:extLst>
               <a:ext uri="{91240B29-F687-4f45-9708-019B960494DF}">
-                <a14:hiddenLine xmlns="" xmlns:a16="http://schemas.microsoft.com/office/drawing/2014/main" xmlns:p14="http://schemas.microsoft.com/office/powerpoint/2010/main" xmlns:a14="http://schemas.microsoft.com/office/drawing/2010/main" w="9525">
+                <a14:hiddenLine xmlns:a14="http://schemas.microsoft.com/office/drawing/2010/main" xmlns:p14="http://schemas.microsoft.com/office/powerpoint/2010/main" xmlns:a16="http://schemas.microsoft.com/office/drawing/2014/main" xmlns="" w="9525">
                   <a:solidFill>
                     <a:srgbClr val="000000"/>
                   </a:solidFill>
@@ -17361,7 +17361,7 @@
             </a:ln>
             <a:extLst>
               <a:ext uri="{91240B29-F687-4f45-9708-019B960494DF}">
-                <a14:hiddenLine xmlns="" xmlns:a16="http://schemas.microsoft.com/office/drawing/2014/main" xmlns:p14="http://schemas.microsoft.com/office/powerpoint/2010/main" xmlns:a14="http://schemas.microsoft.com/office/drawing/2010/main" w="9525">
+                <a14:hiddenLine xmlns:a14="http://schemas.microsoft.com/office/drawing/2010/main" xmlns:p14="http://schemas.microsoft.com/office/powerpoint/2010/main" xmlns:a16="http://schemas.microsoft.com/office/drawing/2014/main" xmlns="" w="9525">
                   <a:solidFill>
                     <a:srgbClr val="000000"/>
                   </a:solidFill>
@@ -17438,7 +17438,7 @@
             </a:ln>
             <a:extLst>
               <a:ext uri="{91240B29-F687-4f45-9708-019B960494DF}">
-                <a14:hiddenLine xmlns="" xmlns:a16="http://schemas.microsoft.com/office/drawing/2014/main" xmlns:p14="http://schemas.microsoft.com/office/powerpoint/2010/main" xmlns:a14="http://schemas.microsoft.com/office/drawing/2010/main" w="9525">
+                <a14:hiddenLine xmlns:a14="http://schemas.microsoft.com/office/drawing/2010/main" xmlns:p14="http://schemas.microsoft.com/office/powerpoint/2010/main" xmlns:a16="http://schemas.microsoft.com/office/drawing/2014/main" xmlns="" w="9525">
                   <a:solidFill>
                     <a:srgbClr val="000000"/>
                   </a:solidFill>
@@ -17573,7 +17573,7 @@
             </a:ln>
             <a:extLst>
               <a:ext uri="{91240B29-F687-4f45-9708-019B960494DF}">
-                <a14:hiddenLine xmlns="" xmlns:a16="http://schemas.microsoft.com/office/drawing/2014/main" xmlns:p14="http://schemas.microsoft.com/office/powerpoint/2010/main" xmlns:a14="http://schemas.microsoft.com/office/drawing/2010/main" w="9525">
+                <a14:hiddenLine xmlns:a14="http://schemas.microsoft.com/office/drawing/2010/main" xmlns:p14="http://schemas.microsoft.com/office/powerpoint/2010/main" xmlns:a16="http://schemas.microsoft.com/office/drawing/2014/main" xmlns="" w="9525">
                   <a:solidFill>
                     <a:srgbClr val="000000"/>
                   </a:solidFill>
@@ -17656,7 +17656,7 @@
             </a:ln>
             <a:extLst>
               <a:ext uri="{91240B29-F687-4f45-9708-019B960494DF}">
-                <a14:hiddenLine xmlns="" xmlns:a16="http://schemas.microsoft.com/office/drawing/2014/main" xmlns:p14="http://schemas.microsoft.com/office/powerpoint/2010/main" xmlns:a14="http://schemas.microsoft.com/office/drawing/2010/main" w="9525">
+                <a14:hiddenLine xmlns:a14="http://schemas.microsoft.com/office/drawing/2010/main" xmlns:p14="http://schemas.microsoft.com/office/powerpoint/2010/main" xmlns:a16="http://schemas.microsoft.com/office/drawing/2014/main" xmlns="" w="9525">
                   <a:solidFill>
                     <a:srgbClr val="000000"/>
                   </a:solidFill>
@@ -17761,7 +17761,7 @@
             </a:ln>
             <a:extLst>
               <a:ext uri="{91240B29-F687-4f45-9708-019B960494DF}">
-                <a14:hiddenLine xmlns="" xmlns:a16="http://schemas.microsoft.com/office/drawing/2014/main" xmlns:p14="http://schemas.microsoft.com/office/powerpoint/2010/main" xmlns:a14="http://schemas.microsoft.com/office/drawing/2010/main" w="9525">
+                <a14:hiddenLine xmlns:a14="http://schemas.microsoft.com/office/drawing/2010/main" xmlns:p14="http://schemas.microsoft.com/office/powerpoint/2010/main" xmlns:a16="http://schemas.microsoft.com/office/drawing/2014/main" xmlns="" w="9525">
                   <a:solidFill>
                     <a:srgbClr val="000000"/>
                   </a:solidFill>
@@ -17917,7 +17917,7 @@
             </a:ln>
             <a:extLst>
               <a:ext uri="{91240B29-F687-4f45-9708-019B960494DF}">
-                <a14:hiddenLine xmlns="" xmlns:a16="http://schemas.microsoft.com/office/drawing/2014/main" xmlns:p14="http://schemas.microsoft.com/office/powerpoint/2010/main" xmlns:a14="http://schemas.microsoft.com/office/drawing/2010/main" w="9525">
+                <a14:hiddenLine xmlns:a14="http://schemas.microsoft.com/office/drawing/2010/main" xmlns:p14="http://schemas.microsoft.com/office/powerpoint/2010/main" xmlns:a16="http://schemas.microsoft.com/office/drawing/2014/main" xmlns="" w="9525">
                   <a:solidFill>
                     <a:srgbClr val="000000"/>
                   </a:solidFill>
@@ -18022,7 +18022,7 @@
             </a:ln>
             <a:extLst>
               <a:ext uri="{91240B29-F687-4f45-9708-019B960494DF}">
-                <a14:hiddenLine xmlns="" xmlns:a16="http://schemas.microsoft.com/office/drawing/2014/main" xmlns:p14="http://schemas.microsoft.com/office/powerpoint/2010/main" xmlns:a14="http://schemas.microsoft.com/office/drawing/2010/main" w="9525">
+                <a14:hiddenLine xmlns:a14="http://schemas.microsoft.com/office/drawing/2010/main" xmlns:p14="http://schemas.microsoft.com/office/powerpoint/2010/main" xmlns:a16="http://schemas.microsoft.com/office/drawing/2014/main" xmlns="" w="9525">
                   <a:solidFill>
                     <a:srgbClr val="000000"/>
                   </a:solidFill>
@@ -18127,7 +18127,7 @@
             </a:ln>
             <a:extLst>
               <a:ext uri="{91240B29-F687-4f45-9708-019B960494DF}">
-                <a14:hiddenLine xmlns="" xmlns:a16="http://schemas.microsoft.com/office/drawing/2014/main" xmlns:p14="http://schemas.microsoft.com/office/powerpoint/2010/main" xmlns:a14="http://schemas.microsoft.com/office/drawing/2010/main" w="9525">
+                <a14:hiddenLine xmlns:a14="http://schemas.microsoft.com/office/drawing/2010/main" xmlns:p14="http://schemas.microsoft.com/office/powerpoint/2010/main" xmlns:a16="http://schemas.microsoft.com/office/drawing/2014/main" xmlns="" w="9525">
                   <a:solidFill>
                     <a:srgbClr val="000000"/>
                   </a:solidFill>
@@ -18176,7 +18176,7 @@
             </a:ln>
             <a:extLst>
               <a:ext uri="{91240B29-F687-4f45-9708-019B960494DF}">
-                <a14:hiddenLine xmlns="" xmlns:a16="http://schemas.microsoft.com/office/drawing/2014/main" xmlns:p14="http://schemas.microsoft.com/office/powerpoint/2010/main" xmlns:a14="http://schemas.microsoft.com/office/drawing/2010/main" w="9525">
+                <a14:hiddenLine xmlns:a14="http://schemas.microsoft.com/office/drawing/2010/main" xmlns:p14="http://schemas.microsoft.com/office/powerpoint/2010/main" xmlns:a16="http://schemas.microsoft.com/office/drawing/2014/main" xmlns="" w="9525">
                   <a:solidFill>
                     <a:srgbClr val="000000"/>
                   </a:solidFill>
@@ -18281,7 +18281,7 @@
             </a:ln>
             <a:extLst>
               <a:ext uri="{91240B29-F687-4f45-9708-019B960494DF}">
-                <a14:hiddenLine xmlns="" xmlns:a16="http://schemas.microsoft.com/office/drawing/2014/main" xmlns:p14="http://schemas.microsoft.com/office/powerpoint/2010/main" xmlns:a14="http://schemas.microsoft.com/office/drawing/2010/main" w="9525">
+                <a14:hiddenLine xmlns:a14="http://schemas.microsoft.com/office/drawing/2010/main" xmlns:p14="http://schemas.microsoft.com/office/powerpoint/2010/main" xmlns:a16="http://schemas.microsoft.com/office/drawing/2014/main" xmlns="" w="9525">
                   <a:solidFill>
                     <a:srgbClr val="000000"/>
                   </a:solidFill>
@@ -18358,7 +18358,7 @@
             </a:ln>
             <a:extLst>
               <a:ext uri="{91240B29-F687-4f45-9708-019B960494DF}">
-                <a14:hiddenLine xmlns="" xmlns:a16="http://schemas.microsoft.com/office/drawing/2014/main" xmlns:p14="http://schemas.microsoft.com/office/powerpoint/2010/main" xmlns:a14="http://schemas.microsoft.com/office/drawing/2010/main" w="9525">
+                <a14:hiddenLine xmlns:a14="http://schemas.microsoft.com/office/drawing/2010/main" xmlns:p14="http://schemas.microsoft.com/office/powerpoint/2010/main" xmlns:a16="http://schemas.microsoft.com/office/drawing/2014/main" xmlns="" w="9525">
                   <a:solidFill>
                     <a:srgbClr val="000000"/>
                   </a:solidFill>
@@ -18435,7 +18435,7 @@
             </a:ln>
             <a:extLst>
               <a:ext uri="{91240B29-F687-4f45-9708-019B960494DF}">
-                <a14:hiddenLine xmlns="" xmlns:a16="http://schemas.microsoft.com/office/drawing/2014/main" xmlns:p14="http://schemas.microsoft.com/office/powerpoint/2010/main" xmlns:a14="http://schemas.microsoft.com/office/drawing/2010/main" w="9525">
+                <a14:hiddenLine xmlns:a14="http://schemas.microsoft.com/office/drawing/2010/main" xmlns:p14="http://schemas.microsoft.com/office/powerpoint/2010/main" xmlns:a16="http://schemas.microsoft.com/office/drawing/2014/main" xmlns="" w="9525">
                   <a:solidFill>
                     <a:srgbClr val="000000"/>
                   </a:solidFill>
@@ -18540,7 +18540,7 @@
             </a:ln>
             <a:extLst>
               <a:ext uri="{91240B29-F687-4f45-9708-019B960494DF}">
-                <a14:hiddenLine xmlns="" xmlns:a16="http://schemas.microsoft.com/office/drawing/2014/main" xmlns:p14="http://schemas.microsoft.com/office/powerpoint/2010/main" xmlns:a14="http://schemas.microsoft.com/office/drawing/2010/main" w="9525">
+                <a14:hiddenLine xmlns:a14="http://schemas.microsoft.com/office/drawing/2010/main" xmlns:p14="http://schemas.microsoft.com/office/powerpoint/2010/main" xmlns:a16="http://schemas.microsoft.com/office/drawing/2014/main" xmlns="" w="9525">
                   <a:solidFill>
                     <a:srgbClr val="000000"/>
                   </a:solidFill>
@@ -18617,7 +18617,7 @@
             </a:ln>
             <a:extLst>
               <a:ext uri="{91240B29-F687-4f45-9708-019B960494DF}">
-                <a14:hiddenLine xmlns="" xmlns:a16="http://schemas.microsoft.com/office/drawing/2014/main" xmlns:p14="http://schemas.microsoft.com/office/powerpoint/2010/main" xmlns:a14="http://schemas.microsoft.com/office/drawing/2010/main" w="9525">
+                <a14:hiddenLine xmlns:a14="http://schemas.microsoft.com/office/drawing/2010/main" xmlns:p14="http://schemas.microsoft.com/office/powerpoint/2010/main" xmlns:a16="http://schemas.microsoft.com/office/drawing/2014/main" xmlns="" w="9525">
                   <a:solidFill>
                     <a:srgbClr val="000000"/>
                   </a:solidFill>
@@ -18694,7 +18694,7 @@
             </a:ln>
             <a:extLst>
               <a:ext uri="{91240B29-F687-4f45-9708-019B960494DF}">
-                <a14:hiddenLine xmlns="" xmlns:a16="http://schemas.microsoft.com/office/drawing/2014/main" xmlns:p14="http://schemas.microsoft.com/office/powerpoint/2010/main" xmlns:a14="http://schemas.microsoft.com/office/drawing/2010/main" w="9525">
+                <a14:hiddenLine xmlns:a14="http://schemas.microsoft.com/office/drawing/2010/main" xmlns:p14="http://schemas.microsoft.com/office/powerpoint/2010/main" xmlns:a16="http://schemas.microsoft.com/office/drawing/2014/main" xmlns="" w="9525">
                   <a:solidFill>
                     <a:srgbClr val="000000"/>
                   </a:solidFill>
@@ -18799,7 +18799,7 @@
             </a:ln>
             <a:extLst>
               <a:ext uri="{91240B29-F687-4f45-9708-019B960494DF}">
-                <a14:hiddenLine xmlns="" xmlns:a16="http://schemas.microsoft.com/office/drawing/2014/main" xmlns:p14="http://schemas.microsoft.com/office/powerpoint/2010/main" xmlns:a14="http://schemas.microsoft.com/office/drawing/2010/main" w="9525">
+                <a14:hiddenLine xmlns:a14="http://schemas.microsoft.com/office/drawing/2010/main" xmlns:p14="http://schemas.microsoft.com/office/powerpoint/2010/main" xmlns:a16="http://schemas.microsoft.com/office/drawing/2014/main" xmlns="" w="9525">
                   <a:solidFill>
                     <a:srgbClr val="000000"/>
                   </a:solidFill>
@@ -18904,7 +18904,7 @@
             </a:ln>
             <a:extLst>
               <a:ext uri="{91240B29-F687-4f45-9708-019B960494DF}">
-                <a14:hiddenLine xmlns="" xmlns:a16="http://schemas.microsoft.com/office/drawing/2014/main" xmlns:p14="http://schemas.microsoft.com/office/powerpoint/2010/main" xmlns:a14="http://schemas.microsoft.com/office/drawing/2010/main" w="9525">
+                <a14:hiddenLine xmlns:a14="http://schemas.microsoft.com/office/drawing/2010/main" xmlns:p14="http://schemas.microsoft.com/office/powerpoint/2010/main" xmlns:a16="http://schemas.microsoft.com/office/drawing/2014/main" xmlns="" w="9525">
                   <a:solidFill>
                     <a:srgbClr val="000000"/>
                   </a:solidFill>
@@ -18981,7 +18981,7 @@
             </a:ln>
             <a:extLst>
               <a:ext uri="{91240B29-F687-4f45-9708-019B960494DF}">
-                <a14:hiddenLine xmlns="" xmlns:a16="http://schemas.microsoft.com/office/drawing/2014/main" xmlns:p14="http://schemas.microsoft.com/office/powerpoint/2010/main" xmlns:a14="http://schemas.microsoft.com/office/drawing/2010/main" w="9525">
+                <a14:hiddenLine xmlns:a14="http://schemas.microsoft.com/office/drawing/2010/main" xmlns:p14="http://schemas.microsoft.com/office/powerpoint/2010/main" xmlns:a16="http://schemas.microsoft.com/office/drawing/2014/main" xmlns="" w="9525">
                   <a:solidFill>
                     <a:srgbClr val="000000"/>
                   </a:solidFill>
@@ -19106,7 +19106,7 @@
             </a:ln>
             <a:extLst>
               <a:ext uri="{91240B29-F687-4f45-9708-019B960494DF}">
-                <a14:hiddenLine xmlns="" xmlns:a16="http://schemas.microsoft.com/office/drawing/2014/main" xmlns:p14="http://schemas.microsoft.com/office/powerpoint/2010/main" xmlns:a14="http://schemas.microsoft.com/office/drawing/2010/main" w="9525">
+                <a14:hiddenLine xmlns:a14="http://schemas.microsoft.com/office/drawing/2010/main" xmlns:p14="http://schemas.microsoft.com/office/powerpoint/2010/main" xmlns:a16="http://schemas.microsoft.com/office/drawing/2014/main" xmlns="" w="9525">
                   <a:solidFill>
                     <a:srgbClr val="000000"/>
                   </a:solidFill>
@@ -19183,7 +19183,7 @@
             </a:ln>
             <a:extLst>
               <a:ext uri="{91240B29-F687-4f45-9708-019B960494DF}">
-                <a14:hiddenLine xmlns="" xmlns:a16="http://schemas.microsoft.com/office/drawing/2014/main" xmlns:p14="http://schemas.microsoft.com/office/powerpoint/2010/main" xmlns:a14="http://schemas.microsoft.com/office/drawing/2010/main" w="9525">
+                <a14:hiddenLine xmlns:a14="http://schemas.microsoft.com/office/drawing/2010/main" xmlns:p14="http://schemas.microsoft.com/office/powerpoint/2010/main" xmlns:a16="http://schemas.microsoft.com/office/drawing/2014/main" xmlns="" w="9525">
                   <a:solidFill>
                     <a:srgbClr val="000000"/>
                   </a:solidFill>
@@ -19288,7 +19288,7 @@
             </a:ln>
             <a:extLst>
               <a:ext uri="{91240B29-F687-4f45-9708-019B960494DF}">
-                <a14:hiddenLine xmlns="" xmlns:a16="http://schemas.microsoft.com/office/drawing/2014/main" xmlns:p14="http://schemas.microsoft.com/office/powerpoint/2010/main" xmlns:a14="http://schemas.microsoft.com/office/drawing/2010/main" w="9525">
+                <a14:hiddenLine xmlns:a14="http://schemas.microsoft.com/office/drawing/2010/main" xmlns:p14="http://schemas.microsoft.com/office/powerpoint/2010/main" xmlns:a16="http://schemas.microsoft.com/office/drawing/2014/main" xmlns="" w="9525">
                   <a:solidFill>
                     <a:srgbClr val="000000"/>
                   </a:solidFill>
@@ -19393,7 +19393,7 @@
             </a:ln>
             <a:extLst>
               <a:ext uri="{91240B29-F687-4f45-9708-019B960494DF}">
-                <a14:hiddenLine xmlns="" xmlns:a16="http://schemas.microsoft.com/office/drawing/2014/main" xmlns:p14="http://schemas.microsoft.com/office/powerpoint/2010/main" xmlns:a14="http://schemas.microsoft.com/office/drawing/2010/main" w="9525">
+                <a14:hiddenLine xmlns:a14="http://schemas.microsoft.com/office/drawing/2010/main" xmlns:p14="http://schemas.microsoft.com/office/powerpoint/2010/main" xmlns:a16="http://schemas.microsoft.com/office/drawing/2014/main" xmlns="" w="9525">
                   <a:solidFill>
                     <a:srgbClr val="000000"/>
                   </a:solidFill>
@@ -19470,7 +19470,7 @@
             </a:ln>
             <a:extLst>
               <a:ext uri="{91240B29-F687-4f45-9708-019B960494DF}">
-                <a14:hiddenLine xmlns="" xmlns:a16="http://schemas.microsoft.com/office/drawing/2014/main" xmlns:p14="http://schemas.microsoft.com/office/powerpoint/2010/main" xmlns:a14="http://schemas.microsoft.com/office/drawing/2010/main" w="9525">
+                <a14:hiddenLine xmlns:a14="http://schemas.microsoft.com/office/drawing/2010/main" xmlns:p14="http://schemas.microsoft.com/office/powerpoint/2010/main" xmlns:a16="http://schemas.microsoft.com/office/drawing/2014/main" xmlns="" w="9525">
                   <a:solidFill>
                     <a:srgbClr val="000000"/>
                   </a:solidFill>
@@ -19575,7 +19575,7 @@
             </a:ln>
             <a:extLst>
               <a:ext uri="{91240B29-F687-4f45-9708-019B960494DF}">
-                <a14:hiddenLine xmlns="" xmlns:a16="http://schemas.microsoft.com/office/drawing/2014/main" xmlns:p14="http://schemas.microsoft.com/office/powerpoint/2010/main" xmlns:a14="http://schemas.microsoft.com/office/drawing/2010/main" w="9525">
+                <a14:hiddenLine xmlns:a14="http://schemas.microsoft.com/office/drawing/2010/main" xmlns:p14="http://schemas.microsoft.com/office/powerpoint/2010/main" xmlns:a16="http://schemas.microsoft.com/office/drawing/2014/main" xmlns="" w="9525">
                   <a:solidFill>
                     <a:srgbClr val="000000"/>
                   </a:solidFill>
@@ -19680,7 +19680,7 @@
             </a:ln>
             <a:extLst>
               <a:ext uri="{91240B29-F687-4f45-9708-019B960494DF}">
-                <a14:hiddenLine xmlns="" xmlns:a16="http://schemas.microsoft.com/office/drawing/2014/main" xmlns:p14="http://schemas.microsoft.com/office/powerpoint/2010/main" xmlns:a14="http://schemas.microsoft.com/office/drawing/2010/main" w="9525">
+                <a14:hiddenLine xmlns:a14="http://schemas.microsoft.com/office/drawing/2010/main" xmlns:p14="http://schemas.microsoft.com/office/powerpoint/2010/main" xmlns:a16="http://schemas.microsoft.com/office/drawing/2014/main" xmlns="" w="9525">
                   <a:solidFill>
                     <a:srgbClr val="000000"/>
                   </a:solidFill>
@@ -19751,7 +19751,7 @@
             </a:ln>
             <a:extLst>
               <a:ext uri="{91240B29-F687-4f45-9708-019B960494DF}">
-                <a14:hiddenLine xmlns="" xmlns:a16="http://schemas.microsoft.com/office/drawing/2014/main" xmlns:p14="http://schemas.microsoft.com/office/powerpoint/2010/main" xmlns:a14="http://schemas.microsoft.com/office/drawing/2010/main" w="9525">
+                <a14:hiddenLine xmlns:a14="http://schemas.microsoft.com/office/drawing/2010/main" xmlns:p14="http://schemas.microsoft.com/office/powerpoint/2010/main" xmlns:a16="http://schemas.microsoft.com/office/drawing/2014/main" xmlns="" w="9525">
                   <a:solidFill>
                     <a:srgbClr val="000000"/>
                   </a:solidFill>
@@ -19856,7 +19856,7 @@
             </a:ln>
             <a:extLst>
               <a:ext uri="{91240B29-F687-4f45-9708-019B960494DF}">
-                <a14:hiddenLine xmlns="" xmlns:a16="http://schemas.microsoft.com/office/drawing/2014/main" xmlns:p14="http://schemas.microsoft.com/office/powerpoint/2010/main" xmlns:a14="http://schemas.microsoft.com/office/drawing/2010/main" w="9525">
+                <a14:hiddenLine xmlns:a14="http://schemas.microsoft.com/office/drawing/2010/main" xmlns:p14="http://schemas.microsoft.com/office/powerpoint/2010/main" xmlns:a16="http://schemas.microsoft.com/office/drawing/2014/main" xmlns="" w="9525">
                   <a:solidFill>
                     <a:srgbClr val="000000"/>
                   </a:solidFill>
@@ -19927,7 +19927,7 @@
             </a:ln>
             <a:extLst>
               <a:ext uri="{91240B29-F687-4f45-9708-019B960494DF}">
-                <a14:hiddenLine xmlns="" xmlns:a16="http://schemas.microsoft.com/office/drawing/2014/main" xmlns:p14="http://schemas.microsoft.com/office/powerpoint/2010/main" xmlns:a14="http://schemas.microsoft.com/office/drawing/2010/main" w="9525">
+                <a14:hiddenLine xmlns:a14="http://schemas.microsoft.com/office/drawing/2010/main" xmlns:p14="http://schemas.microsoft.com/office/powerpoint/2010/main" xmlns:a16="http://schemas.microsoft.com/office/drawing/2014/main" xmlns="" w="9525">
                   <a:solidFill>
                     <a:srgbClr val="000000"/>
                   </a:solidFill>
@@ -20032,7 +20032,7 @@
             </a:ln>
             <a:extLst>
               <a:ext uri="{91240B29-F687-4f45-9708-019B960494DF}">
-                <a14:hiddenLine xmlns="" xmlns:a16="http://schemas.microsoft.com/office/drawing/2014/main" xmlns:p14="http://schemas.microsoft.com/office/powerpoint/2010/main" xmlns:a14="http://schemas.microsoft.com/office/drawing/2010/main" w="9525">
+                <a14:hiddenLine xmlns:a14="http://schemas.microsoft.com/office/drawing/2010/main" xmlns:p14="http://schemas.microsoft.com/office/powerpoint/2010/main" xmlns:a16="http://schemas.microsoft.com/office/drawing/2014/main" xmlns="" w="9525">
                   <a:solidFill>
                     <a:srgbClr val="000000"/>
                   </a:solidFill>
@@ -20115,7 +20115,7 @@
             </a:ln>
             <a:extLst>
               <a:ext uri="{91240B29-F687-4f45-9708-019B960494DF}">
-                <a14:hiddenLine xmlns="" xmlns:a16="http://schemas.microsoft.com/office/drawing/2014/main" xmlns:p14="http://schemas.microsoft.com/office/powerpoint/2010/main" xmlns:a14="http://schemas.microsoft.com/office/drawing/2010/main" w="9525">
+                <a14:hiddenLine xmlns:a14="http://schemas.microsoft.com/office/drawing/2010/main" xmlns:p14="http://schemas.microsoft.com/office/powerpoint/2010/main" xmlns:a16="http://schemas.microsoft.com/office/drawing/2014/main" xmlns="" w="9525">
                   <a:solidFill>
                     <a:srgbClr val="000000"/>
                   </a:solidFill>
@@ -20220,7 +20220,7 @@
             </a:ln>
             <a:extLst>
               <a:ext uri="{91240B29-F687-4f45-9708-019B960494DF}">
-                <a14:hiddenLine xmlns="" xmlns:a16="http://schemas.microsoft.com/office/drawing/2014/main" xmlns:p14="http://schemas.microsoft.com/office/powerpoint/2010/main" xmlns:a14="http://schemas.microsoft.com/office/drawing/2010/main" w="9525">
+                <a14:hiddenLine xmlns:a14="http://schemas.microsoft.com/office/drawing/2010/main" xmlns:p14="http://schemas.microsoft.com/office/powerpoint/2010/main" xmlns:a16="http://schemas.microsoft.com/office/drawing/2014/main" xmlns="" w="9525">
                   <a:solidFill>
                     <a:srgbClr val="000000"/>
                   </a:solidFill>
@@ -20303,7 +20303,7 @@
             </a:ln>
             <a:extLst>
               <a:ext uri="{91240B29-F687-4f45-9708-019B960494DF}">
-                <a14:hiddenLine xmlns="" xmlns:a16="http://schemas.microsoft.com/office/drawing/2014/main" xmlns:p14="http://schemas.microsoft.com/office/powerpoint/2010/main" xmlns:a14="http://schemas.microsoft.com/office/drawing/2010/main" w="9525">
+                <a14:hiddenLine xmlns:a14="http://schemas.microsoft.com/office/drawing/2010/main" xmlns:p14="http://schemas.microsoft.com/office/powerpoint/2010/main" xmlns:a16="http://schemas.microsoft.com/office/drawing/2014/main" xmlns="" w="9525">
                   <a:solidFill>
                     <a:srgbClr val="000000"/>
                   </a:solidFill>
@@ -20408,7 +20408,7 @@
             </a:ln>
             <a:extLst>
               <a:ext uri="{91240B29-F687-4f45-9708-019B960494DF}">
-                <a14:hiddenLine xmlns="" xmlns:a16="http://schemas.microsoft.com/office/drawing/2014/main" xmlns:p14="http://schemas.microsoft.com/office/powerpoint/2010/main" xmlns:a14="http://schemas.microsoft.com/office/drawing/2010/main" w="9525">
+                <a14:hiddenLine xmlns:a14="http://schemas.microsoft.com/office/drawing/2010/main" xmlns:p14="http://schemas.microsoft.com/office/powerpoint/2010/main" xmlns:a16="http://schemas.microsoft.com/office/drawing/2014/main" xmlns="" w="9525">
                   <a:solidFill>
                     <a:srgbClr val="000000"/>
                   </a:solidFill>
@@ -20457,7 +20457,7 @@
             </a:ln>
             <a:extLst>
               <a:ext uri="{91240B29-F687-4f45-9708-019B960494DF}">
-                <a14:hiddenLine xmlns="" xmlns:a16="http://schemas.microsoft.com/office/drawing/2014/main" xmlns:p14="http://schemas.microsoft.com/office/powerpoint/2010/main" xmlns:a14="http://schemas.microsoft.com/office/drawing/2010/main" w="9525">
+                <a14:hiddenLine xmlns:a14="http://schemas.microsoft.com/office/drawing/2010/main" xmlns:p14="http://schemas.microsoft.com/office/powerpoint/2010/main" xmlns:a16="http://schemas.microsoft.com/office/drawing/2014/main" xmlns="" w="9525">
                   <a:solidFill>
                     <a:srgbClr val="000000"/>
                   </a:solidFill>
@@ -20562,7 +20562,7 @@
             </a:ln>
             <a:extLst>
               <a:ext uri="{91240B29-F687-4f45-9708-019B960494DF}">
-                <a14:hiddenLine xmlns="" xmlns:a16="http://schemas.microsoft.com/office/drawing/2014/main" xmlns:p14="http://schemas.microsoft.com/office/powerpoint/2010/main" xmlns:a14="http://schemas.microsoft.com/office/drawing/2010/main" w="9525">
+                <a14:hiddenLine xmlns:a14="http://schemas.microsoft.com/office/drawing/2010/main" xmlns:p14="http://schemas.microsoft.com/office/powerpoint/2010/main" xmlns:a16="http://schemas.microsoft.com/office/drawing/2014/main" xmlns="" w="9525">
                   <a:solidFill>
                     <a:srgbClr val="000000"/>
                   </a:solidFill>
@@ -20639,7 +20639,7 @@
             </a:ln>
             <a:extLst>
               <a:ext uri="{91240B29-F687-4f45-9708-019B960494DF}">
-                <a14:hiddenLine xmlns="" xmlns:a16="http://schemas.microsoft.com/office/drawing/2014/main" xmlns:p14="http://schemas.microsoft.com/office/powerpoint/2010/main" xmlns:a14="http://schemas.microsoft.com/office/drawing/2010/main" w="9525">
+                <a14:hiddenLine xmlns:a14="http://schemas.microsoft.com/office/drawing/2010/main" xmlns:p14="http://schemas.microsoft.com/office/powerpoint/2010/main" xmlns:a16="http://schemas.microsoft.com/office/drawing/2014/main" xmlns="" w="9525">
                   <a:solidFill>
                     <a:srgbClr val="000000"/>
                   </a:solidFill>
@@ -20716,7 +20716,7 @@
             </a:ln>
             <a:extLst>
               <a:ext uri="{91240B29-F687-4f45-9708-019B960494DF}">
-                <a14:hiddenLine xmlns="" xmlns:a16="http://schemas.microsoft.com/office/drawing/2014/main" xmlns:p14="http://schemas.microsoft.com/office/powerpoint/2010/main" xmlns:a14="http://schemas.microsoft.com/office/drawing/2010/main" w="9525">
+                <a14:hiddenLine xmlns:a14="http://schemas.microsoft.com/office/drawing/2010/main" xmlns:p14="http://schemas.microsoft.com/office/powerpoint/2010/main" xmlns:a16="http://schemas.microsoft.com/office/drawing/2014/main" xmlns="" w="9525">
                   <a:solidFill>
                     <a:srgbClr val="000000"/>
                   </a:solidFill>
@@ -20821,7 +20821,7 @@
             </a:ln>
             <a:extLst>
               <a:ext uri="{91240B29-F687-4f45-9708-019B960494DF}">
-                <a14:hiddenLine xmlns="" xmlns:a16="http://schemas.microsoft.com/office/drawing/2014/main" xmlns:p14="http://schemas.microsoft.com/office/powerpoint/2010/main" xmlns:a14="http://schemas.microsoft.com/office/drawing/2010/main" w="9525">
+                <a14:hiddenLine xmlns:a14="http://schemas.microsoft.com/office/drawing/2010/main" xmlns:p14="http://schemas.microsoft.com/office/powerpoint/2010/main" xmlns:a16="http://schemas.microsoft.com/office/drawing/2014/main" xmlns="" w="9525">
                   <a:solidFill>
                     <a:srgbClr val="000000"/>
                   </a:solidFill>
@@ -20904,7 +20904,7 @@
             </a:ln>
             <a:extLst>
               <a:ext uri="{91240B29-F687-4f45-9708-019B960494DF}">
-                <a14:hiddenLine xmlns="" xmlns:a16="http://schemas.microsoft.com/office/drawing/2014/main" xmlns:p14="http://schemas.microsoft.com/office/powerpoint/2010/main" xmlns:a14="http://schemas.microsoft.com/office/drawing/2010/main" w="9525">
+                <a14:hiddenLine xmlns:a14="http://schemas.microsoft.com/office/drawing/2010/main" xmlns:p14="http://schemas.microsoft.com/office/powerpoint/2010/main" xmlns:a16="http://schemas.microsoft.com/office/drawing/2014/main" xmlns="" w="9525">
                   <a:solidFill>
                     <a:srgbClr val="000000"/>
                   </a:solidFill>
@@ -20981,7 +20981,7 @@
             </a:ln>
             <a:extLst>
               <a:ext uri="{91240B29-F687-4f45-9708-019B960494DF}">
-                <a14:hiddenLine xmlns="" xmlns:a16="http://schemas.microsoft.com/office/drawing/2014/main" xmlns:p14="http://schemas.microsoft.com/office/powerpoint/2010/main" xmlns:a14="http://schemas.microsoft.com/office/drawing/2010/main" w="9525">
+                <a14:hiddenLine xmlns:a14="http://schemas.microsoft.com/office/drawing/2010/main" xmlns:p14="http://schemas.microsoft.com/office/powerpoint/2010/main" xmlns:a16="http://schemas.microsoft.com/office/drawing/2014/main" xmlns="" w="9525">
                   <a:solidFill>
                     <a:srgbClr val="000000"/>
                   </a:solidFill>
@@ -21086,7 +21086,7 @@
             </a:ln>
             <a:extLst>
               <a:ext uri="{91240B29-F687-4f45-9708-019B960494DF}">
-                <a14:hiddenLine xmlns="" xmlns:a16="http://schemas.microsoft.com/office/drawing/2014/main" xmlns:p14="http://schemas.microsoft.com/office/powerpoint/2010/main" xmlns:a14="http://schemas.microsoft.com/office/drawing/2010/main" w="9525">
+                <a14:hiddenLine xmlns:a14="http://schemas.microsoft.com/office/drawing/2010/main" xmlns:p14="http://schemas.microsoft.com/office/powerpoint/2010/main" xmlns:a16="http://schemas.microsoft.com/office/drawing/2014/main" xmlns="" w="9525">
                   <a:solidFill>
                     <a:srgbClr val="000000"/>
                   </a:solidFill>
@@ -21163,7 +21163,7 @@
             </a:ln>
             <a:extLst>
               <a:ext uri="{91240B29-F687-4f45-9708-019B960494DF}">
-                <a14:hiddenLine xmlns="" xmlns:a16="http://schemas.microsoft.com/office/drawing/2014/main" xmlns:p14="http://schemas.microsoft.com/office/powerpoint/2010/main" xmlns:a14="http://schemas.microsoft.com/office/drawing/2010/main" w="9525">
+                <a14:hiddenLine xmlns:a14="http://schemas.microsoft.com/office/drawing/2010/main" xmlns:p14="http://schemas.microsoft.com/office/powerpoint/2010/main" xmlns:a16="http://schemas.microsoft.com/office/drawing/2014/main" xmlns="" w="9525">
                   <a:solidFill>
                     <a:srgbClr val="000000"/>
                   </a:solidFill>
@@ -21268,7 +21268,7 @@
             </a:ln>
             <a:extLst>
               <a:ext uri="{91240B29-F687-4f45-9708-019B960494DF}">
-                <a14:hiddenLine xmlns="" xmlns:a16="http://schemas.microsoft.com/office/drawing/2014/main" xmlns:p14="http://schemas.microsoft.com/office/powerpoint/2010/main" xmlns:a14="http://schemas.microsoft.com/office/drawing/2010/main" w="9525">
+                <a14:hiddenLine xmlns:a14="http://schemas.microsoft.com/office/drawing/2010/main" xmlns:p14="http://schemas.microsoft.com/office/powerpoint/2010/main" xmlns:a16="http://schemas.microsoft.com/office/drawing/2014/main" xmlns="" w="9525">
                   <a:solidFill>
                     <a:srgbClr val="000000"/>
                   </a:solidFill>
@@ -21345,7 +21345,7 @@
             </a:ln>
             <a:extLst>
               <a:ext uri="{91240B29-F687-4f45-9708-019B960494DF}">
-                <a14:hiddenLine xmlns="" xmlns:a16="http://schemas.microsoft.com/office/drawing/2014/main" xmlns:p14="http://schemas.microsoft.com/office/powerpoint/2010/main" xmlns:a14="http://schemas.microsoft.com/office/drawing/2010/main" w="9525">
+                <a14:hiddenLine xmlns:a14="http://schemas.microsoft.com/office/drawing/2010/main" xmlns:p14="http://schemas.microsoft.com/office/powerpoint/2010/main" xmlns:a16="http://schemas.microsoft.com/office/drawing/2014/main" xmlns="" w="9525">
                   <a:solidFill>
                     <a:srgbClr val="000000"/>
                   </a:solidFill>
@@ -21450,7 +21450,7 @@
             </a:ln>
             <a:extLst>
               <a:ext uri="{91240B29-F687-4f45-9708-019B960494DF}">
-                <a14:hiddenLine xmlns="" xmlns:a16="http://schemas.microsoft.com/office/drawing/2014/main" xmlns:p14="http://schemas.microsoft.com/office/powerpoint/2010/main" xmlns:a14="http://schemas.microsoft.com/office/drawing/2010/main" w="9525">
+                <a14:hiddenLine xmlns:a14="http://schemas.microsoft.com/office/drawing/2010/main" xmlns:p14="http://schemas.microsoft.com/office/powerpoint/2010/main" xmlns:a16="http://schemas.microsoft.com/office/drawing/2014/main" xmlns="" w="9525">
                   <a:solidFill>
                     <a:srgbClr val="000000"/>
                   </a:solidFill>
@@ -21499,7 +21499,7 @@
             </a:ln>
             <a:extLst>
               <a:ext uri="{91240B29-F687-4f45-9708-019B960494DF}">
-                <a14:hiddenLine xmlns="" xmlns:a16="http://schemas.microsoft.com/office/drawing/2014/main" xmlns:p14="http://schemas.microsoft.com/office/powerpoint/2010/main" xmlns:a14="http://schemas.microsoft.com/office/drawing/2010/main" w="9525">
+                <a14:hiddenLine xmlns:a14="http://schemas.microsoft.com/office/drawing/2010/main" xmlns:p14="http://schemas.microsoft.com/office/powerpoint/2010/main" xmlns:a16="http://schemas.microsoft.com/office/drawing/2014/main" xmlns="" w="9525">
                   <a:solidFill>
                     <a:srgbClr val="000000"/>
                   </a:solidFill>
@@ -21579,7 +21579,7 @@
             </a:ln>
             <a:extLst>
               <a:ext uri="{91240B29-F687-4f45-9708-019B960494DF}">
-                <a14:hiddenLine xmlns="" xmlns:a16="http://schemas.microsoft.com/office/drawing/2014/main" xmlns:p14="http://schemas.microsoft.com/office/powerpoint/2010/main" xmlns:a14="http://schemas.microsoft.com/office/drawing/2010/main" w="9525">
+                <a14:hiddenLine xmlns:a14="http://schemas.microsoft.com/office/drawing/2010/main" xmlns:p14="http://schemas.microsoft.com/office/powerpoint/2010/main" xmlns:a16="http://schemas.microsoft.com/office/drawing/2014/main" xmlns="" w="9525">
                   <a:solidFill>
                     <a:srgbClr val="000000"/>
                   </a:solidFill>
@@ -21684,7 +21684,7 @@
             </a:ln>
             <a:extLst>
               <a:ext uri="{91240B29-F687-4f45-9708-019B960494DF}">
-                <a14:hiddenLine xmlns="" xmlns:a16="http://schemas.microsoft.com/office/drawing/2014/main" xmlns:p14="http://schemas.microsoft.com/office/powerpoint/2010/main" xmlns:a14="http://schemas.microsoft.com/office/drawing/2010/main" w="9525">
+                <a14:hiddenLine xmlns:a14="http://schemas.microsoft.com/office/drawing/2010/main" xmlns:p14="http://schemas.microsoft.com/office/powerpoint/2010/main" xmlns:a16="http://schemas.microsoft.com/office/drawing/2014/main" xmlns="" w="9525">
                   <a:solidFill>
                     <a:srgbClr val="000000"/>
                   </a:solidFill>
@@ -21761,7 +21761,7 @@
             </a:ln>
             <a:extLst>
               <a:ext uri="{91240B29-F687-4f45-9708-019B960494DF}">
-                <a14:hiddenLine xmlns="" xmlns:a16="http://schemas.microsoft.com/office/drawing/2014/main" xmlns:p14="http://schemas.microsoft.com/office/powerpoint/2010/main" xmlns:a14="http://schemas.microsoft.com/office/drawing/2010/main" w="9525">
+                <a14:hiddenLine xmlns:a14="http://schemas.microsoft.com/office/drawing/2010/main" xmlns:p14="http://schemas.microsoft.com/office/powerpoint/2010/main" xmlns:a16="http://schemas.microsoft.com/office/drawing/2014/main" xmlns="" w="9525">
                   <a:solidFill>
                     <a:srgbClr val="000000"/>
                   </a:solidFill>
@@ -21866,7 +21866,7 @@
             </a:ln>
             <a:extLst>
               <a:ext uri="{91240B29-F687-4f45-9708-019B960494DF}">
-                <a14:hiddenLine xmlns="" xmlns:a16="http://schemas.microsoft.com/office/drawing/2014/main" xmlns:p14="http://schemas.microsoft.com/office/powerpoint/2010/main" xmlns:a14="http://schemas.microsoft.com/office/drawing/2010/main" w="9525">
+                <a14:hiddenLine xmlns:a14="http://schemas.microsoft.com/office/drawing/2010/main" xmlns:p14="http://schemas.microsoft.com/office/powerpoint/2010/main" xmlns:a16="http://schemas.microsoft.com/office/drawing/2014/main" xmlns="" w="9525">
                   <a:solidFill>
                     <a:srgbClr val="000000"/>
                   </a:solidFill>
@@ -21971,7 +21971,7 @@
             </a:ln>
             <a:extLst>
               <a:ext uri="{91240B29-F687-4f45-9708-019B960494DF}">
-                <a14:hiddenLine xmlns="" xmlns:a16="http://schemas.microsoft.com/office/drawing/2014/main" xmlns:p14="http://schemas.microsoft.com/office/powerpoint/2010/main" xmlns:a14="http://schemas.microsoft.com/office/drawing/2010/main" w="9525">
+                <a14:hiddenLine xmlns:a14="http://schemas.microsoft.com/office/drawing/2010/main" xmlns:p14="http://schemas.microsoft.com/office/powerpoint/2010/main" xmlns:a16="http://schemas.microsoft.com/office/drawing/2014/main" xmlns="" w="9525">
                   <a:solidFill>
                     <a:srgbClr val="000000"/>
                   </a:solidFill>
@@ -22051,7 +22051,7 @@
             </a:ln>
             <a:extLst>
               <a:ext uri="{91240B29-F687-4f45-9708-019B960494DF}">
-                <a14:hiddenLine xmlns="" xmlns:a16="http://schemas.microsoft.com/office/drawing/2014/main" xmlns:p14="http://schemas.microsoft.com/office/powerpoint/2010/main" xmlns:a14="http://schemas.microsoft.com/office/drawing/2010/main" w="9525">
+                <a14:hiddenLine xmlns:a14="http://schemas.microsoft.com/office/drawing/2010/main" xmlns:p14="http://schemas.microsoft.com/office/powerpoint/2010/main" xmlns:a16="http://schemas.microsoft.com/office/drawing/2014/main" xmlns="" w="9525">
                   <a:solidFill>
                     <a:srgbClr val="000000"/>
                   </a:solidFill>
@@ -22128,7 +22128,7 @@
             </a:ln>
             <a:extLst>
               <a:ext uri="{91240B29-F687-4f45-9708-019B960494DF}">
-                <a14:hiddenLine xmlns="" xmlns:a16="http://schemas.microsoft.com/office/drawing/2014/main" xmlns:p14="http://schemas.microsoft.com/office/powerpoint/2010/main" xmlns:a14="http://schemas.microsoft.com/office/drawing/2010/main" w="9525">
+                <a14:hiddenLine xmlns:a14="http://schemas.microsoft.com/office/drawing/2010/main" xmlns:p14="http://schemas.microsoft.com/office/powerpoint/2010/main" xmlns:a16="http://schemas.microsoft.com/office/drawing/2014/main" xmlns="" w="9525">
                   <a:solidFill>
                     <a:srgbClr val="000000"/>
                   </a:solidFill>
@@ -22233,7 +22233,7 @@
             </a:ln>
             <a:extLst>
               <a:ext uri="{91240B29-F687-4f45-9708-019B960494DF}">
-                <a14:hiddenLine xmlns="" xmlns:a16="http://schemas.microsoft.com/office/drawing/2014/main" xmlns:p14="http://schemas.microsoft.com/office/powerpoint/2010/main" xmlns:a14="http://schemas.microsoft.com/office/drawing/2010/main" w="9525">
+                <a14:hiddenLine xmlns:a14="http://schemas.microsoft.com/office/drawing/2010/main" xmlns:p14="http://schemas.microsoft.com/office/powerpoint/2010/main" xmlns:a16="http://schemas.microsoft.com/office/drawing/2014/main" xmlns="" w="9525">
                   <a:solidFill>
                     <a:srgbClr val="000000"/>
                   </a:solidFill>
@@ -22338,7 +22338,7 @@
             </a:ln>
             <a:extLst>
               <a:ext uri="{91240B29-F687-4f45-9708-019B960494DF}">
-                <a14:hiddenLine xmlns="" xmlns:a16="http://schemas.microsoft.com/office/drawing/2014/main" xmlns:p14="http://schemas.microsoft.com/office/powerpoint/2010/main" xmlns:a14="http://schemas.microsoft.com/office/drawing/2010/main" w="9525">
+                <a14:hiddenLine xmlns:a14="http://schemas.microsoft.com/office/drawing/2010/main" xmlns:p14="http://schemas.microsoft.com/office/powerpoint/2010/main" xmlns:a16="http://schemas.microsoft.com/office/drawing/2014/main" xmlns="" w="9525">
                   <a:solidFill>
                     <a:srgbClr val="000000"/>
                   </a:solidFill>
@@ -22415,7 +22415,7 @@
             </a:ln>
             <a:extLst>
               <a:ext uri="{91240B29-F687-4f45-9708-019B960494DF}">
-                <a14:hiddenLine xmlns="" xmlns:a16="http://schemas.microsoft.com/office/drawing/2014/main" xmlns:p14="http://schemas.microsoft.com/office/powerpoint/2010/main" xmlns:a14="http://schemas.microsoft.com/office/drawing/2010/main" w="9525">
+                <a14:hiddenLine xmlns:a14="http://schemas.microsoft.com/office/drawing/2010/main" xmlns:p14="http://schemas.microsoft.com/office/powerpoint/2010/main" xmlns:a16="http://schemas.microsoft.com/office/drawing/2014/main" xmlns="" w="9525">
                   <a:solidFill>
                     <a:srgbClr val="000000"/>
                   </a:solidFill>
@@ -22550,7 +22550,7 @@
             </a:ln>
             <a:extLst>
               <a:ext uri="{91240B29-F687-4f45-9708-019B960494DF}">
-                <a14:hiddenLine xmlns="" xmlns:a16="http://schemas.microsoft.com/office/drawing/2014/main" xmlns:p14="http://schemas.microsoft.com/office/powerpoint/2010/main" xmlns:a14="http://schemas.microsoft.com/office/drawing/2010/main" w="9525">
+                <a14:hiddenLine xmlns:a14="http://schemas.microsoft.com/office/drawing/2010/main" xmlns:p14="http://schemas.microsoft.com/office/powerpoint/2010/main" xmlns:a16="http://schemas.microsoft.com/office/drawing/2014/main" xmlns="" w="9525">
                   <a:solidFill>
                     <a:srgbClr val="000000"/>
                   </a:solidFill>
@@ -22633,7 +22633,7 @@
             </a:ln>
             <a:extLst>
               <a:ext uri="{91240B29-F687-4f45-9708-019B960494DF}">
-                <a14:hiddenLine xmlns="" xmlns:a16="http://schemas.microsoft.com/office/drawing/2014/main" xmlns:p14="http://schemas.microsoft.com/office/powerpoint/2010/main" xmlns:a14="http://schemas.microsoft.com/office/drawing/2010/main" w="9525">
+                <a14:hiddenLine xmlns:a14="http://schemas.microsoft.com/office/drawing/2010/main" xmlns:p14="http://schemas.microsoft.com/office/powerpoint/2010/main" xmlns:a16="http://schemas.microsoft.com/office/drawing/2014/main" xmlns="" w="9525">
                   <a:solidFill>
                     <a:srgbClr val="000000"/>
                   </a:solidFill>
@@ -22738,7 +22738,7 @@
             </a:ln>
             <a:extLst>
               <a:ext uri="{91240B29-F687-4f45-9708-019B960494DF}">
-                <a14:hiddenLine xmlns="" xmlns:a16="http://schemas.microsoft.com/office/drawing/2014/main" xmlns:p14="http://schemas.microsoft.com/office/powerpoint/2010/main" xmlns:a14="http://schemas.microsoft.com/office/drawing/2010/main" w="9525">
+                <a14:hiddenLine xmlns:a14="http://schemas.microsoft.com/office/drawing/2010/main" xmlns:p14="http://schemas.microsoft.com/office/powerpoint/2010/main" xmlns:a16="http://schemas.microsoft.com/office/drawing/2014/main" xmlns="" w="9525">
                   <a:solidFill>
                     <a:srgbClr val="000000"/>
                   </a:solidFill>
@@ -22799,7 +22799,7 @@
           <a:noFill/>
           <a:extLst>
             <a:ext uri="{909E8E84-426E-40dd-AFC4-6F175D3DCCD1}">
-              <a14:hiddenFill xmlns="" xmlns:a16="http://schemas.microsoft.com/office/drawing/2014/main" xmlns:p14="http://schemas.microsoft.com/office/powerpoint/2010/main" xmlns:a14="http://schemas.microsoft.com/office/drawing/2010/main">
+              <a14:hiddenFill xmlns:a14="http://schemas.microsoft.com/office/drawing/2010/main" xmlns:p14="http://schemas.microsoft.com/office/powerpoint/2010/main" xmlns:a16="http://schemas.microsoft.com/office/drawing/2014/main" xmlns="">
                 <a:solidFill>
                   <a:srgbClr val="FFFFFF"/>
                 </a:solidFill>
@@ -22927,10 +22927,10 @@
       </p:sp>
       <p:pic>
         <p:nvPicPr>
-          <p:cNvPr id="4" name="תמונה 3">
+          <p:cNvPr id="5" name="תמונה 4">
             <a:extLst>
               <a:ext uri="{FF2B5EF4-FFF2-40B4-BE49-F238E27FC236}">
-                <a16:creationId xmlns:a16="http://schemas.microsoft.com/office/drawing/2014/main" id="{7F54BC71-EB13-8B2E-34F2-B83417239185}"/>
+                <a16:creationId xmlns:a16="http://schemas.microsoft.com/office/drawing/2014/main" id="{1F16E7E0-F124-B3F5-B90F-8154354478C0}"/>
               </a:ext>
             </a:extLst>
           </p:cNvPr>
@@ -22953,8 +22953,8 @@
         </p:blipFill>
         <p:spPr>
           <a:xfrm>
-            <a:off x="905645" y="1064419"/>
-            <a:ext cx="6581775" cy="4438650"/>
+            <a:off x="889437" y="1174750"/>
+            <a:ext cx="6581775" cy="4057650"/>
           </a:xfrm>
           <a:prstGeom prst="rect">
             <a:avLst/>
@@ -23239,7 +23239,7 @@
           <a:noFill/>
           <a:extLst>
             <a:ext uri="{909E8E84-426E-40dd-AFC4-6F175D3DCCD1}">
-              <a14:hiddenFill xmlns="" xmlns:a16="http://schemas.microsoft.com/office/drawing/2014/main" xmlns:p14="http://schemas.microsoft.com/office/powerpoint/2010/main" xmlns:a14="http://schemas.microsoft.com/office/drawing/2010/main">
+              <a14:hiddenFill xmlns:a14="http://schemas.microsoft.com/office/drawing/2010/main" xmlns:p14="http://schemas.microsoft.com/office/powerpoint/2010/main" xmlns:a16="http://schemas.microsoft.com/office/drawing/2014/main" xmlns="">
                 <a:solidFill>
                   <a:srgbClr val="FFFFFF"/>
                 </a:solidFill>
@@ -23331,7 +23331,7 @@
             </a:ln>
             <a:extLst>
               <a:ext uri="{91240B29-F687-4f45-9708-019B960494DF}">
-                <a14:hiddenLine xmlns="" xmlns:a16="http://schemas.microsoft.com/office/drawing/2014/main" xmlns:p14="http://schemas.microsoft.com/office/powerpoint/2010/main" xmlns:a14="http://schemas.microsoft.com/office/drawing/2010/main" w="9525">
+                <a14:hiddenLine xmlns:a14="http://schemas.microsoft.com/office/drawing/2010/main" xmlns:p14="http://schemas.microsoft.com/office/powerpoint/2010/main" xmlns:a16="http://schemas.microsoft.com/office/drawing/2014/main" xmlns="" w="9525">
                   <a:solidFill>
                     <a:srgbClr val="000000"/>
                   </a:solidFill>
@@ -23436,7 +23436,7 @@
             </a:ln>
             <a:extLst>
               <a:ext uri="{91240B29-F687-4f45-9708-019B960494DF}">
-                <a14:hiddenLine xmlns="" xmlns:a16="http://schemas.microsoft.com/office/drawing/2014/main" xmlns:p14="http://schemas.microsoft.com/office/powerpoint/2010/main" xmlns:a14="http://schemas.microsoft.com/office/drawing/2010/main" w="9525">
+                <a14:hiddenLine xmlns:a14="http://schemas.microsoft.com/office/drawing/2010/main" xmlns:p14="http://schemas.microsoft.com/office/powerpoint/2010/main" xmlns:a16="http://schemas.microsoft.com/office/drawing/2014/main" xmlns="" w="9525">
                   <a:solidFill>
                     <a:srgbClr val="000000"/>
                   </a:solidFill>
@@ -23541,7 +23541,7 @@
             </a:ln>
             <a:extLst>
               <a:ext uri="{91240B29-F687-4f45-9708-019B960494DF}">
-                <a14:hiddenLine xmlns="" xmlns:a16="http://schemas.microsoft.com/office/drawing/2014/main" xmlns:p14="http://schemas.microsoft.com/office/powerpoint/2010/main" xmlns:a14="http://schemas.microsoft.com/office/drawing/2010/main" w="9525">
+                <a14:hiddenLine xmlns:a14="http://schemas.microsoft.com/office/drawing/2010/main" xmlns:p14="http://schemas.microsoft.com/office/powerpoint/2010/main" xmlns:a16="http://schemas.microsoft.com/office/drawing/2014/main" xmlns="" w="9525">
                   <a:solidFill>
                     <a:srgbClr val="000000"/>
                   </a:solidFill>
@@ -23590,7 +23590,7 @@
             </a:ln>
             <a:extLst>
               <a:ext uri="{91240B29-F687-4f45-9708-019B960494DF}">
-                <a14:hiddenLine xmlns="" xmlns:a16="http://schemas.microsoft.com/office/drawing/2014/main" xmlns:p14="http://schemas.microsoft.com/office/powerpoint/2010/main" xmlns:a14="http://schemas.microsoft.com/office/drawing/2010/main" w="9525">
+                <a14:hiddenLine xmlns:a14="http://schemas.microsoft.com/office/drawing/2010/main" xmlns:p14="http://schemas.microsoft.com/office/powerpoint/2010/main" xmlns:a16="http://schemas.microsoft.com/office/drawing/2014/main" xmlns="" w="9525">
                   <a:solidFill>
                     <a:srgbClr val="000000"/>
                   </a:solidFill>
@@ -23695,7 +23695,7 @@
             </a:ln>
             <a:extLst>
               <a:ext uri="{91240B29-F687-4f45-9708-019B960494DF}">
-                <a14:hiddenLine xmlns="" xmlns:a16="http://schemas.microsoft.com/office/drawing/2014/main" xmlns:p14="http://schemas.microsoft.com/office/powerpoint/2010/main" xmlns:a14="http://schemas.microsoft.com/office/drawing/2010/main" w="9525">
+                <a14:hiddenLine xmlns:a14="http://schemas.microsoft.com/office/drawing/2010/main" xmlns:p14="http://schemas.microsoft.com/office/powerpoint/2010/main" xmlns:a16="http://schemas.microsoft.com/office/drawing/2014/main" xmlns="" w="9525">
                   <a:solidFill>
                     <a:srgbClr val="000000"/>
                   </a:solidFill>
@@ -23772,7 +23772,7 @@
             </a:ln>
             <a:extLst>
               <a:ext uri="{91240B29-F687-4f45-9708-019B960494DF}">
-                <a14:hiddenLine xmlns="" xmlns:a16="http://schemas.microsoft.com/office/drawing/2014/main" xmlns:p14="http://schemas.microsoft.com/office/powerpoint/2010/main" xmlns:a14="http://schemas.microsoft.com/office/drawing/2010/main" w="9525">
+                <a14:hiddenLine xmlns:a14="http://schemas.microsoft.com/office/drawing/2010/main" xmlns:p14="http://schemas.microsoft.com/office/powerpoint/2010/main" xmlns:a16="http://schemas.microsoft.com/office/drawing/2014/main" xmlns="" w="9525">
                   <a:solidFill>
                     <a:srgbClr val="000000"/>
                   </a:solidFill>
@@ -23849,7 +23849,7 @@
             </a:ln>
             <a:extLst>
               <a:ext uri="{91240B29-F687-4f45-9708-019B960494DF}">
-                <a14:hiddenLine xmlns="" xmlns:a16="http://schemas.microsoft.com/office/drawing/2014/main" xmlns:p14="http://schemas.microsoft.com/office/powerpoint/2010/main" xmlns:a14="http://schemas.microsoft.com/office/drawing/2010/main" w="9525">
+                <a14:hiddenLine xmlns:a14="http://schemas.microsoft.com/office/drawing/2010/main" xmlns:p14="http://schemas.microsoft.com/office/powerpoint/2010/main" xmlns:a16="http://schemas.microsoft.com/office/drawing/2014/main" xmlns="" w="9525">
                   <a:solidFill>
                     <a:srgbClr val="000000"/>
                   </a:solidFill>
@@ -23954,7 +23954,7 @@
             </a:ln>
             <a:extLst>
               <a:ext uri="{91240B29-F687-4f45-9708-019B960494DF}">
-                <a14:hiddenLine xmlns="" xmlns:a16="http://schemas.microsoft.com/office/drawing/2014/main" xmlns:p14="http://schemas.microsoft.com/office/powerpoint/2010/main" xmlns:a14="http://schemas.microsoft.com/office/drawing/2010/main" w="9525">
+                <a14:hiddenLine xmlns:a14="http://schemas.microsoft.com/office/drawing/2010/main" xmlns:p14="http://schemas.microsoft.com/office/powerpoint/2010/main" xmlns:a16="http://schemas.microsoft.com/office/drawing/2014/main" xmlns="" w="9525">
                   <a:solidFill>
                     <a:srgbClr val="000000"/>
                   </a:solidFill>
@@ -24031,7 +24031,7 @@
             </a:ln>
             <a:extLst>
               <a:ext uri="{91240B29-F687-4f45-9708-019B960494DF}">
-                <a14:hiddenLine xmlns="" xmlns:a16="http://schemas.microsoft.com/office/drawing/2014/main" xmlns:p14="http://schemas.microsoft.com/office/powerpoint/2010/main" xmlns:a14="http://schemas.microsoft.com/office/drawing/2010/main" w="9525">
+                <a14:hiddenLine xmlns:a14="http://schemas.microsoft.com/office/drawing/2010/main" xmlns:p14="http://schemas.microsoft.com/office/powerpoint/2010/main" xmlns:a16="http://schemas.microsoft.com/office/drawing/2014/main" xmlns="" w="9525">
                   <a:solidFill>
                     <a:srgbClr val="000000"/>
                   </a:solidFill>
@@ -24108,7 +24108,7 @@
             </a:ln>
             <a:extLst>
               <a:ext uri="{91240B29-F687-4f45-9708-019B960494DF}">
-                <a14:hiddenLine xmlns="" xmlns:a16="http://schemas.microsoft.com/office/drawing/2014/main" xmlns:p14="http://schemas.microsoft.com/office/powerpoint/2010/main" xmlns:a14="http://schemas.microsoft.com/office/drawing/2010/main" w="9525">
+                <a14:hiddenLine xmlns:a14="http://schemas.microsoft.com/office/drawing/2010/main" xmlns:p14="http://schemas.microsoft.com/office/powerpoint/2010/main" xmlns:a16="http://schemas.microsoft.com/office/drawing/2014/main" xmlns="" w="9525">
                   <a:solidFill>
                     <a:srgbClr val="000000"/>
                   </a:solidFill>
@@ -24213,7 +24213,7 @@
             </a:ln>
             <a:extLst>
               <a:ext uri="{91240B29-F687-4f45-9708-019B960494DF}">
-                <a14:hiddenLine xmlns="" xmlns:a16="http://schemas.microsoft.com/office/drawing/2014/main" xmlns:p14="http://schemas.microsoft.com/office/powerpoint/2010/main" xmlns:a14="http://schemas.microsoft.com/office/drawing/2010/main" w="9525">
+                <a14:hiddenLine xmlns:a14="http://schemas.microsoft.com/office/drawing/2010/main" xmlns:p14="http://schemas.microsoft.com/office/powerpoint/2010/main" xmlns:a16="http://schemas.microsoft.com/office/drawing/2014/main" xmlns="" w="9525">
                   <a:solidFill>
                     <a:srgbClr val="000000"/>
                   </a:solidFill>
@@ -24318,7 +24318,7 @@
             </a:ln>
             <a:extLst>
               <a:ext uri="{91240B29-F687-4f45-9708-019B960494DF}">
-                <a14:hiddenLine xmlns="" xmlns:a16="http://schemas.microsoft.com/office/drawing/2014/main" xmlns:p14="http://schemas.microsoft.com/office/powerpoint/2010/main" xmlns:a14="http://schemas.microsoft.com/office/drawing/2010/main" w="9525">
+                <a14:hiddenLine xmlns:a14="http://schemas.microsoft.com/office/drawing/2010/main" xmlns:p14="http://schemas.microsoft.com/office/powerpoint/2010/main" xmlns:a16="http://schemas.microsoft.com/office/drawing/2014/main" xmlns="" w="9525">
                   <a:solidFill>
                     <a:srgbClr val="000000"/>
                   </a:solidFill>
@@ -24395,7 +24395,7 @@
             </a:ln>
             <a:extLst>
               <a:ext uri="{91240B29-F687-4f45-9708-019B960494DF}">
-                <a14:hiddenLine xmlns="" xmlns:a16="http://schemas.microsoft.com/office/drawing/2014/main" xmlns:p14="http://schemas.microsoft.com/office/powerpoint/2010/main" xmlns:a14="http://schemas.microsoft.com/office/drawing/2010/main" w="9525">
+                <a14:hiddenLine xmlns:a14="http://schemas.microsoft.com/office/drawing/2010/main" xmlns:p14="http://schemas.microsoft.com/office/powerpoint/2010/main" xmlns:a16="http://schemas.microsoft.com/office/drawing/2014/main" xmlns="" w="9525">
                   <a:solidFill>
                     <a:srgbClr val="000000"/>
                   </a:solidFill>
@@ -24520,7 +24520,7 @@
             </a:ln>
             <a:extLst>
               <a:ext uri="{91240B29-F687-4f45-9708-019B960494DF}">
-                <a14:hiddenLine xmlns="" xmlns:a16="http://schemas.microsoft.com/office/drawing/2014/main" xmlns:p14="http://schemas.microsoft.com/office/powerpoint/2010/main" xmlns:a14="http://schemas.microsoft.com/office/drawing/2010/main" w="9525">
+                <a14:hiddenLine xmlns:a14="http://schemas.microsoft.com/office/drawing/2010/main" xmlns:p14="http://schemas.microsoft.com/office/powerpoint/2010/main" xmlns:a16="http://schemas.microsoft.com/office/drawing/2014/main" xmlns="" w="9525">
                   <a:solidFill>
                     <a:srgbClr val="000000"/>
                   </a:solidFill>
@@ -24597,7 +24597,7 @@
             </a:ln>
             <a:extLst>
               <a:ext uri="{91240B29-F687-4f45-9708-019B960494DF}">
-                <a14:hiddenLine xmlns="" xmlns:a16="http://schemas.microsoft.com/office/drawing/2014/main" xmlns:p14="http://schemas.microsoft.com/office/powerpoint/2010/main" xmlns:a14="http://schemas.microsoft.com/office/drawing/2010/main" w="9525">
+                <a14:hiddenLine xmlns:a14="http://schemas.microsoft.com/office/drawing/2010/main" xmlns:p14="http://schemas.microsoft.com/office/powerpoint/2010/main" xmlns:a16="http://schemas.microsoft.com/office/drawing/2014/main" xmlns="" w="9525">
                   <a:solidFill>
                     <a:srgbClr val="000000"/>
                   </a:solidFill>
@@ -24702,7 +24702,7 @@
             </a:ln>
             <a:extLst>
               <a:ext uri="{91240B29-F687-4f45-9708-019B960494DF}">
-                <a14:hiddenLine xmlns="" xmlns:a16="http://schemas.microsoft.com/office/drawing/2014/main" xmlns:p14="http://schemas.microsoft.com/office/powerpoint/2010/main" xmlns:a14="http://schemas.microsoft.com/office/drawing/2010/main" w="9525">
+                <a14:hiddenLine xmlns:a14="http://schemas.microsoft.com/office/drawing/2010/main" xmlns:p14="http://schemas.microsoft.com/office/powerpoint/2010/main" xmlns:a16="http://schemas.microsoft.com/office/drawing/2014/main" xmlns="" w="9525">
                   <a:solidFill>
                     <a:srgbClr val="000000"/>
                   </a:solidFill>
@@ -24807,7 +24807,7 @@
             </a:ln>
             <a:extLst>
               <a:ext uri="{91240B29-F687-4f45-9708-019B960494DF}">
-                <a14:hiddenLine xmlns="" xmlns:a16="http://schemas.microsoft.com/office/drawing/2014/main" xmlns:p14="http://schemas.microsoft.com/office/powerpoint/2010/main" xmlns:a14="http://schemas.microsoft.com/office/drawing/2010/main" w="9525">
+                <a14:hiddenLine xmlns:a14="http://schemas.microsoft.com/office/drawing/2010/main" xmlns:p14="http://schemas.microsoft.com/office/powerpoint/2010/main" xmlns:a16="http://schemas.microsoft.com/office/drawing/2014/main" xmlns="" w="9525">
                   <a:solidFill>
                     <a:srgbClr val="000000"/>
                   </a:solidFill>
@@ -24884,7 +24884,7 @@
             </a:ln>
             <a:extLst>
               <a:ext uri="{91240B29-F687-4f45-9708-019B960494DF}">
-                <a14:hiddenLine xmlns="" xmlns:a16="http://schemas.microsoft.com/office/drawing/2014/main" xmlns:p14="http://schemas.microsoft.com/office/powerpoint/2010/main" xmlns:a14="http://schemas.microsoft.com/office/drawing/2010/main" w="9525">
+                <a14:hiddenLine xmlns:a14="http://schemas.microsoft.com/office/drawing/2010/main" xmlns:p14="http://schemas.microsoft.com/office/powerpoint/2010/main" xmlns:a16="http://schemas.microsoft.com/office/drawing/2014/main" xmlns="" w="9525">
                   <a:solidFill>
                     <a:srgbClr val="000000"/>
                   </a:solidFill>
@@ -24989,7 +24989,7 @@
             </a:ln>
             <a:extLst>
               <a:ext uri="{91240B29-F687-4f45-9708-019B960494DF}">
-                <a14:hiddenLine xmlns="" xmlns:a16="http://schemas.microsoft.com/office/drawing/2014/main" xmlns:p14="http://schemas.microsoft.com/office/powerpoint/2010/main" xmlns:a14="http://schemas.microsoft.com/office/drawing/2010/main" w="9525">
+                <a14:hiddenLine xmlns:a14="http://schemas.microsoft.com/office/drawing/2010/main" xmlns:p14="http://schemas.microsoft.com/office/powerpoint/2010/main" xmlns:a16="http://schemas.microsoft.com/office/drawing/2014/main" xmlns="" w="9525">
                   <a:solidFill>
                     <a:srgbClr val="000000"/>
                   </a:solidFill>
@@ -25094,7 +25094,7 @@
             </a:ln>
             <a:extLst>
               <a:ext uri="{91240B29-F687-4f45-9708-019B960494DF}">
-                <a14:hiddenLine xmlns="" xmlns:a16="http://schemas.microsoft.com/office/drawing/2014/main" xmlns:p14="http://schemas.microsoft.com/office/powerpoint/2010/main" xmlns:a14="http://schemas.microsoft.com/office/drawing/2010/main" w="9525">
+                <a14:hiddenLine xmlns:a14="http://schemas.microsoft.com/office/drawing/2010/main" xmlns:p14="http://schemas.microsoft.com/office/powerpoint/2010/main" xmlns:a16="http://schemas.microsoft.com/office/drawing/2014/main" xmlns="" w="9525">
                   <a:solidFill>
                     <a:srgbClr val="000000"/>
                   </a:solidFill>
@@ -25165,7 +25165,7 @@
             </a:ln>
             <a:extLst>
               <a:ext uri="{91240B29-F687-4f45-9708-019B960494DF}">
-                <a14:hiddenLine xmlns="" xmlns:a16="http://schemas.microsoft.com/office/drawing/2014/main" xmlns:p14="http://schemas.microsoft.com/office/powerpoint/2010/main" xmlns:a14="http://schemas.microsoft.com/office/drawing/2010/main" w="9525">
+                <a14:hiddenLine xmlns:a14="http://schemas.microsoft.com/office/drawing/2010/main" xmlns:p14="http://schemas.microsoft.com/office/powerpoint/2010/main" xmlns:a16="http://schemas.microsoft.com/office/drawing/2014/main" xmlns="" w="9525">
                   <a:solidFill>
                     <a:srgbClr val="000000"/>
                   </a:solidFill>
@@ -25270,7 +25270,7 @@
             </a:ln>
             <a:extLst>
               <a:ext uri="{91240B29-F687-4f45-9708-019B960494DF}">
-                <a14:hiddenLine xmlns="" xmlns:a16="http://schemas.microsoft.com/office/drawing/2014/main" xmlns:p14="http://schemas.microsoft.com/office/powerpoint/2010/main" xmlns:a14="http://schemas.microsoft.com/office/drawing/2010/main" w="9525">
+                <a14:hiddenLine xmlns:a14="http://schemas.microsoft.com/office/drawing/2010/main" xmlns:p14="http://schemas.microsoft.com/office/powerpoint/2010/main" xmlns:a16="http://schemas.microsoft.com/office/drawing/2014/main" xmlns="" w="9525">
                   <a:solidFill>
                     <a:srgbClr val="000000"/>
                   </a:solidFill>
@@ -25341,7 +25341,7 @@
             </a:ln>
             <a:extLst>
               <a:ext uri="{91240B29-F687-4f45-9708-019B960494DF}">
-                <a14:hiddenLine xmlns="" xmlns:a16="http://schemas.microsoft.com/office/drawing/2014/main" xmlns:p14="http://schemas.microsoft.com/office/powerpoint/2010/main" xmlns:a14="http://schemas.microsoft.com/office/drawing/2010/main" w="9525">
+                <a14:hiddenLine xmlns:a14="http://schemas.microsoft.com/office/drawing/2010/main" xmlns:p14="http://schemas.microsoft.com/office/powerpoint/2010/main" xmlns:a16="http://schemas.microsoft.com/office/drawing/2014/main" xmlns="" w="9525">
                   <a:solidFill>
                     <a:srgbClr val="000000"/>
                   </a:solidFill>
@@ -25446,7 +25446,7 @@
             </a:ln>
             <a:extLst>
               <a:ext uri="{91240B29-F687-4f45-9708-019B960494DF}">
-                <a14:hiddenLine xmlns="" xmlns:a16="http://schemas.microsoft.com/office/drawing/2014/main" xmlns:p14="http://schemas.microsoft.com/office/powerpoint/2010/main" xmlns:a14="http://schemas.microsoft.com/office/drawing/2010/main" w="9525">
+                <a14:hiddenLine xmlns:a14="http://schemas.microsoft.com/office/drawing/2010/main" xmlns:p14="http://schemas.microsoft.com/office/powerpoint/2010/main" xmlns:a16="http://schemas.microsoft.com/office/drawing/2014/main" xmlns="" w="9525">
                   <a:solidFill>
                     <a:srgbClr val="000000"/>
                   </a:solidFill>
@@ -25529,7 +25529,7 @@
             </a:ln>
             <a:extLst>
               <a:ext uri="{91240B29-F687-4f45-9708-019B960494DF}">
-                <a14:hiddenLine xmlns="" xmlns:a16="http://schemas.microsoft.com/office/drawing/2014/main" xmlns:p14="http://schemas.microsoft.com/office/powerpoint/2010/main" xmlns:a14="http://schemas.microsoft.com/office/drawing/2010/main" w="9525">
+                <a14:hiddenLine xmlns:a14="http://schemas.microsoft.com/office/drawing/2010/main" xmlns:p14="http://schemas.microsoft.com/office/powerpoint/2010/main" xmlns:a16="http://schemas.microsoft.com/office/drawing/2014/main" xmlns="" w="9525">
                   <a:solidFill>
                     <a:srgbClr val="000000"/>
                   </a:solidFill>
@@ -25634,7 +25634,7 @@
             </a:ln>
             <a:extLst>
               <a:ext uri="{91240B29-F687-4f45-9708-019B960494DF}">
-                <a14:hiddenLine xmlns="" xmlns:a16="http://schemas.microsoft.com/office/drawing/2014/main" xmlns:p14="http://schemas.microsoft.com/office/powerpoint/2010/main" xmlns:a14="http://schemas.microsoft.com/office/drawing/2010/main" w="9525">
+                <a14:hiddenLine xmlns:a14="http://schemas.microsoft.com/office/drawing/2010/main" xmlns:p14="http://schemas.microsoft.com/office/powerpoint/2010/main" xmlns:a16="http://schemas.microsoft.com/office/drawing/2014/main" xmlns="" w="9525">
                   <a:solidFill>
                     <a:srgbClr val="000000"/>
                   </a:solidFill>
@@ -25717,7 +25717,7 @@
             </a:ln>
             <a:extLst>
               <a:ext uri="{91240B29-F687-4f45-9708-019B960494DF}">
-                <a14:hiddenLine xmlns="" xmlns:a16="http://schemas.microsoft.com/office/drawing/2014/main" xmlns:p14="http://schemas.microsoft.com/office/powerpoint/2010/main" xmlns:a14="http://schemas.microsoft.com/office/drawing/2010/main" w="9525">
+                <a14:hiddenLine xmlns:a14="http://schemas.microsoft.com/office/drawing/2010/main" xmlns:p14="http://schemas.microsoft.com/office/powerpoint/2010/main" xmlns:a16="http://schemas.microsoft.com/office/drawing/2014/main" xmlns="" w="9525">
                   <a:solidFill>
                     <a:srgbClr val="000000"/>
                   </a:solidFill>
@@ -25822,7 +25822,7 @@
             </a:ln>
             <a:extLst>
               <a:ext uri="{91240B29-F687-4f45-9708-019B960494DF}">
-                <a14:hiddenLine xmlns="" xmlns:a16="http://schemas.microsoft.com/office/drawing/2014/main" xmlns:p14="http://schemas.microsoft.com/office/powerpoint/2010/main" xmlns:a14="http://schemas.microsoft.com/office/drawing/2010/main" w="9525">
+                <a14:hiddenLine xmlns:a14="http://schemas.microsoft.com/office/drawing/2010/main" xmlns:p14="http://schemas.microsoft.com/office/powerpoint/2010/main" xmlns:a16="http://schemas.microsoft.com/office/drawing/2014/main" xmlns="" w="9525">
                   <a:solidFill>
                     <a:srgbClr val="000000"/>
                   </a:solidFill>
@@ -25871,7 +25871,7 @@
             </a:ln>
             <a:extLst>
               <a:ext uri="{91240B29-F687-4f45-9708-019B960494DF}">
-                <a14:hiddenLine xmlns="" xmlns:a16="http://schemas.microsoft.com/office/drawing/2014/main" xmlns:p14="http://schemas.microsoft.com/office/powerpoint/2010/main" xmlns:a14="http://schemas.microsoft.com/office/drawing/2010/main" w="9525">
+                <a14:hiddenLine xmlns:a14="http://schemas.microsoft.com/office/drawing/2010/main" xmlns:p14="http://schemas.microsoft.com/office/powerpoint/2010/main" xmlns:a16="http://schemas.microsoft.com/office/drawing/2014/main" xmlns="" w="9525">
                   <a:solidFill>
                     <a:srgbClr val="000000"/>
                   </a:solidFill>
@@ -25976,7 +25976,7 @@
             </a:ln>
             <a:extLst>
               <a:ext uri="{91240B29-F687-4f45-9708-019B960494DF}">
-                <a14:hiddenLine xmlns="" xmlns:a16="http://schemas.microsoft.com/office/drawing/2014/main" xmlns:p14="http://schemas.microsoft.com/office/powerpoint/2010/main" xmlns:a14="http://schemas.microsoft.com/office/drawing/2010/main" w="9525">
+                <a14:hiddenLine xmlns:a14="http://schemas.microsoft.com/office/drawing/2010/main" xmlns:p14="http://schemas.microsoft.com/office/powerpoint/2010/main" xmlns:a16="http://schemas.microsoft.com/office/drawing/2014/main" xmlns="" w="9525">
                   <a:solidFill>
                     <a:srgbClr val="000000"/>
                   </a:solidFill>
@@ -26053,7 +26053,7 @@
             </a:ln>
             <a:extLst>
               <a:ext uri="{91240B29-F687-4f45-9708-019B960494DF}">
-                <a14:hiddenLine xmlns="" xmlns:a16="http://schemas.microsoft.com/office/drawing/2014/main" xmlns:p14="http://schemas.microsoft.com/office/powerpoint/2010/main" xmlns:a14="http://schemas.microsoft.com/office/drawing/2010/main" w="9525">
+                <a14:hiddenLine xmlns:a14="http://schemas.microsoft.com/office/drawing/2010/main" xmlns:p14="http://schemas.microsoft.com/office/powerpoint/2010/main" xmlns:a16="http://schemas.microsoft.com/office/drawing/2014/main" xmlns="" w="9525">
                   <a:solidFill>
                     <a:srgbClr val="000000"/>
                   </a:solidFill>
@@ -26130,7 +26130,7 @@
             </a:ln>
             <a:extLst>
               <a:ext uri="{91240B29-F687-4f45-9708-019B960494DF}">
-                <a14:hiddenLine xmlns="" xmlns:a16="http://schemas.microsoft.com/office/drawing/2014/main" xmlns:p14="http://schemas.microsoft.com/office/powerpoint/2010/main" xmlns:a14="http://schemas.microsoft.com/office/drawing/2010/main" w="9525">
+                <a14:hiddenLine xmlns:a14="http://schemas.microsoft.com/office/drawing/2010/main" xmlns:p14="http://schemas.microsoft.com/office/powerpoint/2010/main" xmlns:a16="http://schemas.microsoft.com/office/drawing/2014/main" xmlns="" w="9525">
                   <a:solidFill>
                     <a:srgbClr val="000000"/>
                   </a:solidFill>
@@ -26235,7 +26235,7 @@
             </a:ln>
             <a:extLst>
               <a:ext uri="{91240B29-F687-4f45-9708-019B960494DF}">
-                <a14:hiddenLine xmlns="" xmlns:a16="http://schemas.microsoft.com/office/drawing/2014/main" xmlns:p14="http://schemas.microsoft.com/office/powerpoint/2010/main" xmlns:a14="http://schemas.microsoft.com/office/drawing/2010/main" w="9525">
+                <a14:hiddenLine xmlns:a14="http://schemas.microsoft.com/office/drawing/2010/main" xmlns:p14="http://schemas.microsoft.com/office/powerpoint/2010/main" xmlns:a16="http://schemas.microsoft.com/office/drawing/2014/main" xmlns="" w="9525">
                   <a:solidFill>
                     <a:srgbClr val="000000"/>
                   </a:solidFill>
@@ -26318,7 +26318,7 @@
             </a:ln>
             <a:extLst>
               <a:ext uri="{91240B29-F687-4f45-9708-019B960494DF}">
-                <a14:hiddenLine xmlns="" xmlns:a16="http://schemas.microsoft.com/office/drawing/2014/main" xmlns:p14="http://schemas.microsoft.com/office/powerpoint/2010/main" xmlns:a14="http://schemas.microsoft.com/office/drawing/2010/main" w="9525">
+                <a14:hiddenLine xmlns:a14="http://schemas.microsoft.com/office/drawing/2010/main" xmlns:p14="http://schemas.microsoft.com/office/powerpoint/2010/main" xmlns:a16="http://schemas.microsoft.com/office/drawing/2014/main" xmlns="" w="9525">
                   <a:solidFill>
                     <a:srgbClr val="000000"/>
                   </a:solidFill>
@@ -26395,7 +26395,7 @@
             </a:ln>
             <a:extLst>
               <a:ext uri="{91240B29-F687-4f45-9708-019B960494DF}">
-                <a14:hiddenLine xmlns="" xmlns:a16="http://schemas.microsoft.com/office/drawing/2014/main" xmlns:p14="http://schemas.microsoft.com/office/powerpoint/2010/main" xmlns:a14="http://schemas.microsoft.com/office/drawing/2010/main" w="9525">
+                <a14:hiddenLine xmlns:a14="http://schemas.microsoft.com/office/drawing/2010/main" xmlns:p14="http://schemas.microsoft.com/office/powerpoint/2010/main" xmlns:a16="http://schemas.microsoft.com/office/drawing/2014/main" xmlns="" w="9525">
                   <a:solidFill>
                     <a:srgbClr val="000000"/>
                   </a:solidFill>
@@ -26500,7 +26500,7 @@
             </a:ln>
             <a:extLst>
               <a:ext uri="{91240B29-F687-4f45-9708-019B960494DF}">
-                <a14:hiddenLine xmlns="" xmlns:a16="http://schemas.microsoft.com/office/drawing/2014/main" xmlns:p14="http://schemas.microsoft.com/office/powerpoint/2010/main" xmlns:a14="http://schemas.microsoft.com/office/drawing/2010/main" w="9525">
+                <a14:hiddenLine xmlns:a14="http://schemas.microsoft.com/office/drawing/2010/main" xmlns:p14="http://schemas.microsoft.com/office/powerpoint/2010/main" xmlns:a16="http://schemas.microsoft.com/office/drawing/2014/main" xmlns="" w="9525">
                   <a:solidFill>
                     <a:srgbClr val="000000"/>
                   </a:solidFill>
@@ -26577,7 +26577,7 @@
             </a:ln>
             <a:extLst>
               <a:ext uri="{91240B29-F687-4f45-9708-019B960494DF}">
-                <a14:hiddenLine xmlns="" xmlns:a16="http://schemas.microsoft.com/office/drawing/2014/main" xmlns:p14="http://schemas.microsoft.com/office/powerpoint/2010/main" xmlns:a14="http://schemas.microsoft.com/office/drawing/2010/main" w="9525">
+                <a14:hiddenLine xmlns:a14="http://schemas.microsoft.com/office/drawing/2010/main" xmlns:p14="http://schemas.microsoft.com/office/powerpoint/2010/main" xmlns:a16="http://schemas.microsoft.com/office/drawing/2014/main" xmlns="" w="9525">
                   <a:solidFill>
                     <a:srgbClr val="000000"/>
                   </a:solidFill>
@@ -26682,7 +26682,7 @@
             </a:ln>
             <a:extLst>
               <a:ext uri="{91240B29-F687-4f45-9708-019B960494DF}">
-                <a14:hiddenLine xmlns="" xmlns:a16="http://schemas.microsoft.com/office/drawing/2014/main" xmlns:p14="http://schemas.microsoft.com/office/powerpoint/2010/main" xmlns:a14="http://schemas.microsoft.com/office/drawing/2010/main" w="9525">
+                <a14:hiddenLine xmlns:a14="http://schemas.microsoft.com/office/drawing/2010/main" xmlns:p14="http://schemas.microsoft.com/office/powerpoint/2010/main" xmlns:a16="http://schemas.microsoft.com/office/drawing/2014/main" xmlns="" w="9525">
                   <a:solidFill>
                     <a:srgbClr val="000000"/>
                   </a:solidFill>
@@ -26759,7 +26759,7 @@
             </a:ln>
             <a:extLst>
               <a:ext uri="{91240B29-F687-4f45-9708-019B960494DF}">
-                <a14:hiddenLine xmlns="" xmlns:a16="http://schemas.microsoft.com/office/drawing/2014/main" xmlns:p14="http://schemas.microsoft.com/office/powerpoint/2010/main" xmlns:a14="http://schemas.microsoft.com/office/drawing/2010/main" w="9525">
+                <a14:hiddenLine xmlns:a14="http://schemas.microsoft.com/office/drawing/2010/main" xmlns:p14="http://schemas.microsoft.com/office/powerpoint/2010/main" xmlns:a16="http://schemas.microsoft.com/office/drawing/2014/main" xmlns="" w="9525">
                   <a:solidFill>
                     <a:srgbClr val="000000"/>
                   </a:solidFill>
@@ -26864,7 +26864,7 @@
             </a:ln>
             <a:extLst>
               <a:ext uri="{91240B29-F687-4f45-9708-019B960494DF}">
-                <a14:hiddenLine xmlns="" xmlns:a16="http://schemas.microsoft.com/office/drawing/2014/main" xmlns:p14="http://schemas.microsoft.com/office/powerpoint/2010/main" xmlns:a14="http://schemas.microsoft.com/office/drawing/2010/main" w="9525">
+                <a14:hiddenLine xmlns:a14="http://schemas.microsoft.com/office/drawing/2010/main" xmlns:p14="http://schemas.microsoft.com/office/powerpoint/2010/main" xmlns:a16="http://schemas.microsoft.com/office/drawing/2014/main" xmlns="" w="9525">
                   <a:solidFill>
                     <a:srgbClr val="000000"/>
                   </a:solidFill>
@@ -26913,7 +26913,7 @@
             </a:ln>
             <a:extLst>
               <a:ext uri="{91240B29-F687-4f45-9708-019B960494DF}">
-                <a14:hiddenLine xmlns="" xmlns:a16="http://schemas.microsoft.com/office/drawing/2014/main" xmlns:p14="http://schemas.microsoft.com/office/powerpoint/2010/main" xmlns:a14="http://schemas.microsoft.com/office/drawing/2010/main" w="9525">
+                <a14:hiddenLine xmlns:a14="http://schemas.microsoft.com/office/drawing/2010/main" xmlns:p14="http://schemas.microsoft.com/office/powerpoint/2010/main" xmlns:a16="http://schemas.microsoft.com/office/drawing/2014/main" xmlns="" w="9525">
                   <a:solidFill>
                     <a:srgbClr val="000000"/>
                   </a:solidFill>
@@ -26993,7 +26993,7 @@
             </a:ln>
             <a:extLst>
               <a:ext uri="{91240B29-F687-4f45-9708-019B960494DF}">
-                <a14:hiddenLine xmlns="" xmlns:a16="http://schemas.microsoft.com/office/drawing/2014/main" xmlns:p14="http://schemas.microsoft.com/office/powerpoint/2010/main" xmlns:a14="http://schemas.microsoft.com/office/drawing/2010/main" w="9525">
+                <a14:hiddenLine xmlns:a14="http://schemas.microsoft.com/office/drawing/2010/main" xmlns:p14="http://schemas.microsoft.com/office/powerpoint/2010/main" xmlns:a16="http://schemas.microsoft.com/office/drawing/2014/main" xmlns="" w="9525">
                   <a:solidFill>
                     <a:srgbClr val="000000"/>
                   </a:solidFill>
@@ -27098,7 +27098,7 @@
             </a:ln>
             <a:extLst>
               <a:ext uri="{91240B29-F687-4f45-9708-019B960494DF}">
-                <a14:hiddenLine xmlns="" xmlns:a16="http://schemas.microsoft.com/office/drawing/2014/main" xmlns:p14="http://schemas.microsoft.com/office/powerpoint/2010/main" xmlns:a14="http://schemas.microsoft.com/office/drawing/2010/main" w="9525">
+                <a14:hiddenLine xmlns:a14="http://schemas.microsoft.com/office/drawing/2010/main" xmlns:p14="http://schemas.microsoft.com/office/powerpoint/2010/main" xmlns:a16="http://schemas.microsoft.com/office/drawing/2014/main" xmlns="" w="9525">
                   <a:solidFill>
                     <a:srgbClr val="000000"/>
                   </a:solidFill>
@@ -27175,7 +27175,7 @@
             </a:ln>
             <a:extLst>
               <a:ext uri="{91240B29-F687-4f45-9708-019B960494DF}">
-                <a14:hiddenLine xmlns="" xmlns:a16="http://schemas.microsoft.com/office/drawing/2014/main" xmlns:p14="http://schemas.microsoft.com/office/powerpoint/2010/main" xmlns:a14="http://schemas.microsoft.com/office/drawing/2010/main" w="9525">
+                <a14:hiddenLine xmlns:a14="http://schemas.microsoft.com/office/drawing/2010/main" xmlns:p14="http://schemas.microsoft.com/office/powerpoint/2010/main" xmlns:a16="http://schemas.microsoft.com/office/drawing/2014/main" xmlns="" w="9525">
                   <a:solidFill>
                     <a:srgbClr val="000000"/>
                   </a:solidFill>
@@ -27280,7 +27280,7 @@
             </a:ln>
             <a:extLst>
               <a:ext uri="{91240B29-F687-4f45-9708-019B960494DF}">
-                <a14:hiddenLine xmlns="" xmlns:a16="http://schemas.microsoft.com/office/drawing/2014/main" xmlns:p14="http://schemas.microsoft.com/office/powerpoint/2010/main" xmlns:a14="http://schemas.microsoft.com/office/drawing/2010/main" w="9525">
+                <a14:hiddenLine xmlns:a14="http://schemas.microsoft.com/office/drawing/2010/main" xmlns:p14="http://schemas.microsoft.com/office/powerpoint/2010/main" xmlns:a16="http://schemas.microsoft.com/office/drawing/2014/main" xmlns="" w="9525">
                   <a:solidFill>
                     <a:srgbClr val="000000"/>
                   </a:solidFill>
@@ -27385,7 +27385,7 @@
             </a:ln>
             <a:extLst>
               <a:ext uri="{91240B29-F687-4f45-9708-019B960494DF}">
-                <a14:hiddenLine xmlns="" xmlns:a16="http://schemas.microsoft.com/office/drawing/2014/main" xmlns:p14="http://schemas.microsoft.com/office/powerpoint/2010/main" xmlns:a14="http://schemas.microsoft.com/office/drawing/2010/main" w="9525">
+                <a14:hiddenLine xmlns:a14="http://schemas.microsoft.com/office/drawing/2010/main" xmlns:p14="http://schemas.microsoft.com/office/powerpoint/2010/main" xmlns:a16="http://schemas.microsoft.com/office/drawing/2014/main" xmlns="" w="9525">
                   <a:solidFill>
                     <a:srgbClr val="000000"/>
                   </a:solidFill>
@@ -27465,7 +27465,7 @@
             </a:ln>
             <a:extLst>
               <a:ext uri="{91240B29-F687-4f45-9708-019B960494DF}">
-                <a14:hiddenLine xmlns="" xmlns:a16="http://schemas.microsoft.com/office/drawing/2014/main" xmlns:p14="http://schemas.microsoft.com/office/powerpoint/2010/main" xmlns:a14="http://schemas.microsoft.com/office/drawing/2010/main" w="9525">
+                <a14:hiddenLine xmlns:a14="http://schemas.microsoft.com/office/drawing/2010/main" xmlns:p14="http://schemas.microsoft.com/office/powerpoint/2010/main" xmlns:a16="http://schemas.microsoft.com/office/drawing/2014/main" xmlns="" w="9525">
                   <a:solidFill>
                     <a:srgbClr val="000000"/>
                   </a:solidFill>
@@ -27542,7 +27542,7 @@
             </a:ln>
             <a:extLst>
               <a:ext uri="{91240B29-F687-4f45-9708-019B960494DF}">
-                <a14:hiddenLine xmlns="" xmlns:a16="http://schemas.microsoft.com/office/drawing/2014/main" xmlns:p14="http://schemas.microsoft.com/office/powerpoint/2010/main" xmlns:a14="http://schemas.microsoft.com/office/drawing/2010/main" w="9525">
+                <a14:hiddenLine xmlns:a14="http://schemas.microsoft.com/office/drawing/2010/main" xmlns:p14="http://schemas.microsoft.com/office/powerpoint/2010/main" xmlns:a16="http://schemas.microsoft.com/office/drawing/2014/main" xmlns="" w="9525">
                   <a:solidFill>
                     <a:srgbClr val="000000"/>
                   </a:solidFill>
@@ -27647,7 +27647,7 @@
             </a:ln>
             <a:extLst>
               <a:ext uri="{91240B29-F687-4f45-9708-019B960494DF}">
-                <a14:hiddenLine xmlns="" xmlns:a16="http://schemas.microsoft.com/office/drawing/2014/main" xmlns:p14="http://schemas.microsoft.com/office/powerpoint/2010/main" xmlns:a14="http://schemas.microsoft.com/office/drawing/2010/main" w="9525">
+                <a14:hiddenLine xmlns:a14="http://schemas.microsoft.com/office/drawing/2010/main" xmlns:p14="http://schemas.microsoft.com/office/powerpoint/2010/main" xmlns:a16="http://schemas.microsoft.com/office/drawing/2014/main" xmlns="" w="9525">
                   <a:solidFill>
                     <a:srgbClr val="000000"/>
                   </a:solidFill>
@@ -27752,7 +27752,7 @@
             </a:ln>
             <a:extLst>
               <a:ext uri="{91240B29-F687-4f45-9708-019B960494DF}">
-                <a14:hiddenLine xmlns="" xmlns:a16="http://schemas.microsoft.com/office/drawing/2014/main" xmlns:p14="http://schemas.microsoft.com/office/powerpoint/2010/main" xmlns:a14="http://schemas.microsoft.com/office/drawing/2010/main" w="9525">
+                <a14:hiddenLine xmlns:a14="http://schemas.microsoft.com/office/drawing/2010/main" xmlns:p14="http://schemas.microsoft.com/office/powerpoint/2010/main" xmlns:a16="http://schemas.microsoft.com/office/drawing/2014/main" xmlns="" w="9525">
                   <a:solidFill>
                     <a:srgbClr val="000000"/>
                   </a:solidFill>
@@ -27829,7 +27829,7 @@
             </a:ln>
             <a:extLst>
               <a:ext uri="{91240B29-F687-4f45-9708-019B960494DF}">
-                <a14:hiddenLine xmlns="" xmlns:a16="http://schemas.microsoft.com/office/drawing/2014/main" xmlns:p14="http://schemas.microsoft.com/office/powerpoint/2010/main" xmlns:a14="http://schemas.microsoft.com/office/drawing/2010/main" w="9525">
+                <a14:hiddenLine xmlns:a14="http://schemas.microsoft.com/office/drawing/2010/main" xmlns:p14="http://schemas.microsoft.com/office/powerpoint/2010/main" xmlns:a16="http://schemas.microsoft.com/office/drawing/2014/main" xmlns="" w="9525">
                   <a:solidFill>
                     <a:srgbClr val="000000"/>
                   </a:solidFill>
@@ -27964,7 +27964,7 @@
             </a:ln>
             <a:extLst>
               <a:ext uri="{91240B29-F687-4f45-9708-019B960494DF}">
-                <a14:hiddenLine xmlns="" xmlns:a16="http://schemas.microsoft.com/office/drawing/2014/main" xmlns:p14="http://schemas.microsoft.com/office/powerpoint/2010/main" xmlns:a14="http://schemas.microsoft.com/office/drawing/2010/main" w="9525">
+                <a14:hiddenLine xmlns:a14="http://schemas.microsoft.com/office/drawing/2010/main" xmlns:p14="http://schemas.microsoft.com/office/powerpoint/2010/main" xmlns:a16="http://schemas.microsoft.com/office/drawing/2014/main" xmlns="" w="9525">
                   <a:solidFill>
                     <a:srgbClr val="000000"/>
                   </a:solidFill>
@@ -28047,7 +28047,7 @@
             </a:ln>
             <a:extLst>
               <a:ext uri="{91240B29-F687-4f45-9708-019B960494DF}">
-                <a14:hiddenLine xmlns="" xmlns:a16="http://schemas.microsoft.com/office/drawing/2014/main" xmlns:p14="http://schemas.microsoft.com/office/powerpoint/2010/main" xmlns:a14="http://schemas.microsoft.com/office/drawing/2010/main" w="9525">
+                <a14:hiddenLine xmlns:a14="http://schemas.microsoft.com/office/drawing/2010/main" xmlns:p14="http://schemas.microsoft.com/office/powerpoint/2010/main" xmlns:a16="http://schemas.microsoft.com/office/drawing/2014/main" xmlns="" w="9525">
                   <a:solidFill>
                     <a:srgbClr val="000000"/>
                   </a:solidFill>
@@ -28152,7 +28152,7 @@
             </a:ln>
             <a:extLst>
               <a:ext uri="{91240B29-F687-4f45-9708-019B960494DF}">
-                <a14:hiddenLine xmlns="" xmlns:a16="http://schemas.microsoft.com/office/drawing/2014/main" xmlns:p14="http://schemas.microsoft.com/office/powerpoint/2010/main" xmlns:a14="http://schemas.microsoft.com/office/drawing/2010/main" w="9525">
+                <a14:hiddenLine xmlns:a14="http://schemas.microsoft.com/office/drawing/2010/main" xmlns:p14="http://schemas.microsoft.com/office/powerpoint/2010/main" xmlns:a16="http://schemas.microsoft.com/office/drawing/2014/main" xmlns="" w="9525">
                   <a:solidFill>
                     <a:srgbClr val="000000"/>
                   </a:solidFill>
@@ -28308,7 +28308,7 @@
             </a:ln>
             <a:extLst>
               <a:ext uri="{91240B29-F687-4f45-9708-019B960494DF}">
-                <a14:hiddenLine xmlns="" xmlns:a16="http://schemas.microsoft.com/office/drawing/2014/main" xmlns:p14="http://schemas.microsoft.com/office/powerpoint/2010/main" xmlns:a14="http://schemas.microsoft.com/office/drawing/2010/main" w="9525">
+                <a14:hiddenLine xmlns:a14="http://schemas.microsoft.com/office/drawing/2010/main" xmlns:p14="http://schemas.microsoft.com/office/powerpoint/2010/main" xmlns:a16="http://schemas.microsoft.com/office/drawing/2014/main" xmlns="" w="9525">
                   <a:solidFill>
                     <a:srgbClr val="000000"/>
                   </a:solidFill>
@@ -28413,7 +28413,7 @@
             </a:ln>
             <a:extLst>
               <a:ext uri="{91240B29-F687-4f45-9708-019B960494DF}">
-                <a14:hiddenLine xmlns="" xmlns:a16="http://schemas.microsoft.com/office/drawing/2014/main" xmlns:p14="http://schemas.microsoft.com/office/powerpoint/2010/main" xmlns:a14="http://schemas.microsoft.com/office/drawing/2010/main" w="9525">
+                <a14:hiddenLine xmlns:a14="http://schemas.microsoft.com/office/drawing/2010/main" xmlns:p14="http://schemas.microsoft.com/office/powerpoint/2010/main" xmlns:a16="http://schemas.microsoft.com/office/drawing/2014/main" xmlns="" w="9525">
                   <a:solidFill>
                     <a:srgbClr val="000000"/>
                   </a:solidFill>
@@ -28518,7 +28518,7 @@
             </a:ln>
             <a:extLst>
               <a:ext uri="{91240B29-F687-4f45-9708-019B960494DF}">
-                <a14:hiddenLine xmlns="" xmlns:a16="http://schemas.microsoft.com/office/drawing/2014/main" xmlns:p14="http://schemas.microsoft.com/office/powerpoint/2010/main" xmlns:a14="http://schemas.microsoft.com/office/drawing/2010/main" w="9525">
+                <a14:hiddenLine xmlns:a14="http://schemas.microsoft.com/office/drawing/2010/main" xmlns:p14="http://schemas.microsoft.com/office/powerpoint/2010/main" xmlns:a16="http://schemas.microsoft.com/office/drawing/2014/main" xmlns="" w="9525">
                   <a:solidFill>
                     <a:srgbClr val="000000"/>
                   </a:solidFill>
@@ -28567,7 +28567,7 @@
             </a:ln>
             <a:extLst>
               <a:ext uri="{91240B29-F687-4f45-9708-019B960494DF}">
-                <a14:hiddenLine xmlns="" xmlns:a16="http://schemas.microsoft.com/office/drawing/2014/main" xmlns:p14="http://schemas.microsoft.com/office/powerpoint/2010/main" xmlns:a14="http://schemas.microsoft.com/office/drawing/2010/main" w="9525">
+                <a14:hiddenLine xmlns:a14="http://schemas.microsoft.com/office/drawing/2010/main" xmlns:p14="http://schemas.microsoft.com/office/powerpoint/2010/main" xmlns:a16="http://schemas.microsoft.com/office/drawing/2014/main" xmlns="" w="9525">
                   <a:solidFill>
                     <a:srgbClr val="000000"/>
                   </a:solidFill>
@@ -28672,7 +28672,7 @@
             </a:ln>
             <a:extLst>
               <a:ext uri="{91240B29-F687-4f45-9708-019B960494DF}">
-                <a14:hiddenLine xmlns="" xmlns:a16="http://schemas.microsoft.com/office/drawing/2014/main" xmlns:p14="http://schemas.microsoft.com/office/powerpoint/2010/main" xmlns:a14="http://schemas.microsoft.com/office/drawing/2010/main" w="9525">
+                <a14:hiddenLine xmlns:a14="http://schemas.microsoft.com/office/drawing/2010/main" xmlns:p14="http://schemas.microsoft.com/office/powerpoint/2010/main" xmlns:a16="http://schemas.microsoft.com/office/drawing/2014/main" xmlns="" w="9525">
                   <a:solidFill>
                     <a:srgbClr val="000000"/>
                   </a:solidFill>
@@ -28749,7 +28749,7 @@
             </a:ln>
             <a:extLst>
               <a:ext uri="{91240B29-F687-4f45-9708-019B960494DF}">
-                <a14:hiddenLine xmlns="" xmlns:a16="http://schemas.microsoft.com/office/drawing/2014/main" xmlns:p14="http://schemas.microsoft.com/office/powerpoint/2010/main" xmlns:a14="http://schemas.microsoft.com/office/drawing/2010/main" w="9525">
+                <a14:hiddenLine xmlns:a14="http://schemas.microsoft.com/office/drawing/2010/main" xmlns:p14="http://schemas.microsoft.com/office/powerpoint/2010/main" xmlns:a16="http://schemas.microsoft.com/office/drawing/2014/main" xmlns="" w="9525">
                   <a:solidFill>
                     <a:srgbClr val="000000"/>
                   </a:solidFill>
@@ -28826,7 +28826,7 @@
             </a:ln>
             <a:extLst>
               <a:ext uri="{91240B29-F687-4f45-9708-019B960494DF}">
-                <a14:hiddenLine xmlns="" xmlns:a16="http://schemas.microsoft.com/office/drawing/2014/main" xmlns:p14="http://schemas.microsoft.com/office/powerpoint/2010/main" xmlns:a14="http://schemas.microsoft.com/office/drawing/2010/main" w="9525">
+                <a14:hiddenLine xmlns:a14="http://schemas.microsoft.com/office/drawing/2010/main" xmlns:p14="http://schemas.microsoft.com/office/powerpoint/2010/main" xmlns:a16="http://schemas.microsoft.com/office/drawing/2014/main" xmlns="" w="9525">
                   <a:solidFill>
                     <a:srgbClr val="000000"/>
                   </a:solidFill>
@@ -28931,7 +28931,7 @@
             </a:ln>
             <a:extLst>
               <a:ext uri="{91240B29-F687-4f45-9708-019B960494DF}">
-                <a14:hiddenLine xmlns="" xmlns:a16="http://schemas.microsoft.com/office/drawing/2014/main" xmlns:p14="http://schemas.microsoft.com/office/powerpoint/2010/main" xmlns:a14="http://schemas.microsoft.com/office/drawing/2010/main" w="9525">
+                <a14:hiddenLine xmlns:a14="http://schemas.microsoft.com/office/drawing/2010/main" xmlns:p14="http://schemas.microsoft.com/office/powerpoint/2010/main" xmlns:a16="http://schemas.microsoft.com/office/drawing/2014/main" xmlns="" w="9525">
                   <a:solidFill>
                     <a:srgbClr val="000000"/>
                   </a:solidFill>
@@ -29008,7 +29008,7 @@
             </a:ln>
             <a:extLst>
               <a:ext uri="{91240B29-F687-4f45-9708-019B960494DF}">
-                <a14:hiddenLine xmlns="" xmlns:a16="http://schemas.microsoft.com/office/drawing/2014/main" xmlns:p14="http://schemas.microsoft.com/office/powerpoint/2010/main" xmlns:a14="http://schemas.microsoft.com/office/drawing/2010/main" w="9525">
+                <a14:hiddenLine xmlns:a14="http://schemas.microsoft.com/office/drawing/2010/main" xmlns:p14="http://schemas.microsoft.com/office/powerpoint/2010/main" xmlns:a16="http://schemas.microsoft.com/office/drawing/2014/main" xmlns="" w="9525">
                   <a:solidFill>
                     <a:srgbClr val="000000"/>
                   </a:solidFill>
@@ -29085,7 +29085,7 @@
             </a:ln>
             <a:extLst>
               <a:ext uri="{91240B29-F687-4f45-9708-019B960494DF}">
-                <a14:hiddenLine xmlns="" xmlns:a16="http://schemas.microsoft.com/office/drawing/2014/main" xmlns:p14="http://schemas.microsoft.com/office/powerpoint/2010/main" xmlns:a14="http://schemas.microsoft.com/office/drawing/2010/main" w="9525">
+                <a14:hiddenLine xmlns:a14="http://schemas.microsoft.com/office/drawing/2010/main" xmlns:p14="http://schemas.microsoft.com/office/powerpoint/2010/main" xmlns:a16="http://schemas.microsoft.com/office/drawing/2014/main" xmlns="" w="9525">
                   <a:solidFill>
                     <a:srgbClr val="000000"/>
                   </a:solidFill>
@@ -29190,7 +29190,7 @@
             </a:ln>
             <a:extLst>
               <a:ext uri="{91240B29-F687-4f45-9708-019B960494DF}">
-                <a14:hiddenLine xmlns="" xmlns:a16="http://schemas.microsoft.com/office/drawing/2014/main" xmlns:p14="http://schemas.microsoft.com/office/powerpoint/2010/main" xmlns:a14="http://schemas.microsoft.com/office/drawing/2010/main" w="9525">
+                <a14:hiddenLine xmlns:a14="http://schemas.microsoft.com/office/drawing/2010/main" xmlns:p14="http://schemas.microsoft.com/office/powerpoint/2010/main" xmlns:a16="http://schemas.microsoft.com/office/drawing/2014/main" xmlns="" w="9525">
                   <a:solidFill>
                     <a:srgbClr val="000000"/>
                   </a:solidFill>
@@ -29295,7 +29295,7 @@
             </a:ln>
             <a:extLst>
               <a:ext uri="{91240B29-F687-4f45-9708-019B960494DF}">
-                <a14:hiddenLine xmlns="" xmlns:a16="http://schemas.microsoft.com/office/drawing/2014/main" xmlns:p14="http://schemas.microsoft.com/office/powerpoint/2010/main" xmlns:a14="http://schemas.microsoft.com/office/drawing/2010/main" w="9525">
+                <a14:hiddenLine xmlns:a14="http://schemas.microsoft.com/office/drawing/2010/main" xmlns:p14="http://schemas.microsoft.com/office/powerpoint/2010/main" xmlns:a16="http://schemas.microsoft.com/office/drawing/2014/main" xmlns="" w="9525">
                   <a:solidFill>
                     <a:srgbClr val="000000"/>
                   </a:solidFill>
@@ -29372,7 +29372,7 @@
             </a:ln>
             <a:extLst>
               <a:ext uri="{91240B29-F687-4f45-9708-019B960494DF}">
-                <a14:hiddenLine xmlns="" xmlns:a16="http://schemas.microsoft.com/office/drawing/2014/main" xmlns:p14="http://schemas.microsoft.com/office/powerpoint/2010/main" xmlns:a14="http://schemas.microsoft.com/office/drawing/2010/main" w="9525">
+                <a14:hiddenLine xmlns:a14="http://schemas.microsoft.com/office/drawing/2010/main" xmlns:p14="http://schemas.microsoft.com/office/powerpoint/2010/main" xmlns:a16="http://schemas.microsoft.com/office/drawing/2014/main" xmlns="" w="9525">
                   <a:solidFill>
                     <a:srgbClr val="000000"/>
                   </a:solidFill>
@@ -29497,7 +29497,7 @@
             </a:ln>
             <a:extLst>
               <a:ext uri="{91240B29-F687-4f45-9708-019B960494DF}">
-                <a14:hiddenLine xmlns="" xmlns:a16="http://schemas.microsoft.com/office/drawing/2014/main" xmlns:p14="http://schemas.microsoft.com/office/powerpoint/2010/main" xmlns:a14="http://schemas.microsoft.com/office/drawing/2010/main" w="9525">
+                <a14:hiddenLine xmlns:a14="http://schemas.microsoft.com/office/drawing/2010/main" xmlns:p14="http://schemas.microsoft.com/office/powerpoint/2010/main" xmlns:a16="http://schemas.microsoft.com/office/drawing/2014/main" xmlns="" w="9525">
                   <a:solidFill>
                     <a:srgbClr val="000000"/>
                   </a:solidFill>
@@ -29574,7 +29574,7 @@
             </a:ln>
             <a:extLst>
               <a:ext uri="{91240B29-F687-4f45-9708-019B960494DF}">
-                <a14:hiddenLine xmlns="" xmlns:a16="http://schemas.microsoft.com/office/drawing/2014/main" xmlns:p14="http://schemas.microsoft.com/office/powerpoint/2010/main" xmlns:a14="http://schemas.microsoft.com/office/drawing/2010/main" w="9525">
+                <a14:hiddenLine xmlns:a14="http://schemas.microsoft.com/office/drawing/2010/main" xmlns:p14="http://schemas.microsoft.com/office/powerpoint/2010/main" xmlns:a16="http://schemas.microsoft.com/office/drawing/2014/main" xmlns="" w="9525">
                   <a:solidFill>
                     <a:srgbClr val="000000"/>
                   </a:solidFill>
@@ -29679,7 +29679,7 @@
             </a:ln>
             <a:extLst>
               <a:ext uri="{91240B29-F687-4f45-9708-019B960494DF}">
-                <a14:hiddenLine xmlns="" xmlns:a16="http://schemas.microsoft.com/office/drawing/2014/main" xmlns:p14="http://schemas.microsoft.com/office/powerpoint/2010/main" xmlns:a14="http://schemas.microsoft.com/office/drawing/2010/main" w="9525">
+                <a14:hiddenLine xmlns:a14="http://schemas.microsoft.com/office/drawing/2010/main" xmlns:p14="http://schemas.microsoft.com/office/powerpoint/2010/main" xmlns:a16="http://schemas.microsoft.com/office/drawing/2014/main" xmlns="" w="9525">
                   <a:solidFill>
                     <a:srgbClr val="000000"/>
                   </a:solidFill>
@@ -29784,7 +29784,7 @@
             </a:ln>
             <a:extLst>
               <a:ext uri="{91240B29-F687-4f45-9708-019B960494DF}">
-                <a14:hiddenLine xmlns="" xmlns:a16="http://schemas.microsoft.com/office/drawing/2014/main" xmlns:p14="http://schemas.microsoft.com/office/powerpoint/2010/main" xmlns:a14="http://schemas.microsoft.com/office/drawing/2010/main" w="9525">
+                <a14:hiddenLine xmlns:a14="http://schemas.microsoft.com/office/drawing/2010/main" xmlns:p14="http://schemas.microsoft.com/office/powerpoint/2010/main" xmlns:a16="http://schemas.microsoft.com/office/drawing/2014/main" xmlns="" w="9525">
                   <a:solidFill>
                     <a:srgbClr val="000000"/>
                   </a:solidFill>
@@ -29861,7 +29861,7 @@
             </a:ln>
             <a:extLst>
               <a:ext uri="{91240B29-F687-4f45-9708-019B960494DF}">
-                <a14:hiddenLine xmlns="" xmlns:a16="http://schemas.microsoft.com/office/drawing/2014/main" xmlns:p14="http://schemas.microsoft.com/office/powerpoint/2010/main" xmlns:a14="http://schemas.microsoft.com/office/drawing/2010/main" w="9525">
+                <a14:hiddenLine xmlns:a14="http://schemas.microsoft.com/office/drawing/2010/main" xmlns:p14="http://schemas.microsoft.com/office/powerpoint/2010/main" xmlns:a16="http://schemas.microsoft.com/office/drawing/2014/main" xmlns="" w="9525">
                   <a:solidFill>
                     <a:srgbClr val="000000"/>
                   </a:solidFill>
@@ -29966,7 +29966,7 @@
             </a:ln>
             <a:extLst>
               <a:ext uri="{91240B29-F687-4f45-9708-019B960494DF}">
-                <a14:hiddenLine xmlns="" xmlns:a16="http://schemas.microsoft.com/office/drawing/2014/main" xmlns:p14="http://schemas.microsoft.com/office/powerpoint/2010/main" xmlns:a14="http://schemas.microsoft.com/office/drawing/2010/main" w="9525">
+                <a14:hiddenLine xmlns:a14="http://schemas.microsoft.com/office/drawing/2010/main" xmlns:p14="http://schemas.microsoft.com/office/powerpoint/2010/main" xmlns:a16="http://schemas.microsoft.com/office/drawing/2014/main" xmlns="" w="9525">
                   <a:solidFill>
                     <a:srgbClr val="000000"/>
                   </a:solidFill>
@@ -30071,7 +30071,7 @@
             </a:ln>
             <a:extLst>
               <a:ext uri="{91240B29-F687-4f45-9708-019B960494DF}">
-                <a14:hiddenLine xmlns="" xmlns:a16="http://schemas.microsoft.com/office/drawing/2014/main" xmlns:p14="http://schemas.microsoft.com/office/powerpoint/2010/main" xmlns:a14="http://schemas.microsoft.com/office/drawing/2010/main" w="9525">
+                <a14:hiddenLine xmlns:a14="http://schemas.microsoft.com/office/drawing/2010/main" xmlns:p14="http://schemas.microsoft.com/office/powerpoint/2010/main" xmlns:a16="http://schemas.microsoft.com/office/drawing/2014/main" xmlns="" w="9525">
                   <a:solidFill>
                     <a:srgbClr val="000000"/>
                   </a:solidFill>
@@ -30142,7 +30142,7 @@
             </a:ln>
             <a:extLst>
               <a:ext uri="{91240B29-F687-4f45-9708-019B960494DF}">
-                <a14:hiddenLine xmlns="" xmlns:a16="http://schemas.microsoft.com/office/drawing/2014/main" xmlns:p14="http://schemas.microsoft.com/office/powerpoint/2010/main" xmlns:a14="http://schemas.microsoft.com/office/drawing/2010/main" w="9525">
+                <a14:hiddenLine xmlns:a14="http://schemas.microsoft.com/office/drawing/2010/main" xmlns:p14="http://schemas.microsoft.com/office/powerpoint/2010/main" xmlns:a16="http://schemas.microsoft.com/office/drawing/2014/main" xmlns="" w="9525">
                   <a:solidFill>
                     <a:srgbClr val="000000"/>
                   </a:solidFill>
@@ -30247,7 +30247,7 @@
             </a:ln>
             <a:extLst>
               <a:ext uri="{91240B29-F687-4f45-9708-019B960494DF}">
-                <a14:hiddenLine xmlns="" xmlns:a16="http://schemas.microsoft.com/office/drawing/2014/main" xmlns:p14="http://schemas.microsoft.com/office/powerpoint/2010/main" xmlns:a14="http://schemas.microsoft.com/office/drawing/2010/main" w="9525">
+                <a14:hiddenLine xmlns:a14="http://schemas.microsoft.com/office/drawing/2010/main" xmlns:p14="http://schemas.microsoft.com/office/powerpoint/2010/main" xmlns:a16="http://schemas.microsoft.com/office/drawing/2014/main" xmlns="" w="9525">
                   <a:solidFill>
                     <a:srgbClr val="000000"/>
                   </a:solidFill>
@@ -30318,7 +30318,7 @@
             </a:ln>
             <a:extLst>
               <a:ext uri="{91240B29-F687-4f45-9708-019B960494DF}">
-                <a14:hiddenLine xmlns="" xmlns:a16="http://schemas.microsoft.com/office/drawing/2014/main" xmlns:p14="http://schemas.microsoft.com/office/powerpoint/2010/main" xmlns:a14="http://schemas.microsoft.com/office/drawing/2010/main" w="9525">
+                <a14:hiddenLine xmlns:a14="http://schemas.microsoft.com/office/drawing/2010/main" xmlns:p14="http://schemas.microsoft.com/office/powerpoint/2010/main" xmlns:a16="http://schemas.microsoft.com/office/drawing/2014/main" xmlns="" w="9525">
                   <a:solidFill>
                     <a:srgbClr val="000000"/>
                   </a:solidFill>
@@ -30423,7 +30423,7 @@
             </a:ln>
             <a:extLst>
               <a:ext uri="{91240B29-F687-4f45-9708-019B960494DF}">
-                <a14:hiddenLine xmlns="" xmlns:a16="http://schemas.microsoft.com/office/drawing/2014/main" xmlns:p14="http://schemas.microsoft.com/office/powerpoint/2010/main" xmlns:a14="http://schemas.microsoft.com/office/drawing/2010/main" w="9525">
+                <a14:hiddenLine xmlns:a14="http://schemas.microsoft.com/office/drawing/2010/main" xmlns:p14="http://schemas.microsoft.com/office/powerpoint/2010/main" xmlns:a16="http://schemas.microsoft.com/office/drawing/2014/main" xmlns="" w="9525">
                   <a:solidFill>
                     <a:srgbClr val="000000"/>
                   </a:solidFill>
@@ -30506,7 +30506,7 @@
             </a:ln>
             <a:extLst>
               <a:ext uri="{91240B29-F687-4f45-9708-019B960494DF}">
-                <a14:hiddenLine xmlns="" xmlns:a16="http://schemas.microsoft.com/office/drawing/2014/main" xmlns:p14="http://schemas.microsoft.com/office/powerpoint/2010/main" xmlns:a14="http://schemas.microsoft.com/office/drawing/2010/main" w="9525">
+                <a14:hiddenLine xmlns:a14="http://schemas.microsoft.com/office/drawing/2010/main" xmlns:p14="http://schemas.microsoft.com/office/powerpoint/2010/main" xmlns:a16="http://schemas.microsoft.com/office/drawing/2014/main" xmlns="" w="9525">
                   <a:solidFill>
                     <a:srgbClr val="000000"/>
                   </a:solidFill>
@@ -30611,7 +30611,7 @@
             </a:ln>
             <a:extLst>
               <a:ext uri="{91240B29-F687-4f45-9708-019B960494DF}">
-                <a14:hiddenLine xmlns="" xmlns:a16="http://schemas.microsoft.com/office/drawing/2014/main" xmlns:p14="http://schemas.microsoft.com/office/powerpoint/2010/main" xmlns:a14="http://schemas.microsoft.com/office/drawing/2010/main" w="9525">
+                <a14:hiddenLine xmlns:a14="http://schemas.microsoft.com/office/drawing/2010/main" xmlns:p14="http://schemas.microsoft.com/office/powerpoint/2010/main" xmlns:a16="http://schemas.microsoft.com/office/drawing/2014/main" xmlns="" w="9525">
                   <a:solidFill>
                     <a:srgbClr val="000000"/>
                   </a:solidFill>
@@ -30694,7 +30694,7 @@
             </a:ln>
             <a:extLst>
               <a:ext uri="{91240B29-F687-4f45-9708-019B960494DF}">
-                <a14:hiddenLine xmlns="" xmlns:a16="http://schemas.microsoft.com/office/drawing/2014/main" xmlns:p14="http://schemas.microsoft.com/office/powerpoint/2010/main" xmlns:a14="http://schemas.microsoft.com/office/drawing/2010/main" w="9525">
+                <a14:hiddenLine xmlns:a14="http://schemas.microsoft.com/office/drawing/2010/main" xmlns:p14="http://schemas.microsoft.com/office/powerpoint/2010/main" xmlns:a16="http://schemas.microsoft.com/office/drawing/2014/main" xmlns="" w="9525">
                   <a:solidFill>
                     <a:srgbClr val="000000"/>
                   </a:solidFill>
@@ -30799,7 +30799,7 @@
             </a:ln>
             <a:extLst>
               <a:ext uri="{91240B29-F687-4f45-9708-019B960494DF}">
-                <a14:hiddenLine xmlns="" xmlns:a16="http://schemas.microsoft.com/office/drawing/2014/main" xmlns:p14="http://schemas.microsoft.com/office/powerpoint/2010/main" xmlns:a14="http://schemas.microsoft.com/office/drawing/2010/main" w="9525">
+                <a14:hiddenLine xmlns:a14="http://schemas.microsoft.com/office/drawing/2010/main" xmlns:p14="http://schemas.microsoft.com/office/powerpoint/2010/main" xmlns:a16="http://schemas.microsoft.com/office/drawing/2014/main" xmlns="" w="9525">
                   <a:solidFill>
                     <a:srgbClr val="000000"/>
                   </a:solidFill>
@@ -30848,7 +30848,7 @@
             </a:ln>
             <a:extLst>
               <a:ext uri="{91240B29-F687-4f45-9708-019B960494DF}">
-                <a14:hiddenLine xmlns="" xmlns:a16="http://schemas.microsoft.com/office/drawing/2014/main" xmlns:p14="http://schemas.microsoft.com/office/powerpoint/2010/main" xmlns:a14="http://schemas.microsoft.com/office/drawing/2010/main" w="9525">
+                <a14:hiddenLine xmlns:a14="http://schemas.microsoft.com/office/drawing/2010/main" xmlns:p14="http://schemas.microsoft.com/office/powerpoint/2010/main" xmlns:a16="http://schemas.microsoft.com/office/drawing/2014/main" xmlns="" w="9525">
                   <a:solidFill>
                     <a:srgbClr val="000000"/>
                   </a:solidFill>
@@ -30953,7 +30953,7 @@
             </a:ln>
             <a:extLst>
               <a:ext uri="{91240B29-F687-4f45-9708-019B960494DF}">
-                <a14:hiddenLine xmlns="" xmlns:a16="http://schemas.microsoft.com/office/drawing/2014/main" xmlns:p14="http://schemas.microsoft.com/office/powerpoint/2010/main" xmlns:a14="http://schemas.microsoft.com/office/drawing/2010/main" w="9525">
+                <a14:hiddenLine xmlns:a14="http://schemas.microsoft.com/office/drawing/2010/main" xmlns:p14="http://schemas.microsoft.com/office/powerpoint/2010/main" xmlns:a16="http://schemas.microsoft.com/office/drawing/2014/main" xmlns="" w="9525">
                   <a:solidFill>
                     <a:srgbClr val="000000"/>
                   </a:solidFill>
@@ -31030,7 +31030,7 @@
             </a:ln>
             <a:extLst>
               <a:ext uri="{91240B29-F687-4f45-9708-019B960494DF}">
-                <a14:hiddenLine xmlns="" xmlns:a16="http://schemas.microsoft.com/office/drawing/2014/main" xmlns:p14="http://schemas.microsoft.com/office/powerpoint/2010/main" xmlns:a14="http://schemas.microsoft.com/office/drawing/2010/main" w="9525">
+                <a14:hiddenLine xmlns:a14="http://schemas.microsoft.com/office/drawing/2010/main" xmlns:p14="http://schemas.microsoft.com/office/powerpoint/2010/main" xmlns:a16="http://schemas.microsoft.com/office/drawing/2014/main" xmlns="" w="9525">
                   <a:solidFill>
                     <a:srgbClr val="000000"/>
                   </a:solidFill>
@@ -31107,7 +31107,7 @@
             </a:ln>
             <a:extLst>
               <a:ext uri="{91240B29-F687-4f45-9708-019B960494DF}">
-                <a14:hiddenLine xmlns="" xmlns:a16="http://schemas.microsoft.com/office/drawing/2014/main" xmlns:p14="http://schemas.microsoft.com/office/powerpoint/2010/main" xmlns:a14="http://schemas.microsoft.com/office/drawing/2010/main" w="9525">
+                <a14:hiddenLine xmlns:a14="http://schemas.microsoft.com/office/drawing/2010/main" xmlns:p14="http://schemas.microsoft.com/office/powerpoint/2010/main" xmlns:a16="http://schemas.microsoft.com/office/drawing/2014/main" xmlns="" w="9525">
                   <a:solidFill>
                     <a:srgbClr val="000000"/>
                   </a:solidFill>
@@ -31212,7 +31212,7 @@
             </a:ln>
             <a:extLst>
               <a:ext uri="{91240B29-F687-4f45-9708-019B960494DF}">
-                <a14:hiddenLine xmlns="" xmlns:a16="http://schemas.microsoft.com/office/drawing/2014/main" xmlns:p14="http://schemas.microsoft.com/office/powerpoint/2010/main" xmlns:a14="http://schemas.microsoft.com/office/drawing/2010/main" w="9525">
+                <a14:hiddenLine xmlns:a14="http://schemas.microsoft.com/office/drawing/2010/main" xmlns:p14="http://schemas.microsoft.com/office/powerpoint/2010/main" xmlns:a16="http://schemas.microsoft.com/office/drawing/2014/main" xmlns="" w="9525">
                   <a:solidFill>
                     <a:srgbClr val="000000"/>
                   </a:solidFill>
@@ -31295,7 +31295,7 @@
             </a:ln>
             <a:extLst>
               <a:ext uri="{91240B29-F687-4f45-9708-019B960494DF}">
-                <a14:hiddenLine xmlns="" xmlns:a16="http://schemas.microsoft.com/office/drawing/2014/main" xmlns:p14="http://schemas.microsoft.com/office/powerpoint/2010/main" xmlns:a14="http://schemas.microsoft.com/office/drawing/2010/main" w="9525">
+                <a14:hiddenLine xmlns:a14="http://schemas.microsoft.com/office/drawing/2010/main" xmlns:p14="http://schemas.microsoft.com/office/powerpoint/2010/main" xmlns:a16="http://schemas.microsoft.com/office/drawing/2014/main" xmlns="" w="9525">
                   <a:solidFill>
                     <a:srgbClr val="000000"/>
                   </a:solidFill>
@@ -31372,7 +31372,7 @@
             </a:ln>
             <a:extLst>
               <a:ext uri="{91240B29-F687-4f45-9708-019B960494DF}">
-                <a14:hiddenLine xmlns="" xmlns:a16="http://schemas.microsoft.com/office/drawing/2014/main" xmlns:p14="http://schemas.microsoft.com/office/powerpoint/2010/main" xmlns:a14="http://schemas.microsoft.com/office/drawing/2010/main" w="9525">
+                <a14:hiddenLine xmlns:a14="http://schemas.microsoft.com/office/drawing/2010/main" xmlns:p14="http://schemas.microsoft.com/office/powerpoint/2010/main" xmlns:a16="http://schemas.microsoft.com/office/drawing/2014/main" xmlns="" w="9525">
                   <a:solidFill>
                     <a:srgbClr val="000000"/>
                   </a:solidFill>
@@ -31477,7 +31477,7 @@
             </a:ln>
             <a:extLst>
               <a:ext uri="{91240B29-F687-4f45-9708-019B960494DF}">
-                <a14:hiddenLine xmlns="" xmlns:a16="http://schemas.microsoft.com/office/drawing/2014/main" xmlns:p14="http://schemas.microsoft.com/office/powerpoint/2010/main" xmlns:a14="http://schemas.microsoft.com/office/drawing/2010/main" w="9525">
+                <a14:hiddenLine xmlns:a14="http://schemas.microsoft.com/office/drawing/2010/main" xmlns:p14="http://schemas.microsoft.com/office/powerpoint/2010/main" xmlns:a16="http://schemas.microsoft.com/office/drawing/2014/main" xmlns="" w="9525">
                   <a:solidFill>
                     <a:srgbClr val="000000"/>
                   </a:solidFill>
@@ -31554,7 +31554,7 @@
             </a:ln>
             <a:extLst>
               <a:ext uri="{91240B29-F687-4f45-9708-019B960494DF}">
-                <a14:hiddenLine xmlns="" xmlns:a16="http://schemas.microsoft.com/office/drawing/2014/main" xmlns:p14="http://schemas.microsoft.com/office/powerpoint/2010/main" xmlns:a14="http://schemas.microsoft.com/office/drawing/2010/main" w="9525">
+                <a14:hiddenLine xmlns:a14="http://schemas.microsoft.com/office/drawing/2010/main" xmlns:p14="http://schemas.microsoft.com/office/powerpoint/2010/main" xmlns:a16="http://schemas.microsoft.com/office/drawing/2014/main" xmlns="" w="9525">
                   <a:solidFill>
                     <a:srgbClr val="000000"/>
                   </a:solidFill>
@@ -31659,7 +31659,7 @@
             </a:ln>
             <a:extLst>
               <a:ext uri="{91240B29-F687-4f45-9708-019B960494DF}">
-                <a14:hiddenLine xmlns="" xmlns:a16="http://schemas.microsoft.com/office/drawing/2014/main" xmlns:p14="http://schemas.microsoft.com/office/powerpoint/2010/main" xmlns:a14="http://schemas.microsoft.com/office/drawing/2010/main" w="9525">
+                <a14:hiddenLine xmlns:a14="http://schemas.microsoft.com/office/drawing/2010/main" xmlns:p14="http://schemas.microsoft.com/office/powerpoint/2010/main" xmlns:a16="http://schemas.microsoft.com/office/drawing/2014/main" xmlns="" w="9525">
                   <a:solidFill>
                     <a:srgbClr val="000000"/>
                   </a:solidFill>
@@ -31736,7 +31736,7 @@
             </a:ln>
             <a:extLst>
               <a:ext uri="{91240B29-F687-4f45-9708-019B960494DF}">
-                <a14:hiddenLine xmlns="" xmlns:a16="http://schemas.microsoft.com/office/drawing/2014/main" xmlns:p14="http://schemas.microsoft.com/office/powerpoint/2010/main" xmlns:a14="http://schemas.microsoft.com/office/drawing/2010/main" w="9525">
+                <a14:hiddenLine xmlns:a14="http://schemas.microsoft.com/office/drawing/2010/main" xmlns:p14="http://schemas.microsoft.com/office/powerpoint/2010/main" xmlns:a16="http://schemas.microsoft.com/office/drawing/2014/main" xmlns="" w="9525">
                   <a:solidFill>
                     <a:srgbClr val="000000"/>
                   </a:solidFill>
@@ -31841,7 +31841,7 @@
             </a:ln>
             <a:extLst>
               <a:ext uri="{91240B29-F687-4f45-9708-019B960494DF}">
-                <a14:hiddenLine xmlns="" xmlns:a16="http://schemas.microsoft.com/office/drawing/2014/main" xmlns:p14="http://schemas.microsoft.com/office/powerpoint/2010/main" xmlns:a14="http://schemas.microsoft.com/office/drawing/2010/main" w="9525">
+                <a14:hiddenLine xmlns:a14="http://schemas.microsoft.com/office/drawing/2010/main" xmlns:p14="http://schemas.microsoft.com/office/powerpoint/2010/main" xmlns:a16="http://schemas.microsoft.com/office/drawing/2014/main" xmlns="" w="9525">
                   <a:solidFill>
                     <a:srgbClr val="000000"/>
                   </a:solidFill>
@@ -31890,7 +31890,7 @@
             </a:ln>
             <a:extLst>
               <a:ext uri="{91240B29-F687-4f45-9708-019B960494DF}">
-                <a14:hiddenLine xmlns="" xmlns:a16="http://schemas.microsoft.com/office/drawing/2014/main" xmlns:p14="http://schemas.microsoft.com/office/powerpoint/2010/main" xmlns:a14="http://schemas.microsoft.com/office/drawing/2010/main" w="9525">
+                <a14:hiddenLine xmlns:a14="http://schemas.microsoft.com/office/drawing/2010/main" xmlns:p14="http://schemas.microsoft.com/office/powerpoint/2010/main" xmlns:a16="http://schemas.microsoft.com/office/drawing/2014/main" xmlns="" w="9525">
                   <a:solidFill>
                     <a:srgbClr val="000000"/>
                   </a:solidFill>
@@ -31970,7 +31970,7 @@
             </a:ln>
             <a:extLst>
               <a:ext uri="{91240B29-F687-4f45-9708-019B960494DF}">
-                <a14:hiddenLine xmlns="" xmlns:a16="http://schemas.microsoft.com/office/drawing/2014/main" xmlns:p14="http://schemas.microsoft.com/office/powerpoint/2010/main" xmlns:a14="http://schemas.microsoft.com/office/drawing/2010/main" w="9525">
+                <a14:hiddenLine xmlns:a14="http://schemas.microsoft.com/office/drawing/2010/main" xmlns:p14="http://schemas.microsoft.com/office/powerpoint/2010/main" xmlns:a16="http://schemas.microsoft.com/office/drawing/2014/main" xmlns="" w="9525">
                   <a:solidFill>
                     <a:srgbClr val="000000"/>
                   </a:solidFill>
@@ -32075,7 +32075,7 @@
             </a:ln>
             <a:extLst>
               <a:ext uri="{91240B29-F687-4f45-9708-019B960494DF}">
-                <a14:hiddenLine xmlns="" xmlns:a16="http://schemas.microsoft.com/office/drawing/2014/main" xmlns:p14="http://schemas.microsoft.com/office/powerpoint/2010/main" xmlns:a14="http://schemas.microsoft.com/office/drawing/2010/main" w="9525">
+                <a14:hiddenLine xmlns:a14="http://schemas.microsoft.com/office/drawing/2010/main" xmlns:p14="http://schemas.microsoft.com/office/powerpoint/2010/main" xmlns:a16="http://schemas.microsoft.com/office/drawing/2014/main" xmlns="" w="9525">
                   <a:solidFill>
                     <a:srgbClr val="000000"/>
                   </a:solidFill>
@@ -32152,7 +32152,7 @@
             </a:ln>
             <a:extLst>
               <a:ext uri="{91240B29-F687-4f45-9708-019B960494DF}">
-                <a14:hiddenLine xmlns="" xmlns:a16="http://schemas.microsoft.com/office/drawing/2014/main" xmlns:p14="http://schemas.microsoft.com/office/powerpoint/2010/main" xmlns:a14="http://schemas.microsoft.com/office/drawing/2010/main" w="9525">
+                <a14:hiddenLine xmlns:a14="http://schemas.microsoft.com/office/drawing/2010/main" xmlns:p14="http://schemas.microsoft.com/office/powerpoint/2010/main" xmlns:a16="http://schemas.microsoft.com/office/drawing/2014/main" xmlns="" w="9525">
                   <a:solidFill>
                     <a:srgbClr val="000000"/>
                   </a:solidFill>
@@ -32257,7 +32257,7 @@
             </a:ln>
             <a:extLst>
               <a:ext uri="{91240B29-F687-4f45-9708-019B960494DF}">
-                <a14:hiddenLine xmlns="" xmlns:a16="http://schemas.microsoft.com/office/drawing/2014/main" xmlns:p14="http://schemas.microsoft.com/office/powerpoint/2010/main" xmlns:a14="http://schemas.microsoft.com/office/drawing/2010/main" w="9525">
+                <a14:hiddenLine xmlns:a14="http://schemas.microsoft.com/office/drawing/2010/main" xmlns:p14="http://schemas.microsoft.com/office/powerpoint/2010/main" xmlns:a16="http://schemas.microsoft.com/office/drawing/2014/main" xmlns="" w="9525">
                   <a:solidFill>
                     <a:srgbClr val="000000"/>
                   </a:solidFill>
@@ -32362,7 +32362,7 @@
             </a:ln>
             <a:extLst>
               <a:ext uri="{91240B29-F687-4f45-9708-019B960494DF}">
-                <a14:hiddenLine xmlns="" xmlns:a16="http://schemas.microsoft.com/office/drawing/2014/main" xmlns:p14="http://schemas.microsoft.com/office/powerpoint/2010/main" xmlns:a14="http://schemas.microsoft.com/office/drawing/2010/main" w="9525">
+                <a14:hiddenLine xmlns:a14="http://schemas.microsoft.com/office/drawing/2010/main" xmlns:p14="http://schemas.microsoft.com/office/powerpoint/2010/main" xmlns:a16="http://schemas.microsoft.com/office/drawing/2014/main" xmlns="" w="9525">
                   <a:solidFill>
                     <a:srgbClr val="000000"/>
                   </a:solidFill>
@@ -32442,7 +32442,7 @@
             </a:ln>
             <a:extLst>
               <a:ext uri="{91240B29-F687-4f45-9708-019B960494DF}">
-                <a14:hiddenLine xmlns="" xmlns:a16="http://schemas.microsoft.com/office/drawing/2014/main" xmlns:p14="http://schemas.microsoft.com/office/powerpoint/2010/main" xmlns:a14="http://schemas.microsoft.com/office/drawing/2010/main" w="9525">
+                <a14:hiddenLine xmlns:a14="http://schemas.microsoft.com/office/drawing/2010/main" xmlns:p14="http://schemas.microsoft.com/office/powerpoint/2010/main" xmlns:a16="http://schemas.microsoft.com/office/drawing/2014/main" xmlns="" w="9525">
                   <a:solidFill>
                     <a:srgbClr val="000000"/>
                   </a:solidFill>
@@ -32519,7 +32519,7 @@
             </a:ln>
             <a:extLst>
               <a:ext uri="{91240B29-F687-4f45-9708-019B960494DF}">
-                <a14:hiddenLine xmlns="" xmlns:a16="http://schemas.microsoft.com/office/drawing/2014/main" xmlns:p14="http://schemas.microsoft.com/office/powerpoint/2010/main" xmlns:a14="http://schemas.microsoft.com/office/drawing/2010/main" w="9525">
+                <a14:hiddenLine xmlns:a14="http://schemas.microsoft.com/office/drawing/2010/main" xmlns:p14="http://schemas.microsoft.com/office/powerpoint/2010/main" xmlns:a16="http://schemas.microsoft.com/office/drawing/2014/main" xmlns="" w="9525">
                   <a:solidFill>
                     <a:srgbClr val="000000"/>
                   </a:solidFill>
@@ -32624,7 +32624,7 @@
             </a:ln>
             <a:extLst>
               <a:ext uri="{91240B29-F687-4f45-9708-019B960494DF}">
-                <a14:hiddenLine xmlns="" xmlns:a16="http://schemas.microsoft.com/office/drawing/2014/main" xmlns:p14="http://schemas.microsoft.com/office/powerpoint/2010/main" xmlns:a14="http://schemas.microsoft.com/office/drawing/2010/main" w="9525">
+                <a14:hiddenLine xmlns:a14="http://schemas.microsoft.com/office/drawing/2010/main" xmlns:p14="http://schemas.microsoft.com/office/powerpoint/2010/main" xmlns:a16="http://schemas.microsoft.com/office/drawing/2014/main" xmlns="" w="9525">
                   <a:solidFill>
                     <a:srgbClr val="000000"/>
                   </a:solidFill>
@@ -32729,7 +32729,7 @@
             </a:ln>
             <a:extLst>
               <a:ext uri="{91240B29-F687-4f45-9708-019B960494DF}">
-                <a14:hiddenLine xmlns="" xmlns:a16="http://schemas.microsoft.com/office/drawing/2014/main" xmlns:p14="http://schemas.microsoft.com/office/powerpoint/2010/main" xmlns:a14="http://schemas.microsoft.com/office/drawing/2010/main" w="9525">
+                <a14:hiddenLine xmlns:a14="http://schemas.microsoft.com/office/drawing/2010/main" xmlns:p14="http://schemas.microsoft.com/office/powerpoint/2010/main" xmlns:a16="http://schemas.microsoft.com/office/drawing/2014/main" xmlns="" w="9525">
                   <a:solidFill>
                     <a:srgbClr val="000000"/>
                   </a:solidFill>
@@ -32806,7 +32806,7 @@
             </a:ln>
             <a:extLst>
               <a:ext uri="{91240B29-F687-4f45-9708-019B960494DF}">
-                <a14:hiddenLine xmlns="" xmlns:a16="http://schemas.microsoft.com/office/drawing/2014/main" xmlns:p14="http://schemas.microsoft.com/office/powerpoint/2010/main" xmlns:a14="http://schemas.microsoft.com/office/drawing/2010/main" w="9525">
+                <a14:hiddenLine xmlns:a14="http://schemas.microsoft.com/office/drawing/2010/main" xmlns:p14="http://schemas.microsoft.com/office/powerpoint/2010/main" xmlns:a16="http://schemas.microsoft.com/office/drawing/2014/main" xmlns="" w="9525">
                   <a:solidFill>
                     <a:srgbClr val="000000"/>
                   </a:solidFill>
@@ -32941,7 +32941,7 @@
             </a:ln>
             <a:extLst>
               <a:ext uri="{91240B29-F687-4f45-9708-019B960494DF}">
-                <a14:hiddenLine xmlns="" xmlns:a16="http://schemas.microsoft.com/office/drawing/2014/main" xmlns:p14="http://schemas.microsoft.com/office/powerpoint/2010/main" xmlns:a14="http://schemas.microsoft.com/office/drawing/2010/main" w="9525">
+                <a14:hiddenLine xmlns:a14="http://schemas.microsoft.com/office/drawing/2010/main" xmlns:p14="http://schemas.microsoft.com/office/powerpoint/2010/main" xmlns:a16="http://schemas.microsoft.com/office/drawing/2014/main" xmlns="" w="9525">
                   <a:solidFill>
                     <a:srgbClr val="000000"/>
                   </a:solidFill>
@@ -33024,7 +33024,7 @@
             </a:ln>
             <a:extLst>
               <a:ext uri="{91240B29-F687-4f45-9708-019B960494DF}">
-                <a14:hiddenLine xmlns="" xmlns:a16="http://schemas.microsoft.com/office/drawing/2014/main" xmlns:p14="http://schemas.microsoft.com/office/powerpoint/2010/main" xmlns:a14="http://schemas.microsoft.com/office/drawing/2010/main" w="9525">
+                <a14:hiddenLine xmlns:a14="http://schemas.microsoft.com/office/drawing/2010/main" xmlns:p14="http://schemas.microsoft.com/office/powerpoint/2010/main" xmlns:a16="http://schemas.microsoft.com/office/drawing/2014/main" xmlns="" w="9525">
                   <a:solidFill>
                     <a:srgbClr val="000000"/>
                   </a:solidFill>
@@ -33129,7 +33129,7 @@
             </a:ln>
             <a:extLst>
               <a:ext uri="{91240B29-F687-4f45-9708-019B960494DF}">
-                <a14:hiddenLine xmlns="" xmlns:a16="http://schemas.microsoft.com/office/drawing/2014/main" xmlns:p14="http://schemas.microsoft.com/office/powerpoint/2010/main" xmlns:a14="http://schemas.microsoft.com/office/drawing/2010/main" w="9525">
+                <a14:hiddenLine xmlns:a14="http://schemas.microsoft.com/office/drawing/2010/main" xmlns:p14="http://schemas.microsoft.com/office/powerpoint/2010/main" xmlns:a16="http://schemas.microsoft.com/office/drawing/2014/main" xmlns="" w="9525">
                   <a:solidFill>
                     <a:srgbClr val="000000"/>
                   </a:solidFill>
@@ -33190,7 +33190,7 @@
           <a:noFill/>
           <a:extLst>
             <a:ext uri="{909E8E84-426E-40dd-AFC4-6F175D3DCCD1}">
-              <a14:hiddenFill xmlns="" xmlns:a16="http://schemas.microsoft.com/office/drawing/2014/main" xmlns:p14="http://schemas.microsoft.com/office/powerpoint/2010/main" xmlns:a14="http://schemas.microsoft.com/office/drawing/2010/main">
+              <a14:hiddenFill xmlns:a14="http://schemas.microsoft.com/office/drawing/2010/main" xmlns:p14="http://schemas.microsoft.com/office/powerpoint/2010/main" xmlns:a16="http://schemas.microsoft.com/office/drawing/2014/main" xmlns="">
                 <a:solidFill>
                   <a:srgbClr val="FFFFFF"/>
                 </a:solidFill>
